--- a/Micropython Pico SIG presentation 0 1.pptx
+++ b/Micropython Pico SIG presentation 0 1.pptx
@@ -15,11 +15,10 @@
     <p:sldId id="271" r:id="rId9"/>
     <p:sldId id="272" r:id="rId10"/>
     <p:sldId id="273" r:id="rId11"/>
-    <p:sldId id="274" r:id="rId12"/>
-    <p:sldId id="276" r:id="rId13"/>
-    <p:sldId id="277" r:id="rId14"/>
-    <p:sldId id="278" r:id="rId15"/>
-    <p:sldId id="266" r:id="rId16"/>
+    <p:sldId id="276" r:id="rId12"/>
+    <p:sldId id="277" r:id="rId13"/>
+    <p:sldId id="278" r:id="rId14"/>
+    <p:sldId id="266" r:id="rId15"/>
   </p:sldIdLst>
   <p:sldSz cx="12192000" cy="6858000"/>
   <p:notesSz cx="6858000" cy="9144000"/>
@@ -176,7 +175,7 @@
           <a:noFill/>
           <a:extLst>
             <a:ext uri="{909E8E84-426E-40dd-AFC4-6F175D3DCCD1}">
-              <a14:hiddenFill xmlns:a14="http://schemas.microsoft.com/office/drawing/2010/main" xmlns="">
+              <a14:hiddenFill xmlns="" xmlns:a14="http://schemas.microsoft.com/office/drawing/2010/main">
                 <a:solidFill>
                   <a:srgbClr val="FFFFFF"/>
                 </a:solidFill>
@@ -236,7 +235,7 @@
             </a:ln>
             <a:extLst>
               <a:ext uri="{91240B29-F687-4f45-9708-019B960494DF}">
-                <a14:hiddenLine xmlns:a14="http://schemas.microsoft.com/office/drawing/2010/main" xmlns="" w="9525">
+                <a14:hiddenLine xmlns="" xmlns:a14="http://schemas.microsoft.com/office/drawing/2010/main" w="9525">
                   <a:solidFill>
                     <a:srgbClr val="000000"/>
                   </a:solidFill>
@@ -326,7 +325,7 @@
             </a:ln>
             <a:extLst>
               <a:ext uri="{91240B29-F687-4f45-9708-019B960494DF}">
-                <a14:hiddenLine xmlns:a14="http://schemas.microsoft.com/office/drawing/2010/main" xmlns="" w="9525">
+                <a14:hiddenLine xmlns="" xmlns:a14="http://schemas.microsoft.com/office/drawing/2010/main" w="9525">
                   <a:solidFill>
                     <a:srgbClr val="000000"/>
                   </a:solidFill>
@@ -416,7 +415,7 @@
             </a:ln>
             <a:extLst>
               <a:ext uri="{91240B29-F687-4f45-9708-019B960494DF}">
-                <a14:hiddenLine xmlns:a14="http://schemas.microsoft.com/office/drawing/2010/main" xmlns="" w="9525">
+                <a14:hiddenLine xmlns="" xmlns:a14="http://schemas.microsoft.com/office/drawing/2010/main" w="9525">
                   <a:solidFill>
                     <a:srgbClr val="000000"/>
                   </a:solidFill>
@@ -450,7 +449,7 @@
             </a:ln>
             <a:extLst>
               <a:ext uri="{91240B29-F687-4f45-9708-019B960494DF}">
-                <a14:hiddenLine xmlns:a14="http://schemas.microsoft.com/office/drawing/2010/main" xmlns="" w="9525">
+                <a14:hiddenLine xmlns="" xmlns:a14="http://schemas.microsoft.com/office/drawing/2010/main" w="9525">
                   <a:solidFill>
                     <a:srgbClr val="000000"/>
                   </a:solidFill>
@@ -540,7 +539,7 @@
             </a:ln>
             <a:extLst>
               <a:ext uri="{91240B29-F687-4f45-9708-019B960494DF}">
-                <a14:hiddenLine xmlns:a14="http://schemas.microsoft.com/office/drawing/2010/main" xmlns="" w="9525">
+                <a14:hiddenLine xmlns="" xmlns:a14="http://schemas.microsoft.com/office/drawing/2010/main" w="9525">
                   <a:solidFill>
                     <a:srgbClr val="000000"/>
                   </a:solidFill>
@@ -602,7 +601,7 @@
             </a:ln>
             <a:extLst>
               <a:ext uri="{91240B29-F687-4f45-9708-019B960494DF}">
-                <a14:hiddenLine xmlns:a14="http://schemas.microsoft.com/office/drawing/2010/main" xmlns="" w="9525">
+                <a14:hiddenLine xmlns="" xmlns:a14="http://schemas.microsoft.com/office/drawing/2010/main" w="9525">
                   <a:solidFill>
                     <a:srgbClr val="000000"/>
                   </a:solidFill>
@@ -664,7 +663,7 @@
             </a:ln>
             <a:extLst>
               <a:ext uri="{91240B29-F687-4f45-9708-019B960494DF}">
-                <a14:hiddenLine xmlns:a14="http://schemas.microsoft.com/office/drawing/2010/main" xmlns="" w="9525">
+                <a14:hiddenLine xmlns="" xmlns:a14="http://schemas.microsoft.com/office/drawing/2010/main" w="9525">
                   <a:solidFill>
                     <a:srgbClr val="000000"/>
                   </a:solidFill>
@@ -754,7 +753,7 @@
             </a:ln>
             <a:extLst>
               <a:ext uri="{91240B29-F687-4f45-9708-019B960494DF}">
-                <a14:hiddenLine xmlns:a14="http://schemas.microsoft.com/office/drawing/2010/main" xmlns="" w="9525">
+                <a14:hiddenLine xmlns="" xmlns:a14="http://schemas.microsoft.com/office/drawing/2010/main" w="9525">
                   <a:solidFill>
                     <a:srgbClr val="000000"/>
                   </a:solidFill>
@@ -816,7 +815,7 @@
             </a:ln>
             <a:extLst>
               <a:ext uri="{91240B29-F687-4f45-9708-019B960494DF}">
-                <a14:hiddenLine xmlns:a14="http://schemas.microsoft.com/office/drawing/2010/main" xmlns="" w="9525">
+                <a14:hiddenLine xmlns="" xmlns:a14="http://schemas.microsoft.com/office/drawing/2010/main" w="9525">
                   <a:solidFill>
                     <a:srgbClr val="000000"/>
                   </a:solidFill>
@@ -878,7 +877,7 @@
             </a:ln>
             <a:extLst>
               <a:ext uri="{91240B29-F687-4f45-9708-019B960494DF}">
-                <a14:hiddenLine xmlns:a14="http://schemas.microsoft.com/office/drawing/2010/main" xmlns="" w="9525">
+                <a14:hiddenLine xmlns="" xmlns:a14="http://schemas.microsoft.com/office/drawing/2010/main" w="9525">
                   <a:solidFill>
                     <a:srgbClr val="000000"/>
                   </a:solidFill>
@@ -968,7 +967,7 @@
             </a:ln>
             <a:extLst>
               <a:ext uri="{91240B29-F687-4f45-9708-019B960494DF}">
-                <a14:hiddenLine xmlns:a14="http://schemas.microsoft.com/office/drawing/2010/main" xmlns="" w="9525">
+                <a14:hiddenLine xmlns="" xmlns:a14="http://schemas.microsoft.com/office/drawing/2010/main" w="9525">
                   <a:solidFill>
                     <a:srgbClr val="000000"/>
                   </a:solidFill>
@@ -1058,7 +1057,7 @@
             </a:ln>
             <a:extLst>
               <a:ext uri="{91240B29-F687-4f45-9708-019B960494DF}">
-                <a14:hiddenLine xmlns:a14="http://schemas.microsoft.com/office/drawing/2010/main" xmlns="" w="9525">
+                <a14:hiddenLine xmlns="" xmlns:a14="http://schemas.microsoft.com/office/drawing/2010/main" w="9525">
                   <a:solidFill>
                     <a:srgbClr val="000000"/>
                   </a:solidFill>
@@ -1120,7 +1119,7 @@
             </a:ln>
             <a:extLst>
               <a:ext uri="{91240B29-F687-4f45-9708-019B960494DF}">
-                <a14:hiddenLine xmlns:a14="http://schemas.microsoft.com/office/drawing/2010/main" xmlns="" w="9525">
+                <a14:hiddenLine xmlns="" xmlns:a14="http://schemas.microsoft.com/office/drawing/2010/main" w="9525">
                   <a:solidFill>
                     <a:srgbClr val="000000"/>
                   </a:solidFill>
@@ -1230,7 +1229,7 @@
             </a:ln>
             <a:extLst>
               <a:ext uri="{91240B29-F687-4f45-9708-019B960494DF}">
-                <a14:hiddenLine xmlns:a14="http://schemas.microsoft.com/office/drawing/2010/main" xmlns="" w="9525">
+                <a14:hiddenLine xmlns="" xmlns:a14="http://schemas.microsoft.com/office/drawing/2010/main" w="9525">
                   <a:solidFill>
                     <a:srgbClr val="000000"/>
                   </a:solidFill>
@@ -1292,7 +1291,7 @@
             </a:ln>
             <a:extLst>
               <a:ext uri="{91240B29-F687-4f45-9708-019B960494DF}">
-                <a14:hiddenLine xmlns:a14="http://schemas.microsoft.com/office/drawing/2010/main" xmlns="" w="9525">
+                <a14:hiddenLine xmlns="" xmlns:a14="http://schemas.microsoft.com/office/drawing/2010/main" w="9525">
                   <a:solidFill>
                     <a:srgbClr val="000000"/>
                   </a:solidFill>
@@ -1382,7 +1381,7 @@
             </a:ln>
             <a:extLst>
               <a:ext uri="{91240B29-F687-4f45-9708-019B960494DF}">
-                <a14:hiddenLine xmlns:a14="http://schemas.microsoft.com/office/drawing/2010/main" xmlns="" w="9525">
+                <a14:hiddenLine xmlns="" xmlns:a14="http://schemas.microsoft.com/office/drawing/2010/main" w="9525">
                   <a:solidFill>
                     <a:srgbClr val="000000"/>
                   </a:solidFill>
@@ -1472,7 +1471,7 @@
             </a:ln>
             <a:extLst>
               <a:ext uri="{91240B29-F687-4f45-9708-019B960494DF}">
-                <a14:hiddenLine xmlns:a14="http://schemas.microsoft.com/office/drawing/2010/main" xmlns="" w="9525">
+                <a14:hiddenLine xmlns="" xmlns:a14="http://schemas.microsoft.com/office/drawing/2010/main" w="9525">
                   <a:solidFill>
                     <a:srgbClr val="000000"/>
                   </a:solidFill>
@@ -1534,7 +1533,7 @@
             </a:ln>
             <a:extLst>
               <a:ext uri="{91240B29-F687-4f45-9708-019B960494DF}">
-                <a14:hiddenLine xmlns:a14="http://schemas.microsoft.com/office/drawing/2010/main" xmlns="" w="9525">
+                <a14:hiddenLine xmlns="" xmlns:a14="http://schemas.microsoft.com/office/drawing/2010/main" w="9525">
                   <a:solidFill>
                     <a:srgbClr val="000000"/>
                   </a:solidFill>
@@ -1624,7 +1623,7 @@
             </a:ln>
             <a:extLst>
               <a:ext uri="{91240B29-F687-4f45-9708-019B960494DF}">
-                <a14:hiddenLine xmlns:a14="http://schemas.microsoft.com/office/drawing/2010/main" xmlns="" w="9525">
+                <a14:hiddenLine xmlns="" xmlns:a14="http://schemas.microsoft.com/office/drawing/2010/main" w="9525">
                   <a:solidFill>
                     <a:srgbClr val="000000"/>
                   </a:solidFill>
@@ -1714,7 +1713,7 @@
             </a:ln>
             <a:extLst>
               <a:ext uri="{91240B29-F687-4f45-9708-019B960494DF}">
-                <a14:hiddenLine xmlns:a14="http://schemas.microsoft.com/office/drawing/2010/main" xmlns="" w="9525">
+                <a14:hiddenLine xmlns="" xmlns:a14="http://schemas.microsoft.com/office/drawing/2010/main" w="9525">
                   <a:solidFill>
                     <a:srgbClr val="000000"/>
                   </a:solidFill>
@@ -1770,7 +1769,7 @@
             </a:ln>
             <a:extLst>
               <a:ext uri="{91240B29-F687-4f45-9708-019B960494DF}">
-                <a14:hiddenLine xmlns:a14="http://schemas.microsoft.com/office/drawing/2010/main" xmlns="" w="9525">
+                <a14:hiddenLine xmlns="" xmlns:a14="http://schemas.microsoft.com/office/drawing/2010/main" w="9525">
                   <a:solidFill>
                     <a:srgbClr val="000000"/>
                   </a:solidFill>
@@ -1860,7 +1859,7 @@
             </a:ln>
             <a:extLst>
               <a:ext uri="{91240B29-F687-4f45-9708-019B960494DF}">
-                <a14:hiddenLine xmlns:a14="http://schemas.microsoft.com/office/drawing/2010/main" xmlns="" w="9525">
+                <a14:hiddenLine xmlns="" xmlns:a14="http://schemas.microsoft.com/office/drawing/2010/main" w="9525">
                   <a:solidFill>
                     <a:srgbClr val="000000"/>
                   </a:solidFill>
@@ -1916,7 +1915,7 @@
             </a:ln>
             <a:extLst>
               <a:ext uri="{91240B29-F687-4f45-9708-019B960494DF}">
-                <a14:hiddenLine xmlns:a14="http://schemas.microsoft.com/office/drawing/2010/main" xmlns="" w="9525">
+                <a14:hiddenLine xmlns="" xmlns:a14="http://schemas.microsoft.com/office/drawing/2010/main" w="9525">
                   <a:solidFill>
                     <a:srgbClr val="000000"/>
                   </a:solidFill>
@@ -2006,7 +2005,7 @@
             </a:ln>
             <a:extLst>
               <a:ext uri="{91240B29-F687-4f45-9708-019B960494DF}">
-                <a14:hiddenLine xmlns:a14="http://schemas.microsoft.com/office/drawing/2010/main" xmlns="" w="9525">
+                <a14:hiddenLine xmlns="" xmlns:a14="http://schemas.microsoft.com/office/drawing/2010/main" w="9525">
                   <a:solidFill>
                     <a:srgbClr val="000000"/>
                   </a:solidFill>
@@ -2074,7 +2073,7 @@
             </a:ln>
             <a:extLst>
               <a:ext uri="{91240B29-F687-4f45-9708-019B960494DF}">
-                <a14:hiddenLine xmlns:a14="http://schemas.microsoft.com/office/drawing/2010/main" xmlns="" w="9525">
+                <a14:hiddenLine xmlns="" xmlns:a14="http://schemas.microsoft.com/office/drawing/2010/main" w="9525">
                   <a:solidFill>
                     <a:srgbClr val="000000"/>
                   </a:solidFill>
@@ -2164,7 +2163,7 @@
             </a:ln>
             <a:extLst>
               <a:ext uri="{91240B29-F687-4f45-9708-019B960494DF}">
-                <a14:hiddenLine xmlns:a14="http://schemas.microsoft.com/office/drawing/2010/main" xmlns="" w="9525">
+                <a14:hiddenLine xmlns="" xmlns:a14="http://schemas.microsoft.com/office/drawing/2010/main" w="9525">
                   <a:solidFill>
                     <a:srgbClr val="000000"/>
                   </a:solidFill>
@@ -2232,7 +2231,7 @@
             </a:ln>
             <a:extLst>
               <a:ext uri="{91240B29-F687-4f45-9708-019B960494DF}">
-                <a14:hiddenLine xmlns:a14="http://schemas.microsoft.com/office/drawing/2010/main" xmlns="" w="9525">
+                <a14:hiddenLine xmlns="" xmlns:a14="http://schemas.microsoft.com/office/drawing/2010/main" w="9525">
                   <a:solidFill>
                     <a:srgbClr val="000000"/>
                   </a:solidFill>
@@ -2322,7 +2321,7 @@
             </a:ln>
             <a:extLst>
               <a:ext uri="{91240B29-F687-4f45-9708-019B960494DF}">
-                <a14:hiddenLine xmlns:a14="http://schemas.microsoft.com/office/drawing/2010/main" xmlns="" w="9525">
+                <a14:hiddenLine xmlns="" xmlns:a14="http://schemas.microsoft.com/office/drawing/2010/main" w="9525">
                   <a:solidFill>
                     <a:srgbClr val="000000"/>
                   </a:solidFill>
@@ -2356,7 +2355,7 @@
             </a:ln>
             <a:extLst>
               <a:ext uri="{91240B29-F687-4f45-9708-019B960494DF}">
-                <a14:hiddenLine xmlns:a14="http://schemas.microsoft.com/office/drawing/2010/main" xmlns="" w="9525">
+                <a14:hiddenLine xmlns="" xmlns:a14="http://schemas.microsoft.com/office/drawing/2010/main" w="9525">
                   <a:solidFill>
                     <a:srgbClr val="000000"/>
                   </a:solidFill>
@@ -2446,7 +2445,7 @@
             </a:ln>
             <a:extLst>
               <a:ext uri="{91240B29-F687-4f45-9708-019B960494DF}">
-                <a14:hiddenLine xmlns:a14="http://schemas.microsoft.com/office/drawing/2010/main" xmlns="" w="9525">
+                <a14:hiddenLine xmlns="" xmlns:a14="http://schemas.microsoft.com/office/drawing/2010/main" w="9525">
                   <a:solidFill>
                     <a:srgbClr val="000000"/>
                   </a:solidFill>
@@ -2508,7 +2507,7 @@
             </a:ln>
             <a:extLst>
               <a:ext uri="{91240B29-F687-4f45-9708-019B960494DF}">
-                <a14:hiddenLine xmlns:a14="http://schemas.microsoft.com/office/drawing/2010/main" xmlns="" w="9525">
+                <a14:hiddenLine xmlns="" xmlns:a14="http://schemas.microsoft.com/office/drawing/2010/main" w="9525">
                   <a:solidFill>
                     <a:srgbClr val="000000"/>
                   </a:solidFill>
@@ -2570,7 +2569,7 @@
             </a:ln>
             <a:extLst>
               <a:ext uri="{91240B29-F687-4f45-9708-019B960494DF}">
-                <a14:hiddenLine xmlns:a14="http://schemas.microsoft.com/office/drawing/2010/main" xmlns="" w="9525">
+                <a14:hiddenLine xmlns="" xmlns:a14="http://schemas.microsoft.com/office/drawing/2010/main" w="9525">
                   <a:solidFill>
                     <a:srgbClr val="000000"/>
                   </a:solidFill>
@@ -2660,7 +2659,7 @@
             </a:ln>
             <a:extLst>
               <a:ext uri="{91240B29-F687-4f45-9708-019B960494DF}">
-                <a14:hiddenLine xmlns:a14="http://schemas.microsoft.com/office/drawing/2010/main" xmlns="" w="9525">
+                <a14:hiddenLine xmlns="" xmlns:a14="http://schemas.microsoft.com/office/drawing/2010/main" w="9525">
                   <a:solidFill>
                     <a:srgbClr val="000000"/>
                   </a:solidFill>
@@ -2728,7 +2727,7 @@
             </a:ln>
             <a:extLst>
               <a:ext uri="{91240B29-F687-4f45-9708-019B960494DF}">
-                <a14:hiddenLine xmlns:a14="http://schemas.microsoft.com/office/drawing/2010/main" xmlns="" w="9525">
+                <a14:hiddenLine xmlns="" xmlns:a14="http://schemas.microsoft.com/office/drawing/2010/main" w="9525">
                   <a:solidFill>
                     <a:srgbClr val="000000"/>
                   </a:solidFill>
@@ -2790,7 +2789,7 @@
             </a:ln>
             <a:extLst>
               <a:ext uri="{91240B29-F687-4f45-9708-019B960494DF}">
-                <a14:hiddenLine xmlns:a14="http://schemas.microsoft.com/office/drawing/2010/main" xmlns="" w="9525">
+                <a14:hiddenLine xmlns="" xmlns:a14="http://schemas.microsoft.com/office/drawing/2010/main" w="9525">
                   <a:solidFill>
                     <a:srgbClr val="000000"/>
                   </a:solidFill>
@@ -2880,7 +2879,7 @@
             </a:ln>
             <a:extLst>
               <a:ext uri="{91240B29-F687-4f45-9708-019B960494DF}">
-                <a14:hiddenLine xmlns:a14="http://schemas.microsoft.com/office/drawing/2010/main" xmlns="" w="9525">
+                <a14:hiddenLine xmlns="" xmlns:a14="http://schemas.microsoft.com/office/drawing/2010/main" w="9525">
                   <a:solidFill>
                     <a:srgbClr val="000000"/>
                   </a:solidFill>
@@ -2942,7 +2941,7 @@
             </a:ln>
             <a:extLst>
               <a:ext uri="{91240B29-F687-4f45-9708-019B960494DF}">
-                <a14:hiddenLine xmlns:a14="http://schemas.microsoft.com/office/drawing/2010/main" xmlns="" w="9525">
+                <a14:hiddenLine xmlns="" xmlns:a14="http://schemas.microsoft.com/office/drawing/2010/main" w="9525">
                   <a:solidFill>
                     <a:srgbClr val="000000"/>
                   </a:solidFill>
@@ -3032,7 +3031,7 @@
             </a:ln>
             <a:extLst>
               <a:ext uri="{91240B29-F687-4f45-9708-019B960494DF}">
-                <a14:hiddenLine xmlns:a14="http://schemas.microsoft.com/office/drawing/2010/main" xmlns="" w="9525">
+                <a14:hiddenLine xmlns="" xmlns:a14="http://schemas.microsoft.com/office/drawing/2010/main" w="9525">
                   <a:solidFill>
                     <a:srgbClr val="000000"/>
                   </a:solidFill>
@@ -3094,7 +3093,7 @@
             </a:ln>
             <a:extLst>
               <a:ext uri="{91240B29-F687-4f45-9708-019B960494DF}">
-                <a14:hiddenLine xmlns:a14="http://schemas.microsoft.com/office/drawing/2010/main" xmlns="" w="9525">
+                <a14:hiddenLine xmlns="" xmlns:a14="http://schemas.microsoft.com/office/drawing/2010/main" w="9525">
                   <a:solidFill>
                     <a:srgbClr val="000000"/>
                   </a:solidFill>
@@ -3184,7 +3183,7 @@
             </a:ln>
             <a:extLst>
               <a:ext uri="{91240B29-F687-4f45-9708-019B960494DF}">
-                <a14:hiddenLine xmlns:a14="http://schemas.microsoft.com/office/drawing/2010/main" xmlns="" w="9525">
+                <a14:hiddenLine xmlns="" xmlns:a14="http://schemas.microsoft.com/office/drawing/2010/main" w="9525">
                   <a:solidFill>
                     <a:srgbClr val="000000"/>
                   </a:solidFill>
@@ -3218,7 +3217,7 @@
             </a:ln>
             <a:extLst>
               <a:ext uri="{91240B29-F687-4f45-9708-019B960494DF}">
-                <a14:hiddenLine xmlns:a14="http://schemas.microsoft.com/office/drawing/2010/main" xmlns="" w="9525">
+                <a14:hiddenLine xmlns="" xmlns:a14="http://schemas.microsoft.com/office/drawing/2010/main" w="9525">
                   <a:solidFill>
                     <a:srgbClr val="000000"/>
                   </a:solidFill>
@@ -3283,7 +3282,7 @@
             </a:ln>
             <a:extLst>
               <a:ext uri="{91240B29-F687-4f45-9708-019B960494DF}">
-                <a14:hiddenLine xmlns:a14="http://schemas.microsoft.com/office/drawing/2010/main" xmlns="" w="9525">
+                <a14:hiddenLine xmlns="" xmlns:a14="http://schemas.microsoft.com/office/drawing/2010/main" w="9525">
                   <a:solidFill>
                     <a:srgbClr val="000000"/>
                   </a:solidFill>
@@ -3373,7 +3372,7 @@
             </a:ln>
             <a:extLst>
               <a:ext uri="{91240B29-F687-4f45-9708-019B960494DF}">
-                <a14:hiddenLine xmlns:a14="http://schemas.microsoft.com/office/drawing/2010/main" xmlns="" w="9525">
+                <a14:hiddenLine xmlns="" xmlns:a14="http://schemas.microsoft.com/office/drawing/2010/main" w="9525">
                   <a:solidFill>
                     <a:srgbClr val="000000"/>
                   </a:solidFill>
@@ -3435,7 +3434,7 @@
             </a:ln>
             <a:extLst>
               <a:ext uri="{91240B29-F687-4f45-9708-019B960494DF}">
-                <a14:hiddenLine xmlns:a14="http://schemas.microsoft.com/office/drawing/2010/main" xmlns="" w="9525">
+                <a14:hiddenLine xmlns="" xmlns:a14="http://schemas.microsoft.com/office/drawing/2010/main" w="9525">
                   <a:solidFill>
                     <a:srgbClr val="000000"/>
                   </a:solidFill>
@@ -3525,7 +3524,7 @@
             </a:ln>
             <a:extLst>
               <a:ext uri="{91240B29-F687-4f45-9708-019B960494DF}">
-                <a14:hiddenLine xmlns:a14="http://schemas.microsoft.com/office/drawing/2010/main" xmlns="" w="9525">
+                <a14:hiddenLine xmlns="" xmlns:a14="http://schemas.microsoft.com/office/drawing/2010/main" w="9525">
                   <a:solidFill>
                     <a:srgbClr val="000000"/>
                   </a:solidFill>
@@ -3615,7 +3614,7 @@
             </a:ln>
             <a:extLst>
               <a:ext uri="{91240B29-F687-4f45-9708-019B960494DF}">
-                <a14:hiddenLine xmlns:a14="http://schemas.microsoft.com/office/drawing/2010/main" xmlns="" w="9525">
+                <a14:hiddenLine xmlns="" xmlns:a14="http://schemas.microsoft.com/office/drawing/2010/main" w="9525">
                   <a:solidFill>
                     <a:srgbClr val="000000"/>
                   </a:solidFill>
@@ -3680,7 +3679,7 @@
             </a:ln>
             <a:extLst>
               <a:ext uri="{91240B29-F687-4f45-9708-019B960494DF}">
-                <a14:hiddenLine xmlns:a14="http://schemas.microsoft.com/office/drawing/2010/main" xmlns="" w="9525">
+                <a14:hiddenLine xmlns="" xmlns:a14="http://schemas.microsoft.com/office/drawing/2010/main" w="9525">
                   <a:solidFill>
                     <a:srgbClr val="000000"/>
                   </a:solidFill>
@@ -3742,7 +3741,7 @@
             </a:ln>
             <a:extLst>
               <a:ext uri="{91240B29-F687-4f45-9708-019B960494DF}">
-                <a14:hiddenLine xmlns:a14="http://schemas.microsoft.com/office/drawing/2010/main" xmlns="" w="9525">
+                <a14:hiddenLine xmlns="" xmlns:a14="http://schemas.microsoft.com/office/drawing/2010/main" w="9525">
                   <a:solidFill>
                     <a:srgbClr val="000000"/>
                   </a:solidFill>
@@ -3832,7 +3831,7 @@
             </a:ln>
             <a:extLst>
               <a:ext uri="{91240B29-F687-4f45-9708-019B960494DF}">
-                <a14:hiddenLine xmlns:a14="http://schemas.microsoft.com/office/drawing/2010/main" xmlns="" w="9525">
+                <a14:hiddenLine xmlns="" xmlns:a14="http://schemas.microsoft.com/office/drawing/2010/main" w="9525">
                   <a:solidFill>
                     <a:srgbClr val="000000"/>
                   </a:solidFill>
@@ -3922,7 +3921,7 @@
             </a:ln>
             <a:extLst>
               <a:ext uri="{91240B29-F687-4f45-9708-019B960494DF}">
-                <a14:hiddenLine xmlns:a14="http://schemas.microsoft.com/office/drawing/2010/main" xmlns="" w="9525">
+                <a14:hiddenLine xmlns="" xmlns:a14="http://schemas.microsoft.com/office/drawing/2010/main" w="9525">
                   <a:solidFill>
                     <a:srgbClr val="000000"/>
                   </a:solidFill>
@@ -3984,7 +3983,7 @@
             </a:ln>
             <a:extLst>
               <a:ext uri="{91240B29-F687-4f45-9708-019B960494DF}">
-                <a14:hiddenLine xmlns:a14="http://schemas.microsoft.com/office/drawing/2010/main" xmlns="" w="9525">
+                <a14:hiddenLine xmlns="" xmlns:a14="http://schemas.microsoft.com/office/drawing/2010/main" w="9525">
                   <a:solidFill>
                     <a:srgbClr val="000000"/>
                   </a:solidFill>
@@ -4104,7 +4103,7 @@
             </a:ln>
             <a:extLst>
               <a:ext uri="{91240B29-F687-4f45-9708-019B960494DF}">
-                <a14:hiddenLine xmlns:a14="http://schemas.microsoft.com/office/drawing/2010/main" xmlns="" w="9525">
+                <a14:hiddenLine xmlns="" xmlns:a14="http://schemas.microsoft.com/office/drawing/2010/main" w="9525">
                   <a:solidFill>
                     <a:srgbClr val="000000"/>
                   </a:solidFill>
@@ -4172,7 +4171,7 @@
             </a:ln>
             <a:extLst>
               <a:ext uri="{91240B29-F687-4f45-9708-019B960494DF}">
-                <a14:hiddenLine xmlns:a14="http://schemas.microsoft.com/office/drawing/2010/main" xmlns="" w="9525">
+                <a14:hiddenLine xmlns="" xmlns:a14="http://schemas.microsoft.com/office/drawing/2010/main" w="9525">
                   <a:solidFill>
                     <a:srgbClr val="000000"/>
                   </a:solidFill>
@@ -4262,7 +4261,7 @@
             </a:ln>
             <a:extLst>
               <a:ext uri="{91240B29-F687-4f45-9708-019B960494DF}">
-                <a14:hiddenLine xmlns:a14="http://schemas.microsoft.com/office/drawing/2010/main" xmlns="" w="9525">
+                <a14:hiddenLine xmlns="" xmlns:a14="http://schemas.microsoft.com/office/drawing/2010/main" w="9525">
                   <a:solidFill>
                     <a:srgbClr val="000000"/>
                   </a:solidFill>
@@ -4402,7 +4401,7 @@
           <a:p>
             <a:fld id="{48A87A34-81AB-432B-8DAE-1953F412C126}" type="datetimeFigureOut">
               <a:rPr lang="en-US"/>
-              <a:t>1/10/23</a:t>
+              <a:t>1/14/23</a:t>
             </a:fld>
             <a:endParaRPr lang="en-US"/>
           </a:p>
@@ -4663,7 +4662,7 @@
           <a:p>
             <a:fld id="{48A87A34-81AB-432B-8DAE-1953F412C126}" type="datetimeFigureOut">
               <a:rPr lang="en-US"/>
-              <a:t>1/10/23</a:t>
+              <a:t>1/14/23</a:t>
             </a:fld>
             <a:endParaRPr lang="en-US"/>
           </a:p>
@@ -4854,7 +4853,7 @@
           <a:p>
             <a:fld id="{48A87A34-81AB-432B-8DAE-1953F412C126}" type="datetimeFigureOut">
               <a:rPr lang="en-US"/>
-              <a:t>1/10/23</a:t>
+              <a:t>1/14/23</a:t>
             </a:fld>
             <a:endParaRPr lang="en-US"/>
           </a:p>
@@ -5112,7 +5111,7 @@
           <a:p>
             <a:fld id="{48A87A34-81AB-432B-8DAE-1953F412C126}" type="datetimeFigureOut">
               <a:rPr lang="en-US"/>
-              <a:t>1/10/23</a:t>
+              <a:t>1/14/23</a:t>
             </a:fld>
             <a:endParaRPr lang="en-US"/>
           </a:p>
@@ -5541,7 +5540,7 @@
           <a:p>
             <a:fld id="{48A87A34-81AB-432B-8DAE-1953F412C126}" type="datetimeFigureOut">
               <a:rPr lang="en-US"/>
-              <a:t>1/10/23</a:t>
+              <a:t>1/14/23</a:t>
             </a:fld>
             <a:endParaRPr lang="en-US"/>
           </a:p>
@@ -6082,7 +6081,7 @@
           <a:p>
             <a:fld id="{48A87A34-81AB-432B-8DAE-1953F412C126}" type="datetimeFigureOut">
               <a:rPr lang="en-US"/>
-              <a:t>1/10/23</a:t>
+              <a:t>1/14/23</a:t>
             </a:fld>
             <a:endParaRPr lang="en-US"/>
           </a:p>
@@ -6794,7 +6793,7 @@
           <a:p>
             <a:fld id="{48A87A34-81AB-432B-8DAE-1953F412C126}" type="datetimeFigureOut">
               <a:rPr lang="en-US"/>
-              <a:t>1/10/23</a:t>
+              <a:t>1/14/23</a:t>
             </a:fld>
             <a:endParaRPr lang="en-US"/>
           </a:p>
@@ -6959,7 +6958,7 @@
           <a:p>
             <a:fld id="{48A87A34-81AB-432B-8DAE-1953F412C126}" type="datetimeFigureOut">
               <a:rPr lang="en-US"/>
-              <a:t>1/10/23</a:t>
+              <a:t>1/14/23</a:t>
             </a:fld>
             <a:endParaRPr lang="en-US"/>
           </a:p>
@@ -7134,7 +7133,7 @@
           <a:p>
             <a:fld id="{48A87A34-81AB-432B-8DAE-1953F412C126}" type="datetimeFigureOut">
               <a:rPr lang="en-US"/>
-              <a:t>1/10/23</a:t>
+              <a:t>1/14/23</a:t>
             </a:fld>
             <a:endParaRPr lang="en-US"/>
           </a:p>
@@ -7299,7 +7298,7 @@
           <a:p>
             <a:fld id="{48A87A34-81AB-432B-8DAE-1953F412C126}" type="datetimeFigureOut">
               <a:rPr lang="en-US"/>
-              <a:t>1/10/23</a:t>
+              <a:t>1/14/23</a:t>
             </a:fld>
             <a:endParaRPr lang="en-US"/>
           </a:p>
@@ -7544,7 +7543,7 @@
           <a:p>
             <a:fld id="{48A87A34-81AB-432B-8DAE-1953F412C126}" type="datetimeFigureOut">
               <a:rPr lang="en-US"/>
-              <a:t>1/10/23</a:t>
+              <a:t>1/14/23</a:t>
             </a:fld>
             <a:endParaRPr lang="en-US"/>
           </a:p>
@@ -7771,7 +7770,7 @@
           <a:p>
             <a:fld id="{48A87A34-81AB-432B-8DAE-1953F412C126}" type="datetimeFigureOut">
               <a:rPr lang="en-US"/>
-              <a:t>1/10/23</a:t>
+              <a:t>1/14/23</a:t>
             </a:fld>
             <a:endParaRPr lang="en-US"/>
           </a:p>
@@ -8147,7 +8146,7 @@
           <a:p>
             <a:fld id="{48A87A34-81AB-432B-8DAE-1953F412C126}" type="datetimeFigureOut">
               <a:rPr lang="en-US"/>
-              <a:t>1/10/23</a:t>
+              <a:t>1/14/23</a:t>
             </a:fld>
             <a:endParaRPr lang="en-US"/>
           </a:p>
@@ -8260,7 +8259,7 @@
           <a:p>
             <a:fld id="{48A87A34-81AB-432B-8DAE-1953F412C126}" type="datetimeFigureOut">
               <a:rPr lang="en-US"/>
-              <a:t>1/10/23</a:t>
+              <a:t>1/14/23</a:t>
             </a:fld>
             <a:endParaRPr lang="en-US"/>
           </a:p>
@@ -8350,7 +8349,7 @@
           <a:p>
             <a:fld id="{48A87A34-81AB-432B-8DAE-1953F412C126}" type="datetimeFigureOut">
               <a:rPr lang="en-US"/>
-              <a:t>1/10/23</a:t>
+              <a:t>1/14/23</a:t>
             </a:fld>
             <a:endParaRPr lang="en-US"/>
           </a:p>
@@ -8594,7 +8593,7 @@
           <a:p>
             <a:fld id="{48A87A34-81AB-432B-8DAE-1953F412C126}" type="datetimeFigureOut">
               <a:rPr lang="en-US"/>
-              <a:t>1/10/23</a:t>
+              <a:t>1/14/23</a:t>
             </a:fld>
             <a:endParaRPr lang="en-US"/>
           </a:p>
@@ -8868,7 +8867,7 @@
           <a:p>
             <a:fld id="{48A87A34-81AB-432B-8DAE-1953F412C126}" type="datetimeFigureOut">
               <a:rPr lang="en-US"/>
-              <a:t>1/10/23</a:t>
+              <a:t>1/14/23</a:t>
             </a:fld>
             <a:endParaRPr lang="en-US"/>
           </a:p>
@@ -8979,7 +8978,7 @@
           <a:noFill/>
           <a:extLst>
             <a:ext uri="{909E8E84-426E-40dd-AFC4-6F175D3DCCD1}">
-              <a14:hiddenFill xmlns:a14="http://schemas.microsoft.com/office/drawing/2010/main" xmlns="">
+              <a14:hiddenFill xmlns="" xmlns:a14="http://schemas.microsoft.com/office/drawing/2010/main">
                 <a:solidFill>
                   <a:srgbClr val="FFFFFF"/>
                 </a:solidFill>
@@ -9053,7 +9052,7 @@
               </a:ln>
               <a:extLst>
                 <a:ext uri="{91240B29-F687-4f45-9708-019B960494DF}">
-                  <a14:hiddenLine xmlns:a14="http://schemas.microsoft.com/office/drawing/2010/main" xmlns="" w="9525">
+                  <a14:hiddenLine xmlns="" xmlns:a14="http://schemas.microsoft.com/office/drawing/2010/main" w="9525">
                     <a:solidFill>
                       <a:srgbClr val="000000"/>
                     </a:solidFill>
@@ -9143,7 +9142,7 @@
               </a:ln>
               <a:extLst>
                 <a:ext uri="{91240B29-F687-4f45-9708-019B960494DF}">
-                  <a14:hiddenLine xmlns:a14="http://schemas.microsoft.com/office/drawing/2010/main" xmlns="" w="9525">
+                  <a14:hiddenLine xmlns="" xmlns:a14="http://schemas.microsoft.com/office/drawing/2010/main" w="9525">
                     <a:solidFill>
                       <a:srgbClr val="000000"/>
                     </a:solidFill>
@@ -9233,7 +9232,7 @@
               </a:ln>
               <a:extLst>
                 <a:ext uri="{91240B29-F687-4f45-9708-019B960494DF}">
-                  <a14:hiddenLine xmlns:a14="http://schemas.microsoft.com/office/drawing/2010/main" xmlns="" w="9525">
+                  <a14:hiddenLine xmlns="" xmlns:a14="http://schemas.microsoft.com/office/drawing/2010/main" w="9525">
                     <a:solidFill>
                       <a:srgbClr val="000000"/>
                     </a:solidFill>
@@ -9295,7 +9294,7 @@
               </a:ln>
               <a:extLst>
                 <a:ext uri="{91240B29-F687-4f45-9708-019B960494DF}">
-                  <a14:hiddenLine xmlns:a14="http://schemas.microsoft.com/office/drawing/2010/main" xmlns="" w="9525">
+                  <a14:hiddenLine xmlns="" xmlns:a14="http://schemas.microsoft.com/office/drawing/2010/main" w="9525">
                     <a:solidFill>
                       <a:srgbClr val="000000"/>
                     </a:solidFill>
@@ -9385,7 +9384,7 @@
               </a:ln>
               <a:extLst>
                 <a:ext uri="{91240B29-F687-4f45-9708-019B960494DF}">
-                  <a14:hiddenLine xmlns:a14="http://schemas.microsoft.com/office/drawing/2010/main" xmlns="" w="9525">
+                  <a14:hiddenLine xmlns="" xmlns:a14="http://schemas.microsoft.com/office/drawing/2010/main" w="9525">
                     <a:solidFill>
                       <a:srgbClr val="000000"/>
                     </a:solidFill>
@@ -9447,7 +9446,7 @@
               </a:ln>
               <a:extLst>
                 <a:ext uri="{91240B29-F687-4f45-9708-019B960494DF}">
-                  <a14:hiddenLine xmlns:a14="http://schemas.microsoft.com/office/drawing/2010/main" xmlns="" w="9525">
+                  <a14:hiddenLine xmlns="" xmlns:a14="http://schemas.microsoft.com/office/drawing/2010/main" w="9525">
                     <a:solidFill>
                       <a:srgbClr val="000000"/>
                     </a:solidFill>
@@ -9509,7 +9508,7 @@
               </a:ln>
               <a:extLst>
                 <a:ext uri="{91240B29-F687-4f45-9708-019B960494DF}">
-                  <a14:hiddenLine xmlns:a14="http://schemas.microsoft.com/office/drawing/2010/main" xmlns="" w="9525">
+                  <a14:hiddenLine xmlns="" xmlns:a14="http://schemas.microsoft.com/office/drawing/2010/main" w="9525">
                     <a:solidFill>
                       <a:srgbClr val="000000"/>
                     </a:solidFill>
@@ -9599,7 +9598,7 @@
               </a:ln>
               <a:extLst>
                 <a:ext uri="{91240B29-F687-4f45-9708-019B960494DF}">
-                  <a14:hiddenLine xmlns:a14="http://schemas.microsoft.com/office/drawing/2010/main" xmlns="" w="9525">
+                  <a14:hiddenLine xmlns="" xmlns:a14="http://schemas.microsoft.com/office/drawing/2010/main" w="9525">
                     <a:solidFill>
                       <a:srgbClr val="000000"/>
                     </a:solidFill>
@@ -9689,7 +9688,7 @@
               </a:ln>
               <a:extLst>
                 <a:ext uri="{91240B29-F687-4f45-9708-019B960494DF}">
-                  <a14:hiddenLine xmlns:a14="http://schemas.microsoft.com/office/drawing/2010/main" xmlns="" w="9525">
+                  <a14:hiddenLine xmlns="" xmlns:a14="http://schemas.microsoft.com/office/drawing/2010/main" w="9525">
                     <a:solidFill>
                       <a:srgbClr val="000000"/>
                     </a:solidFill>
@@ -9751,7 +9750,7 @@
               </a:ln>
               <a:extLst>
                 <a:ext uri="{91240B29-F687-4f45-9708-019B960494DF}">
-                  <a14:hiddenLine xmlns:a14="http://schemas.microsoft.com/office/drawing/2010/main" xmlns="" w="9525">
+                  <a14:hiddenLine xmlns="" xmlns:a14="http://schemas.microsoft.com/office/drawing/2010/main" w="9525">
                     <a:solidFill>
                       <a:srgbClr val="000000"/>
                     </a:solidFill>
@@ -9861,7 +9860,7 @@
               </a:ln>
               <a:extLst>
                 <a:ext uri="{91240B29-F687-4f45-9708-019B960494DF}">
-                  <a14:hiddenLine xmlns:a14="http://schemas.microsoft.com/office/drawing/2010/main" xmlns="" w="9525">
+                  <a14:hiddenLine xmlns="" xmlns:a14="http://schemas.microsoft.com/office/drawing/2010/main" w="9525">
                     <a:solidFill>
                       <a:srgbClr val="000000"/>
                     </a:solidFill>
@@ -9945,7 +9944,7 @@
               </a:ln>
               <a:extLst>
                 <a:ext uri="{91240B29-F687-4f45-9708-019B960494DF}">
-                  <a14:hiddenLine xmlns:a14="http://schemas.microsoft.com/office/drawing/2010/main" xmlns="" w="9525">
+                  <a14:hiddenLine xmlns="" xmlns:a14="http://schemas.microsoft.com/office/drawing/2010/main" w="9525">
                     <a:solidFill>
                       <a:srgbClr val="000000"/>
                     </a:solidFill>
@@ -10007,7 +10006,7 @@
               </a:ln>
               <a:extLst>
                 <a:ext uri="{91240B29-F687-4f45-9708-019B960494DF}">
-                  <a14:hiddenLine xmlns:a14="http://schemas.microsoft.com/office/drawing/2010/main" xmlns="" w="9525">
+                  <a14:hiddenLine xmlns="" xmlns:a14="http://schemas.microsoft.com/office/drawing/2010/main" w="9525">
                     <a:solidFill>
                       <a:srgbClr val="000000"/>
                     </a:solidFill>
@@ -10069,7 +10068,7 @@
               </a:ln>
               <a:extLst>
                 <a:ext uri="{91240B29-F687-4f45-9708-019B960494DF}">
-                  <a14:hiddenLine xmlns:a14="http://schemas.microsoft.com/office/drawing/2010/main" xmlns="" w="9525">
+                  <a14:hiddenLine xmlns="" xmlns:a14="http://schemas.microsoft.com/office/drawing/2010/main" w="9525">
                     <a:solidFill>
                       <a:srgbClr val="000000"/>
                     </a:solidFill>
@@ -10159,7 +10158,7 @@
               </a:ln>
               <a:extLst>
                 <a:ext uri="{91240B29-F687-4f45-9708-019B960494DF}">
-                  <a14:hiddenLine xmlns:a14="http://schemas.microsoft.com/office/drawing/2010/main" xmlns="" w="9525">
+                  <a14:hiddenLine xmlns="" xmlns:a14="http://schemas.microsoft.com/office/drawing/2010/main" w="9525">
                     <a:solidFill>
                       <a:srgbClr val="000000"/>
                     </a:solidFill>
@@ -10193,7 +10192,7 @@
               </a:ln>
               <a:extLst>
                 <a:ext uri="{91240B29-F687-4f45-9708-019B960494DF}">
-                  <a14:hiddenLine xmlns:a14="http://schemas.microsoft.com/office/drawing/2010/main" xmlns="" w="9525">
+                  <a14:hiddenLine xmlns="" xmlns:a14="http://schemas.microsoft.com/office/drawing/2010/main" w="9525">
                     <a:solidFill>
                       <a:srgbClr val="000000"/>
                     </a:solidFill>
@@ -10258,7 +10257,7 @@
               </a:ln>
               <a:extLst>
                 <a:ext uri="{91240B29-F687-4f45-9708-019B960494DF}">
-                  <a14:hiddenLine xmlns:a14="http://schemas.microsoft.com/office/drawing/2010/main" xmlns="" w="9525">
+                  <a14:hiddenLine xmlns="" xmlns:a14="http://schemas.microsoft.com/office/drawing/2010/main" w="9525">
                     <a:solidFill>
                       <a:srgbClr val="000000"/>
                     </a:solidFill>
@@ -10348,7 +10347,7 @@
               </a:ln>
               <a:extLst>
                 <a:ext uri="{91240B29-F687-4f45-9708-019B960494DF}">
-                  <a14:hiddenLine xmlns:a14="http://schemas.microsoft.com/office/drawing/2010/main" xmlns="" w="9525">
+                  <a14:hiddenLine xmlns="" xmlns:a14="http://schemas.microsoft.com/office/drawing/2010/main" w="9525">
                     <a:solidFill>
                       <a:srgbClr val="000000"/>
                     </a:solidFill>
@@ -10410,7 +10409,7 @@
               </a:ln>
               <a:extLst>
                 <a:ext uri="{91240B29-F687-4f45-9708-019B960494DF}">
-                  <a14:hiddenLine xmlns:a14="http://schemas.microsoft.com/office/drawing/2010/main" xmlns="" w="9525">
+                  <a14:hiddenLine xmlns="" xmlns:a14="http://schemas.microsoft.com/office/drawing/2010/main" w="9525">
                     <a:solidFill>
                       <a:srgbClr val="000000"/>
                     </a:solidFill>
@@ -10500,7 +10499,7 @@
               </a:ln>
               <a:extLst>
                 <a:ext uri="{91240B29-F687-4f45-9708-019B960494DF}">
-                  <a14:hiddenLine xmlns:a14="http://schemas.microsoft.com/office/drawing/2010/main" xmlns="" w="9525">
+                  <a14:hiddenLine xmlns="" xmlns:a14="http://schemas.microsoft.com/office/drawing/2010/main" w="9525">
                     <a:solidFill>
                       <a:srgbClr val="000000"/>
                     </a:solidFill>
@@ -10565,7 +10564,7 @@
               </a:ln>
               <a:extLst>
                 <a:ext uri="{91240B29-F687-4f45-9708-019B960494DF}">
-                  <a14:hiddenLine xmlns:a14="http://schemas.microsoft.com/office/drawing/2010/main" xmlns="" w="9525">
+                  <a14:hiddenLine xmlns="" xmlns:a14="http://schemas.microsoft.com/office/drawing/2010/main" w="9525">
                     <a:solidFill>
                       <a:srgbClr val="000000"/>
                     </a:solidFill>
@@ -10627,7 +10626,7 @@
               </a:ln>
               <a:extLst>
                 <a:ext uri="{91240B29-F687-4f45-9708-019B960494DF}">
-                  <a14:hiddenLine xmlns:a14="http://schemas.microsoft.com/office/drawing/2010/main" xmlns="" w="9525">
+                  <a14:hiddenLine xmlns="" xmlns:a14="http://schemas.microsoft.com/office/drawing/2010/main" w="9525">
                     <a:solidFill>
                       <a:srgbClr val="000000"/>
                     </a:solidFill>
@@ -10717,7 +10716,7 @@
               </a:ln>
               <a:extLst>
                 <a:ext uri="{91240B29-F687-4f45-9708-019B960494DF}">
-                  <a14:hiddenLine xmlns:a14="http://schemas.microsoft.com/office/drawing/2010/main" xmlns="" w="9525">
+                  <a14:hiddenLine xmlns="" xmlns:a14="http://schemas.microsoft.com/office/drawing/2010/main" w="9525">
                     <a:solidFill>
                       <a:srgbClr val="000000"/>
                     </a:solidFill>
@@ -10807,7 +10806,7 @@
               </a:ln>
               <a:extLst>
                 <a:ext uri="{91240B29-F687-4f45-9708-019B960494DF}">
-                  <a14:hiddenLine xmlns:a14="http://schemas.microsoft.com/office/drawing/2010/main" xmlns="" w="9525">
+                  <a14:hiddenLine xmlns="" xmlns:a14="http://schemas.microsoft.com/office/drawing/2010/main" w="9525">
                     <a:solidFill>
                       <a:srgbClr val="000000"/>
                     </a:solidFill>
@@ -10872,7 +10871,7 @@
               </a:ln>
               <a:extLst>
                 <a:ext uri="{91240B29-F687-4f45-9708-019B960494DF}">
-                  <a14:hiddenLine xmlns:a14="http://schemas.microsoft.com/office/drawing/2010/main" xmlns="" w="9525">
+                  <a14:hiddenLine xmlns="" xmlns:a14="http://schemas.microsoft.com/office/drawing/2010/main" w="9525">
                     <a:solidFill>
                       <a:srgbClr val="000000"/>
                     </a:solidFill>
@@ -10992,7 +10991,7 @@
               </a:ln>
               <a:extLst>
                 <a:ext uri="{91240B29-F687-4f45-9708-019B960494DF}">
-                  <a14:hiddenLine xmlns:a14="http://schemas.microsoft.com/office/drawing/2010/main" xmlns="" w="9525">
+                  <a14:hiddenLine xmlns="" xmlns:a14="http://schemas.microsoft.com/office/drawing/2010/main" w="9525">
                     <a:solidFill>
                       <a:srgbClr val="000000"/>
                     </a:solidFill>
@@ -11090,7 +11089,7 @@
               </a:ln>
               <a:extLst>
                 <a:ext uri="{91240B29-F687-4f45-9708-019B960494DF}">
-                  <a14:hiddenLine xmlns:a14="http://schemas.microsoft.com/office/drawing/2010/main" xmlns="" w="9525">
+                  <a14:hiddenLine xmlns="" xmlns:a14="http://schemas.microsoft.com/office/drawing/2010/main" w="9525">
                     <a:solidFill>
                       <a:srgbClr val="000000"/>
                     </a:solidFill>
@@ -11205,7 +11204,7 @@
               </a:ln>
               <a:extLst>
                 <a:ext uri="{91240B29-F687-4f45-9708-019B960494DF}">
-                  <a14:hiddenLine xmlns:a14="http://schemas.microsoft.com/office/drawing/2010/main" xmlns="" w="9525">
+                  <a14:hiddenLine xmlns="" xmlns:a14="http://schemas.microsoft.com/office/drawing/2010/main" w="9525">
                     <a:solidFill>
                       <a:srgbClr val="000000"/>
                     </a:solidFill>
@@ -11295,7 +11294,7 @@
               </a:ln>
               <a:extLst>
                 <a:ext uri="{91240B29-F687-4f45-9708-019B960494DF}">
-                  <a14:hiddenLine xmlns:a14="http://schemas.microsoft.com/office/drawing/2010/main" xmlns="" w="9525">
+                  <a14:hiddenLine xmlns="" xmlns:a14="http://schemas.microsoft.com/office/drawing/2010/main" w="9525">
                     <a:solidFill>
                       <a:srgbClr val="000000"/>
                     </a:solidFill>
@@ -11360,7 +11359,7 @@
               </a:ln>
               <a:extLst>
                 <a:ext uri="{91240B29-F687-4f45-9708-019B960494DF}">
-                  <a14:hiddenLine xmlns:a14="http://schemas.microsoft.com/office/drawing/2010/main" xmlns="" w="9525">
+                  <a14:hiddenLine xmlns="" xmlns:a14="http://schemas.microsoft.com/office/drawing/2010/main" w="9525">
                     <a:solidFill>
                       <a:srgbClr val="000000"/>
                     </a:solidFill>
@@ -11450,7 +11449,7 @@
               </a:ln>
               <a:extLst>
                 <a:ext uri="{91240B29-F687-4f45-9708-019B960494DF}">
-                  <a14:hiddenLine xmlns:a14="http://schemas.microsoft.com/office/drawing/2010/main" xmlns="" w="9525">
+                  <a14:hiddenLine xmlns="" xmlns:a14="http://schemas.microsoft.com/office/drawing/2010/main" w="9525">
                     <a:solidFill>
                       <a:srgbClr val="000000"/>
                     </a:solidFill>
@@ -11518,7 +11517,7 @@
               </a:ln>
               <a:extLst>
                 <a:ext uri="{91240B29-F687-4f45-9708-019B960494DF}">
-                  <a14:hiddenLine xmlns:a14="http://schemas.microsoft.com/office/drawing/2010/main" xmlns="" w="9525">
+                  <a14:hiddenLine xmlns="" xmlns:a14="http://schemas.microsoft.com/office/drawing/2010/main" w="9525">
                     <a:solidFill>
                       <a:srgbClr val="000000"/>
                     </a:solidFill>
@@ -11608,7 +11607,7 @@
               </a:ln>
               <a:extLst>
                 <a:ext uri="{91240B29-F687-4f45-9708-019B960494DF}">
-                  <a14:hiddenLine xmlns:a14="http://schemas.microsoft.com/office/drawing/2010/main" xmlns="" w="9525">
+                  <a14:hiddenLine xmlns="" xmlns:a14="http://schemas.microsoft.com/office/drawing/2010/main" w="9525">
                     <a:solidFill>
                       <a:srgbClr val="000000"/>
                     </a:solidFill>
@@ -11676,7 +11675,7 @@
               </a:ln>
               <a:extLst>
                 <a:ext uri="{91240B29-F687-4f45-9708-019B960494DF}">
-                  <a14:hiddenLine xmlns:a14="http://schemas.microsoft.com/office/drawing/2010/main" xmlns="" w="9525">
+                  <a14:hiddenLine xmlns="" xmlns:a14="http://schemas.microsoft.com/office/drawing/2010/main" w="9525">
                     <a:solidFill>
                       <a:srgbClr val="000000"/>
                     </a:solidFill>
@@ -11766,7 +11765,7 @@
               </a:ln>
               <a:extLst>
                 <a:ext uri="{91240B29-F687-4f45-9708-019B960494DF}">
-                  <a14:hiddenLine xmlns:a14="http://schemas.microsoft.com/office/drawing/2010/main" xmlns="" w="9525">
+                  <a14:hiddenLine xmlns="" xmlns:a14="http://schemas.microsoft.com/office/drawing/2010/main" w="9525">
                     <a:solidFill>
                       <a:srgbClr val="000000"/>
                     </a:solidFill>
@@ -11800,7 +11799,7 @@
               </a:ln>
               <a:extLst>
                 <a:ext uri="{91240B29-F687-4f45-9708-019B960494DF}">
-                  <a14:hiddenLine xmlns:a14="http://schemas.microsoft.com/office/drawing/2010/main" xmlns="" w="9525">
+                  <a14:hiddenLine xmlns="" xmlns:a14="http://schemas.microsoft.com/office/drawing/2010/main" w="9525">
                     <a:solidFill>
                       <a:srgbClr val="000000"/>
                     </a:solidFill>
@@ -11941,7 +11940,7 @@
             <a:fld id="{48A87A34-81AB-432B-8DAE-1953F412C126}" type="datetimeFigureOut">
               <a:rPr lang="en-US"/>
               <a:pPr/>
-              <a:t>1/10/23</a:t>
+              <a:t>1/14/23</a:t>
             </a:fld>
             <a:endParaRPr lang="en-US"/>
           </a:p>
@@ -12562,7 +12561,7 @@
                 <a:latin typeface="Kannada MN" pitchFamily="2" charset="0"/>
                 <a:cs typeface="Kannada MN" pitchFamily="2" charset="0"/>
               </a:rPr>
-              <a:t>Layout objects 1</a:t>
+              <a:t>Layout objects</a:t>
             </a:r>
           </a:p>
         </p:txBody>
@@ -12600,7 +12599,7 @@
                 <a:latin typeface="Kannada MN" pitchFamily="2" charset="0"/>
                 <a:cs typeface="Kannada MN" pitchFamily="2" charset="0"/>
               </a:rPr>
-              <a:t>Turnouts and signals</a:t>
+              <a:t>Turnouts and signals (and groups thereof)</a:t>
             </a:r>
           </a:p>
           <a:p>
@@ -12609,10 +12608,65 @@
                 <a:latin typeface="Kannada MN" pitchFamily="2" charset="0"/>
                 <a:cs typeface="Kannada MN" pitchFamily="2" charset="0"/>
               </a:rPr>
-              <a:t>Turntables</a:t>
-            </a:r>
-          </a:p>
-          <a:p>
+              <a:t>Routes</a:t>
+            </a:r>
+          </a:p>
+          <a:p>
+            <a:r>
+              <a:rPr lang="en-US" sz="2000" dirty="0">
+                <a:latin typeface="Kannada MN" pitchFamily="2" charset="0"/>
+                <a:cs typeface="Kannada MN" pitchFamily="2" charset="0"/>
+              </a:rPr>
+              <a:t>NX (</a:t>
+            </a:r>
+            <a:r>
+              <a:rPr lang="en-US" sz="2000" dirty="0" err="1">
+                <a:latin typeface="Kannada MN" pitchFamily="2" charset="0"/>
+                <a:cs typeface="Kannada MN" pitchFamily="2" charset="0"/>
+              </a:rPr>
+              <a:t>eNtry</a:t>
+            </a:r>
+            <a:r>
+              <a:rPr lang="en-US" sz="2000" dirty="0">
+                <a:latin typeface="Kannada MN" pitchFamily="2" charset="0"/>
+                <a:cs typeface="Kannada MN" pitchFamily="2" charset="0"/>
+              </a:rPr>
+              <a:t>/</a:t>
+            </a:r>
+            <a:r>
+              <a:rPr lang="en-US" sz="2000" dirty="0" err="1">
+                <a:latin typeface="Kannada MN" pitchFamily="2" charset="0"/>
+                <a:cs typeface="Kannada MN" pitchFamily="2" charset="0"/>
+              </a:rPr>
+              <a:t>eXit</a:t>
+            </a:r>
+            <a:r>
+              <a:rPr lang="en-US" sz="2000" dirty="0">
+                <a:latin typeface="Kannada MN" pitchFamily="2" charset="0"/>
+                <a:cs typeface="Kannada MN" pitchFamily="2" charset="0"/>
+              </a:rPr>
+              <a:t>)</a:t>
+            </a:r>
+          </a:p>
+          <a:p>
+            <a:r>
+              <a:rPr lang="en-US" sz="2000" dirty="0">
+                <a:latin typeface="Kannada MN" pitchFamily="2" charset="0"/>
+                <a:cs typeface="Kannada MN" pitchFamily="2" charset="0"/>
+              </a:rPr>
+              <a:t>Clocks and timekeeping</a:t>
+            </a:r>
+          </a:p>
+          <a:p>
+            <a:endParaRPr lang="en-US" sz="2000" dirty="0">
+              <a:latin typeface="Kannada MN" pitchFamily="2" charset="0"/>
+              <a:cs typeface="Kannada MN" pitchFamily="2" charset="0"/>
+            </a:endParaRPr>
+          </a:p>
+          <a:p>
+            <a:pPr marL="0" indent="0">
+              <a:buNone/>
+            </a:pPr>
             <a:endParaRPr lang="en-US" sz="2000" dirty="0">
               <a:latin typeface="Kannada MN" pitchFamily="2" charset="0"/>
               <a:cs typeface="Kannada MN" pitchFamily="2" charset="0"/>
@@ -12699,7 +12753,7 @@
                 <a:latin typeface="Kannada MN" pitchFamily="2" charset="0"/>
                 <a:cs typeface="Kannada MN" pitchFamily="2" charset="0"/>
               </a:rPr>
-              <a:t>Layout objects 2</a:t>
+              <a:t>Driving trains with DCC</a:t>
             </a:r>
           </a:p>
         </p:txBody>
@@ -12737,7 +12791,7 @@
                 <a:latin typeface="Kannada MN" pitchFamily="2" charset="0"/>
                 <a:cs typeface="Kannada MN" pitchFamily="2" charset="0"/>
               </a:rPr>
-              <a:t>Routes</a:t>
+              <a:t>Command stations &amp; locos</a:t>
             </a:r>
           </a:p>
           <a:p>
@@ -12746,45 +12800,32 @@
                 <a:latin typeface="Kannada MN" pitchFamily="2" charset="0"/>
                 <a:cs typeface="Kannada MN" pitchFamily="2" charset="0"/>
               </a:rPr>
-              <a:t>NX (</a:t>
-            </a:r>
-            <a:r>
-              <a:rPr lang="en-US" sz="2000" dirty="0" err="1">
-                <a:latin typeface="Kannada MN" pitchFamily="2" charset="0"/>
-                <a:cs typeface="Kannada MN" pitchFamily="2" charset="0"/>
-              </a:rPr>
-              <a:t>eNtry</a:t>
-            </a:r>
+              <a:t>Block and spot detection</a:t>
+            </a:r>
+          </a:p>
+          <a:p>
             <a:r>
               <a:rPr lang="en-US" sz="2000" dirty="0">
                 <a:latin typeface="Kannada MN" pitchFamily="2" charset="0"/>
                 <a:cs typeface="Kannada MN" pitchFamily="2" charset="0"/>
               </a:rPr>
-              <a:t>/</a:t>
-            </a:r>
-            <a:r>
-              <a:rPr lang="en-US" sz="2000" dirty="0" err="1">
-                <a:latin typeface="Kannada MN" pitchFamily="2" charset="0"/>
-                <a:cs typeface="Kannada MN" pitchFamily="2" charset="0"/>
-              </a:rPr>
-              <a:t>eXit</a:t>
-            </a:r>
+              <a:t>Uncouplers</a:t>
+            </a:r>
+          </a:p>
+          <a:p>
             <a:r>
               <a:rPr lang="en-US" sz="2000" dirty="0">
                 <a:latin typeface="Kannada MN" pitchFamily="2" charset="0"/>
                 <a:cs typeface="Kannada MN" pitchFamily="2" charset="0"/>
               </a:rPr>
-              <a:t>)</a:t>
-            </a:r>
-          </a:p>
-          <a:p>
-            <a:r>
-              <a:rPr lang="en-US" sz="2000" dirty="0">
-                <a:latin typeface="Kannada MN" pitchFamily="2" charset="0"/>
-                <a:cs typeface="Kannada MN" pitchFamily="2" charset="0"/>
-              </a:rPr>
-              <a:t>Clocks and timekeeping</a:t>
-            </a:r>
+              <a:t>Turntables</a:t>
+            </a:r>
+          </a:p>
+          <a:p>
+            <a:endParaRPr lang="en-US" sz="2000" dirty="0">
+              <a:latin typeface="Kannada MN" pitchFamily="2" charset="0"/>
+              <a:cs typeface="Kannada MN" pitchFamily="2" charset="0"/>
+            </a:endParaRPr>
           </a:p>
           <a:p>
             <a:endParaRPr lang="en-US" sz="2000" dirty="0">
@@ -12812,7 +12853,7 @@
     </p:spTree>
     <p:extLst>
       <p:ext uri="{BB962C8B-B14F-4D97-AF65-F5344CB8AC3E}">
-        <p14:creationId xmlns:p14="http://schemas.microsoft.com/office/powerpoint/2010/main" val="3629989175"/>
+        <p14:creationId xmlns:p14="http://schemas.microsoft.com/office/powerpoint/2010/main" val="1754824994"/>
       </p:ext>
     </p:extLst>
   </p:cSld>
@@ -12882,7 +12923,7 @@
                 <a:latin typeface="Kannada MN" pitchFamily="2" charset="0"/>
                 <a:cs typeface="Kannada MN" pitchFamily="2" charset="0"/>
               </a:rPr>
-              <a:t>Driving trains with DCC</a:t>
+              <a:t>Towards layout automation</a:t>
             </a:r>
           </a:p>
         </p:txBody>
@@ -12916,54 +12957,51 @@
           <a:lstStyle/>
           <a:p>
             <a:r>
-              <a:rPr lang="en-US" sz="2000">
+              <a:rPr lang="en-US" sz="2000" dirty="0">
                 <a:latin typeface="Kannada MN" pitchFamily="2" charset="0"/>
                 <a:cs typeface="Kannada MN" pitchFamily="2" charset="0"/>
               </a:rPr>
-              <a:t>Command stations</a:t>
-            </a:r>
-          </a:p>
-          <a:p>
-            <a:r>
-              <a:rPr lang="en-US" sz="2000">
+              <a:t>What do I mean by ‘automation’ ?</a:t>
+            </a:r>
+          </a:p>
+          <a:p>
+            <a:r>
+              <a:rPr lang="en-US" sz="2000" dirty="0">
                 <a:latin typeface="Kannada MN" pitchFamily="2" charset="0"/>
                 <a:cs typeface="Kannada MN" pitchFamily="2" charset="0"/>
               </a:rPr>
-              <a:t>Block and spot detection</a:t>
-            </a:r>
-          </a:p>
-          <a:p>
-            <a:r>
-              <a:rPr lang="en-US" sz="2000">
+              <a:t>Possibilities and why ?</a:t>
+            </a:r>
+          </a:p>
+          <a:p>
+            <a:r>
+              <a:rPr lang="en-US" sz="2000" dirty="0">
                 <a:latin typeface="Kannada MN" pitchFamily="2" charset="0"/>
                 <a:cs typeface="Kannada MN" pitchFamily="2" charset="0"/>
               </a:rPr>
-              <a:t>Uncouplers</a:t>
-            </a:r>
-          </a:p>
-          <a:p>
-            <a:endParaRPr lang="en-US" sz="2000">
-              <a:latin typeface="Kannada MN" pitchFamily="2" charset="0"/>
-              <a:cs typeface="Kannada MN" pitchFamily="2" charset="0"/>
-            </a:endParaRPr>
-          </a:p>
-          <a:p>
-            <a:endParaRPr lang="en-US" sz="2000">
-              <a:latin typeface="Kannada MN" pitchFamily="2" charset="0"/>
-              <a:cs typeface="Kannada MN" pitchFamily="2" charset="0"/>
-            </a:endParaRPr>
-          </a:p>
-          <a:p>
-            <a:pPr marL="0" indent="0">
-              <a:buNone/>
-            </a:pPr>
-            <a:endParaRPr lang="en-US" sz="2000">
-              <a:latin typeface="Kannada MN" pitchFamily="2" charset="0"/>
-              <a:cs typeface="Kannada MN" pitchFamily="2" charset="0"/>
-            </a:endParaRPr>
-          </a:p>
-          <a:p>
-            <a:endParaRPr lang="en-US" sz="2000">
+              <a:t>Train movements</a:t>
+            </a:r>
+          </a:p>
+          <a:p>
+            <a:r>
+              <a:rPr lang="en-US" sz="2000" dirty="0">
+                <a:latin typeface="Kannada MN" pitchFamily="2" charset="0"/>
+                <a:cs typeface="Kannada MN" pitchFamily="2" charset="0"/>
+              </a:rPr>
+              <a:t>Sequencing and multiple concurrent train movements</a:t>
+            </a:r>
+          </a:p>
+          <a:p>
+            <a:r>
+              <a:rPr lang="en-US" sz="2000" dirty="0">
+                <a:latin typeface="Kannada MN" pitchFamily="2" charset="0"/>
+                <a:cs typeface="Kannada MN" pitchFamily="2" charset="0"/>
+              </a:rPr>
+              <a:t>Limitations</a:t>
+            </a:r>
+          </a:p>
+          <a:p>
+            <a:endParaRPr lang="en-US" sz="2000" dirty="0">
               <a:latin typeface="Kannada MN" pitchFamily="2" charset="0"/>
               <a:cs typeface="Kannada MN" pitchFamily="2" charset="0"/>
             </a:endParaRPr>
@@ -12973,7 +13011,7 @@
     </p:spTree>
     <p:extLst>
       <p:ext uri="{BB962C8B-B14F-4D97-AF65-F5344CB8AC3E}">
-        <p14:creationId xmlns:p14="http://schemas.microsoft.com/office/powerpoint/2010/main" val="1754824994"/>
+        <p14:creationId xmlns:p14="http://schemas.microsoft.com/office/powerpoint/2010/main" val="1052838427"/>
       </p:ext>
     </p:extLst>
   </p:cSld>
@@ -12998,6 +13036,30 @@
 <file path=ppt/slides/slide13.xml><?xml version="1.0" encoding="utf-8"?>
 <p:sld xmlns:a="http://schemas.openxmlformats.org/drawingml/2006/main" xmlns:r="http://schemas.openxmlformats.org/officeDocument/2006/relationships" xmlns:p="http://schemas.openxmlformats.org/presentationml/2006/main">
   <p:cSld>
+    <p:bg>
+      <p:bgPr>
+        <a:blipFill>
+          <a:blip r:embed="rId2">
+            <a:duotone>
+              <a:schemeClr val="bg2">
+                <a:shade val="88000"/>
+                <a:hueMod val="106000"/>
+                <a:satMod val="140000"/>
+                <a:lumMod val="54000"/>
+              </a:schemeClr>
+              <a:schemeClr val="bg2">
+                <a:tint val="98000"/>
+                <a:hueMod val="90000"/>
+                <a:satMod val="150000"/>
+                <a:lumMod val="160000"/>
+              </a:schemeClr>
+            </a:duotone>
+          </a:blip>
+          <a:stretch/>
+        </a:blipFill>
+        <a:effectLst/>
+      </p:bgPr>
+    </p:bg>
     <p:spTree>
       <p:nvGrpSpPr>
         <p:cNvPr id="1" name=""/>
@@ -13035,15 +13097,18 @@
           </a:xfrm>
         </p:spPr>
         <p:txBody>
-          <a:bodyPr/>
+          <a:bodyPr>
+            <a:normAutofit/>
+          </a:bodyPr>
           <a:lstStyle/>
           <a:p>
+            <a:pPr algn="ctr"/>
             <a:r>
               <a:rPr lang="en-US">
                 <a:latin typeface="Kannada MN" pitchFamily="2" charset="0"/>
                 <a:cs typeface="Kannada MN" pitchFamily="2" charset="0"/>
               </a:rPr>
-              <a:t>Towards layout automation</a:t>
+              <a:t>Hardware interfacing with the Pico</a:t>
             </a:r>
           </a:p>
         </p:txBody>
@@ -13067,82 +13132,106 @@
         <p:spPr>
           <a:xfrm>
             <a:off x="1141412" y="2249487"/>
-            <a:ext cx="9905999" cy="3541714"/>
+            <a:ext cx="4844521" cy="3541714"/>
           </a:xfrm>
         </p:spPr>
         <p:txBody>
-          <a:bodyPr>
+          <a:bodyPr anchor="ctr">
             <a:normAutofit/>
           </a:bodyPr>
           <a:lstStyle/>
           <a:p>
             <a:r>
-              <a:rPr lang="en-US" sz="2000" dirty="0">
+              <a:rPr lang="en-US" dirty="0">
                 <a:latin typeface="Kannada MN" pitchFamily="2" charset="0"/>
                 <a:cs typeface="Kannada MN" pitchFamily="2" charset="0"/>
               </a:rPr>
-              <a:t>What do I mean by ‘automation’ ?</a:t>
-            </a:r>
-          </a:p>
-          <a:p>
-            <a:r>
-              <a:rPr lang="en-US" sz="2000" dirty="0">
+              <a:t>CBUS CAN shields</a:t>
+            </a:r>
+          </a:p>
+          <a:p>
+            <a:r>
+              <a:rPr lang="en-US" dirty="0">
                 <a:latin typeface="Kannada MN" pitchFamily="2" charset="0"/>
                 <a:cs typeface="Kannada MN" pitchFamily="2" charset="0"/>
               </a:rPr>
-              <a:t>Possibilities </a:t>
-            </a:r>
-            <a:r>
-              <a:rPr lang="en-US" sz="2000">
+              <a:t>Level-shifting</a:t>
+            </a:r>
+          </a:p>
+          <a:p>
+            <a:r>
+              <a:rPr lang="en-US" dirty="0">
                 <a:latin typeface="Kannada MN" pitchFamily="2" charset="0"/>
                 <a:cs typeface="Kannada MN" pitchFamily="2" charset="0"/>
               </a:rPr>
-              <a:t>and why ?</a:t>
-            </a:r>
-            <a:endParaRPr lang="en-US" sz="2000" dirty="0">
-              <a:latin typeface="Kannada MN" pitchFamily="2" charset="0"/>
-              <a:cs typeface="Kannada MN" pitchFamily="2" charset="0"/>
-            </a:endParaRPr>
-          </a:p>
-          <a:p>
-            <a:r>
-              <a:rPr lang="en-US" sz="2000" dirty="0">
+              <a:t>Other devices</a:t>
+            </a:r>
+          </a:p>
+          <a:p>
+            <a:pPr lvl="1"/>
+            <a:r>
+              <a:rPr lang="en-US" dirty="0">
                 <a:latin typeface="Kannada MN" pitchFamily="2" charset="0"/>
                 <a:cs typeface="Kannada MN" pitchFamily="2" charset="0"/>
               </a:rPr>
-              <a:t>Train movements</a:t>
-            </a:r>
-          </a:p>
-          <a:p>
-            <a:r>
-              <a:rPr lang="en-US" sz="2000" dirty="0">
-                <a:latin typeface="Kannada MN" pitchFamily="2" charset="0"/>
-                <a:cs typeface="Kannada MN" pitchFamily="2" charset="0"/>
-              </a:rPr>
-              <a:t>Limitations</a:t>
-            </a:r>
-          </a:p>
-          <a:p>
-            <a:r>
-              <a:rPr lang="en-US" sz="2000" dirty="0">
-                <a:latin typeface="Kannada MN" pitchFamily="2" charset="0"/>
-                <a:cs typeface="Kannada MN" pitchFamily="2" charset="0"/>
-              </a:rPr>
-              <a:t>Sequencing and multiple concurrent train movements</a:t>
-            </a:r>
-          </a:p>
-          <a:p>
-            <a:endParaRPr lang="en-US" sz="2000" dirty="0">
-              <a:latin typeface="Kannada MN" pitchFamily="2" charset="0"/>
-              <a:cs typeface="Kannada MN" pitchFamily="2" charset="0"/>
-            </a:endParaRPr>
+              <a:t>Servos, displays, other MERG modules, etc.</a:t>
+            </a:r>
           </a:p>
         </p:txBody>
       </p:sp>
+      <p:pic>
+        <p:nvPicPr>
+          <p:cNvPr id="5" name="Picture 4" descr="A picture containing text, electronics, circuit&#10;&#10;Description automatically generated">
+            <a:extLst>
+              <a:ext uri="{FF2B5EF4-FFF2-40B4-BE49-F238E27FC236}">
+                <a16:creationId xmlns:a16="http://schemas.microsoft.com/office/drawing/2014/main" id="{1EA61963-F994-AEC9-3E0E-046DAF0B0ED8}"/>
+              </a:ext>
+            </a:extLst>
+          </p:cNvPr>
+          <p:cNvPicPr>
+            <a:picLocks noChangeAspect="1"/>
+          </p:cNvPicPr>
+          <p:nvPr/>
+        </p:nvPicPr>
+        <p:blipFill rotWithShape="1">
+          <a:blip r:embed="rId3"/>
+          <a:srcRect t="5337" r="3" b="7365"/>
+          <a:stretch/>
+        </p:blipFill>
+        <p:spPr>
+          <a:xfrm>
+            <a:off x="6392335" y="2497720"/>
+            <a:ext cx="4655075" cy="3047892"/>
+          </a:xfrm>
+          <a:prstGeom prst="round2DiagRect">
+            <a:avLst>
+              <a:gd name="adj1" fmla="val 4860"/>
+              <a:gd name="adj2" fmla="val 0"/>
+            </a:avLst>
+          </a:prstGeom>
+          <a:ln w="19050" cap="sq">
+            <a:solidFill>
+              <a:schemeClr val="tx2">
+                <a:lumMod val="60000"/>
+                <a:lumOff val="40000"/>
+                <a:alpha val="60000"/>
+              </a:schemeClr>
+            </a:solidFill>
+            <a:miter lim="800000"/>
+          </a:ln>
+          <a:effectLst>
+            <a:outerShdw blurRad="88900" dist="38100" dir="5400000" algn="t" rotWithShape="0">
+              <a:prstClr val="black">
+                <a:alpha val="40000"/>
+              </a:prstClr>
+            </a:outerShdw>
+          </a:effectLst>
+        </p:spPr>
+      </p:pic>
     </p:spTree>
     <p:extLst>
       <p:ext uri="{BB962C8B-B14F-4D97-AF65-F5344CB8AC3E}">
-        <p14:creationId xmlns:p14="http://schemas.microsoft.com/office/powerpoint/2010/main" val="1052838427"/>
+        <p14:creationId xmlns:p14="http://schemas.microsoft.com/office/powerpoint/2010/main" val="534716110"/>
       </p:ext>
     </p:extLst>
   </p:cSld>
@@ -13186,150 +13275,6 @@
           <p:cNvPr id="2" name="Title 1">
             <a:extLst>
               <a:ext uri="{FF2B5EF4-FFF2-40B4-BE49-F238E27FC236}">
-                <a16:creationId xmlns:a16="http://schemas.microsoft.com/office/drawing/2014/main" id="{8F3DE26D-26B3-0141-B7B9-91F104B1D8BD}"/>
-              </a:ext>
-            </a:extLst>
-          </p:cNvPr>
-          <p:cNvSpPr>
-            <a:spLocks noGrp="1"/>
-          </p:cNvSpPr>
-          <p:nvPr>
-            <p:ph type="title"/>
-          </p:nvPr>
-        </p:nvSpPr>
-        <p:spPr>
-          <a:xfrm>
-            <a:off x="1141413" y="618518"/>
-            <a:ext cx="9905998" cy="1478570"/>
-          </a:xfrm>
-        </p:spPr>
-        <p:txBody>
-          <a:bodyPr/>
-          <a:lstStyle/>
-          <a:p>
-            <a:r>
-              <a:rPr lang="en-US">
-                <a:latin typeface="Kannada MN" pitchFamily="2" charset="0"/>
-                <a:cs typeface="Kannada MN" pitchFamily="2" charset="0"/>
-              </a:rPr>
-              <a:t>Hardware interfacing with the Pico</a:t>
-            </a:r>
-          </a:p>
-        </p:txBody>
-      </p:sp>
-      <p:sp>
-        <p:nvSpPr>
-          <p:cNvPr id="3" name="Content Placeholder 2">
-            <a:extLst>
-              <a:ext uri="{FF2B5EF4-FFF2-40B4-BE49-F238E27FC236}">
-                <a16:creationId xmlns:a16="http://schemas.microsoft.com/office/drawing/2014/main" id="{607E260B-656E-5144-958D-7D0342A1B4E5}"/>
-              </a:ext>
-            </a:extLst>
-          </p:cNvPr>
-          <p:cNvSpPr>
-            <a:spLocks noGrp="1"/>
-          </p:cNvSpPr>
-          <p:nvPr>
-            <p:ph idx="1"/>
-          </p:nvPr>
-        </p:nvSpPr>
-        <p:spPr>
-          <a:xfrm>
-            <a:off x="1141412" y="2259426"/>
-            <a:ext cx="9905999" cy="3541714"/>
-          </a:xfrm>
-        </p:spPr>
-        <p:txBody>
-          <a:bodyPr>
-            <a:normAutofit/>
-          </a:bodyPr>
-          <a:lstStyle/>
-          <a:p>
-            <a:r>
-              <a:rPr lang="en-US" sz="2000">
-                <a:latin typeface="Kannada MN" pitchFamily="2" charset="0"/>
-                <a:cs typeface="Kannada MN" pitchFamily="2" charset="0"/>
-              </a:rPr>
-              <a:t>CBUS CAN shields</a:t>
-            </a:r>
-          </a:p>
-          <a:p>
-            <a:r>
-              <a:rPr lang="en-US" sz="2000">
-                <a:latin typeface="Kannada MN" pitchFamily="2" charset="0"/>
-                <a:cs typeface="Kannada MN" pitchFamily="2" charset="0"/>
-              </a:rPr>
-              <a:t>Level-shifting</a:t>
-            </a:r>
-          </a:p>
-          <a:p>
-            <a:r>
-              <a:rPr lang="en-US" sz="2000">
-                <a:latin typeface="Kannada MN" pitchFamily="2" charset="0"/>
-                <a:cs typeface="Kannada MN" pitchFamily="2" charset="0"/>
-              </a:rPr>
-              <a:t>Other devices</a:t>
-            </a:r>
-          </a:p>
-          <a:p>
-            <a:pPr lvl="1"/>
-            <a:r>
-              <a:rPr lang="en-US" sz="1600">
-                <a:latin typeface="Kannada MN" pitchFamily="2" charset="0"/>
-                <a:cs typeface="Kannada MN" pitchFamily="2" charset="0"/>
-              </a:rPr>
-              <a:t>Servos, displays, other MERG modules, etc.</a:t>
-            </a:r>
-          </a:p>
-        </p:txBody>
-      </p:sp>
-    </p:spTree>
-    <p:extLst>
-      <p:ext uri="{BB962C8B-B14F-4D97-AF65-F5344CB8AC3E}">
-        <p14:creationId xmlns:p14="http://schemas.microsoft.com/office/powerpoint/2010/main" val="534716110"/>
-      </p:ext>
-    </p:extLst>
-  </p:cSld>
-  <p:clrMapOvr>
-    <a:masterClrMapping/>
-  </p:clrMapOvr>
-  <mc:AlternateContent xmlns:mc="http://schemas.openxmlformats.org/markup-compatibility/2006" xmlns:p14="http://schemas.microsoft.com/office/powerpoint/2010/main">
-    <mc:Choice Requires="p14">
-      <p:transition spd="med" p14:dur="700">
-        <p:fade/>
-      </p:transition>
-    </mc:Choice>
-    <mc:Fallback xmlns="">
-      <p:transition spd="med">
-        <p:fade/>
-      </p:transition>
-    </mc:Fallback>
-  </mc:AlternateContent>
-</p:sld>
-</file>
-
-<file path=ppt/slides/slide15.xml><?xml version="1.0" encoding="utf-8"?>
-<p:sld xmlns:a="http://schemas.openxmlformats.org/drawingml/2006/main" xmlns:r="http://schemas.openxmlformats.org/officeDocument/2006/relationships" xmlns:p="http://schemas.openxmlformats.org/presentationml/2006/main">
-  <p:cSld>
-    <p:spTree>
-      <p:nvGrpSpPr>
-        <p:cNvPr id="1" name=""/>
-        <p:cNvGrpSpPr/>
-        <p:nvPr/>
-      </p:nvGrpSpPr>
-      <p:grpSpPr>
-        <a:xfrm>
-          <a:off x="0" y="0"/>
-          <a:ext cx="0" cy="0"/>
-          <a:chOff x="0" y="0"/>
-          <a:chExt cx="0" cy="0"/>
-        </a:xfrm>
-      </p:grpSpPr>
-      <p:sp>
-        <p:nvSpPr>
-          <p:cNvPr id="2" name="Title 1">
-            <a:extLst>
-              <a:ext uri="{FF2B5EF4-FFF2-40B4-BE49-F238E27FC236}">
                 <a16:creationId xmlns:a16="http://schemas.microsoft.com/office/drawing/2014/main" id="{47D9F0B8-C7F3-084B-8FD4-0D2E4C85F7F4}"/>
               </a:ext>
             </a:extLst>
@@ -13385,7 +13330,7 @@
         <p:spPr/>
         <p:txBody>
           <a:bodyPr>
-            <a:normAutofit lnSpcReduction="10000"/>
+            <a:normAutofit fontScale="92500"/>
           </a:bodyPr>
           <a:lstStyle/>
           <a:p>
@@ -13469,7 +13414,7 @@
                 <a:latin typeface="Kannada MN" pitchFamily="2" charset="0"/>
                 <a:cs typeface="Kannada MN" pitchFamily="2" charset="0"/>
               </a:rPr>
-              <a:t>Thonny home - </a:t>
+              <a:t>MERG wiki page - </a:t>
             </a:r>
             <a:r>
               <a:rPr lang="en-GB" sz="1800" dirty="0">
@@ -13477,7 +13422,7 @@
                 <a:cs typeface="Kannada MN" pitchFamily="2" charset="0"/>
                 <a:hlinkClick r:id="rId5"/>
               </a:rPr>
-              <a:t>https://thonny.org</a:t>
+              <a:t>https://merg.org.uk/merg_wiki/doku.php?id=projects:micropython_for_cbus</a:t>
             </a:r>
             <a:endParaRPr lang="en-GB" sz="1800" dirty="0">
               <a:latin typeface="Kannada MN" pitchFamily="2" charset="0"/>
@@ -13848,16 +13793,7 @@
                 <a:latin typeface="Kannada MN" pitchFamily="2" charset="0"/>
                 <a:cs typeface="Kannada MN" pitchFamily="2" charset="0"/>
               </a:rPr>
-              <a:t>Layout objects 1 – turnouts, signals and turntables</a:t>
-            </a:r>
-          </a:p>
-          <a:p>
-            <a:r>
-              <a:rPr lang="en-US" sz="2000" dirty="0">
-                <a:latin typeface="Kannada MN" pitchFamily="2" charset="0"/>
-                <a:cs typeface="Kannada MN" pitchFamily="2" charset="0"/>
-              </a:rPr>
-              <a:t>Layout objects 2 – routes, NX, movements, clocks</a:t>
+              <a:t>Layout objects – turnouts, signals, routes, NX, clocks</a:t>
             </a:r>
           </a:p>
           <a:p>
@@ -14086,6 +14022,14 @@
 <file path=ppt/slides/slide5.xml><?xml version="1.0" encoding="utf-8"?>
 <p:sld xmlns:a="http://schemas.openxmlformats.org/drawingml/2006/main" xmlns:r="http://schemas.openxmlformats.org/officeDocument/2006/relationships" xmlns:p="http://schemas.openxmlformats.org/presentationml/2006/main">
   <p:cSld>
+    <p:bg>
+      <p:bgPr>
+        <a:solidFill>
+          <a:schemeClr val="bg1"/>
+        </a:solidFill>
+        <a:effectLst/>
+      </p:bgPr>
+    </p:bg>
     <p:spTree>
       <p:nvGrpSpPr>
         <p:cNvPr id="1" name=""/>
@@ -14100,6 +14044,3548 @@
           <a:chExt cx="0" cy="0"/>
         </a:xfrm>
       </p:grpSpPr>
+      <p:sp>
+        <p:nvSpPr>
+          <p:cNvPr id="10" name="Rectangle 9">
+            <a:extLst>
+              <a:ext uri="{FF2B5EF4-FFF2-40B4-BE49-F238E27FC236}">
+                <a16:creationId xmlns:a16="http://schemas.microsoft.com/office/drawing/2014/main" id="{3CBA50DB-DBC7-4B6E-B3C1-8FF1EA519791}"/>
+              </a:ext>
+              <a:ext uri="{C183D7F6-B498-43B3-948B-1728B52AA6E4}">
+                <adec:decorative xmlns:adec="http://schemas.microsoft.com/office/drawing/2017/decorative" val="1"/>
+              </a:ext>
+            </a:extLst>
+          </p:cNvPr>
+          <p:cNvSpPr>
+            <a:spLocks noGrp="1" noRot="1" noChangeAspect="1" noMove="1" noResize="1" noEditPoints="1" noAdjustHandles="1" noChangeArrowheads="1" noChangeShapeType="1" noTextEdit="1"/>
+          </p:cNvSpPr>
+          <p:nvPr>
+            <p:extLst>
+              <p:ext uri="{386F3935-93C4-4BCD-93E2-E3B085C9AB24}">
+                <p16:designElem xmlns:p16="http://schemas.microsoft.com/office/powerpoint/2015/main" val="1"/>
+              </p:ext>
+            </p:extLst>
+          </p:nvPr>
+        </p:nvSpPr>
+        <p:spPr>
+          <a:xfrm>
+            <a:off x="0" y="0"/>
+            <a:ext cx="12192000" cy="6858000"/>
+          </a:xfrm>
+          <a:prstGeom prst="rect">
+            <a:avLst/>
+          </a:prstGeom>
+          <a:ln>
+            <a:noFill/>
+          </a:ln>
+        </p:spPr>
+        <p:style>
+          <a:lnRef idx="2">
+            <a:schemeClr val="accent1">
+              <a:shade val="50000"/>
+            </a:schemeClr>
+          </a:lnRef>
+          <a:fillRef idx="1003">
+            <a:schemeClr val="dk2"/>
+          </a:fillRef>
+          <a:effectRef idx="0">
+            <a:schemeClr val="accent1"/>
+          </a:effectRef>
+          <a:fontRef idx="minor">
+            <a:schemeClr val="lt1"/>
+          </a:fontRef>
+        </p:style>
+        <p:txBody>
+          <a:bodyPr rtlCol="0" anchor="ctr"/>
+          <a:lstStyle/>
+          <a:p>
+            <a:pPr algn="ctr"/>
+            <a:endParaRPr lang="en-US"/>
+          </a:p>
+        </p:txBody>
+      </p:sp>
+      <p:grpSp>
+        <p:nvGrpSpPr>
+          <p:cNvPr id="12" name="Group 11">
+            <a:extLst>
+              <a:ext uri="{FF2B5EF4-FFF2-40B4-BE49-F238E27FC236}">
+                <a16:creationId xmlns:a16="http://schemas.microsoft.com/office/drawing/2014/main" id="{1DED8FB6-AF8D-4D98-913D-E6486FEC1021}"/>
+              </a:ext>
+              <a:ext uri="{C183D7F6-B498-43B3-948B-1728B52AA6E4}">
+                <adec:decorative xmlns:adec="http://schemas.microsoft.com/office/drawing/2017/decorative" val="1"/>
+              </a:ext>
+            </a:extLst>
+          </p:cNvPr>
+          <p:cNvGrpSpPr>
+            <a:grpSpLocks noGrp="1" noUngrp="1" noRot="1" noChangeAspect="1" noMove="1" noResize="1"/>
+          </p:cNvGrpSpPr>
+          <p:nvPr>
+            <p:extLst>
+              <p:ext uri="{386F3935-93C4-4BCD-93E2-E3B085C9AB24}">
+                <p16:designElem xmlns:p16="http://schemas.microsoft.com/office/powerpoint/2015/main" val="1"/>
+              </p:ext>
+            </p:extLst>
+          </p:nvPr>
+        </p:nvGrpSpPr>
+        <p:grpSpPr>
+          <a:xfrm>
+            <a:off x="0" y="0"/>
+            <a:ext cx="11902285" cy="6858001"/>
+            <a:chOff x="0" y="0"/>
+            <a:chExt cx="11902285" cy="6858001"/>
+          </a:xfrm>
+        </p:grpSpPr>
+        <p:grpSp>
+          <p:nvGrpSpPr>
+            <p:cNvPr id="13" name="Group 12">
+              <a:extLst>
+                <a:ext uri="{FF2B5EF4-FFF2-40B4-BE49-F238E27FC236}">
+                  <a16:creationId xmlns:a16="http://schemas.microsoft.com/office/drawing/2014/main" id="{0A805ED2-113B-4584-8827-567B5792F1FA}"/>
+                </a:ext>
+                <a:ext uri="{C183D7F6-B498-43B3-948B-1728B52AA6E4}">
+                  <adec:decorative xmlns:adec="http://schemas.microsoft.com/office/drawing/2017/decorative" val="1"/>
+                </a:ext>
+              </a:extLst>
+            </p:cNvPr>
+            <p:cNvGrpSpPr/>
+            <p:nvPr>
+              <p:extLst>
+                <p:ext uri="{386F3935-93C4-4BCD-93E2-E3B085C9AB24}">
+                  <p16:designElem xmlns:p16="http://schemas.microsoft.com/office/powerpoint/2015/main" val="1"/>
+                </p:ext>
+              </p:extLst>
+            </p:nvPr>
+          </p:nvGrpSpPr>
+          <p:grpSpPr>
+            <a:xfrm>
+              <a:off x="0" y="0"/>
+              <a:ext cx="1220788" cy="6858001"/>
+              <a:chOff x="-14288" y="0"/>
+              <a:chExt cx="1220788" cy="6858001"/>
+            </a:xfrm>
+            <a:gradFill flip="none" rotWithShape="1">
+              <a:gsLst>
+                <a:gs pos="0">
+                  <a:schemeClr val="bg2"/>
+                </a:gs>
+                <a:gs pos="100000">
+                  <a:schemeClr val="tx2">
+                    <a:lumMod val="60000"/>
+                    <a:lumOff val="40000"/>
+                  </a:schemeClr>
+                </a:gs>
+              </a:gsLst>
+              <a:lin ang="5400000" scaled="0"/>
+              <a:tileRect/>
+            </a:gradFill>
+          </p:grpSpPr>
+          <p:sp>
+            <p:nvSpPr>
+              <p:cNvPr id="25" name="Rectangle 5">
+                <a:extLst>
+                  <a:ext uri="{FF2B5EF4-FFF2-40B4-BE49-F238E27FC236}">
+                    <a16:creationId xmlns:a16="http://schemas.microsoft.com/office/drawing/2014/main" id="{C6CF21D8-CC72-4F35-A29E-3AF9E6DA1302}"/>
+                  </a:ext>
+                  <a:ext uri="{C183D7F6-B498-43B3-948B-1728B52AA6E4}">
+                    <adec:decorative xmlns:adec="http://schemas.microsoft.com/office/drawing/2017/decorative" val="1"/>
+                  </a:ext>
+                </a:extLst>
+              </p:cNvPr>
+              <p:cNvSpPr>
+                <a:spLocks noChangeArrowheads="1"/>
+              </p:cNvSpPr>
+              <p:nvPr>
+                <p:extLst>
+                  <p:ext uri="{386F3935-93C4-4BCD-93E2-E3B085C9AB24}">
+                    <p16:designElem xmlns:p16="http://schemas.microsoft.com/office/powerpoint/2015/main" val="1"/>
+                  </p:ext>
+                </p:extLst>
+              </p:nvPr>
+            </p:nvSpPr>
+            <p:spPr bwMode="auto">
+              <a:xfrm>
+                <a:off x="114300" y="4763"/>
+                <a:ext cx="23813" cy="2181225"/>
+              </a:xfrm>
+              <a:prstGeom prst="rect">
+                <a:avLst/>
+              </a:prstGeom>
+              <a:grpFill/>
+              <a:ln>
+                <a:noFill/>
+              </a:ln>
+              <a:extLst>
+                <a:ext uri="{91240B29-F687-4f45-9708-019B960494DF}">
+                  <a14:hiddenLine xmlns="" xmlns:a16="http://schemas.microsoft.com/office/drawing/2014/main" xmlns:p14="http://schemas.microsoft.com/office/powerpoint/2010/main" xmlns:a14="http://schemas.microsoft.com/office/drawing/2010/main" w="9525">
+                    <a:solidFill>
+                      <a:srgbClr val="000000"/>
+                    </a:solidFill>
+                    <a:miter lim="800000"/>
+                    <a:headEnd/>
+                    <a:tailEnd/>
+                  </a14:hiddenLine>
+                </a:ext>
+              </a:extLst>
+            </p:spPr>
+          </p:sp>
+          <p:sp>
+            <p:nvSpPr>
+              <p:cNvPr id="26" name="Freeform 6">
+                <a:extLst>
+                  <a:ext uri="{FF2B5EF4-FFF2-40B4-BE49-F238E27FC236}">
+                    <a16:creationId xmlns:a16="http://schemas.microsoft.com/office/drawing/2014/main" id="{8E60A7C3-087D-47B4-AB5A-C8B1042FD201}"/>
+                  </a:ext>
+                  <a:ext uri="{C183D7F6-B498-43B3-948B-1728B52AA6E4}">
+                    <adec:decorative xmlns:adec="http://schemas.microsoft.com/office/drawing/2017/decorative" val="1"/>
+                  </a:ext>
+                </a:extLst>
+              </p:cNvPr>
+              <p:cNvSpPr>
+                <a:spLocks noEditPoints="1"/>
+              </p:cNvSpPr>
+              <p:nvPr>
+                <p:extLst>
+                  <p:ext uri="{386F3935-93C4-4BCD-93E2-E3B085C9AB24}">
+                    <p16:designElem xmlns:p16="http://schemas.microsoft.com/office/powerpoint/2015/main" val="1"/>
+                  </p:ext>
+                </p:extLst>
+              </p:nvPr>
+            </p:nvSpPr>
+            <p:spPr bwMode="auto">
+              <a:xfrm>
+                <a:off x="33337" y="2176463"/>
+                <a:ext cx="190500" cy="190500"/>
+              </a:xfrm>
+              <a:custGeom>
+                <a:avLst/>
+                <a:gdLst/>
+                <a:ahLst/>
+                <a:cxnLst/>
+                <a:rect l="0" t="0" r="r" b="b"/>
+                <a:pathLst>
+                  <a:path w="40" h="40">
+                    <a:moveTo>
+                      <a:pt x="20" y="40"/>
+                    </a:moveTo>
+                    <a:cubicBezTo>
+                      <a:pt x="9" y="40"/>
+                      <a:pt x="0" y="31"/>
+                      <a:pt x="0" y="20"/>
+                    </a:cubicBezTo>
+                    <a:cubicBezTo>
+                      <a:pt x="0" y="9"/>
+                      <a:pt x="9" y="0"/>
+                      <a:pt x="20" y="0"/>
+                    </a:cubicBezTo>
+                    <a:cubicBezTo>
+                      <a:pt x="31" y="0"/>
+                      <a:pt x="40" y="9"/>
+                      <a:pt x="40" y="20"/>
+                    </a:cubicBezTo>
+                    <a:cubicBezTo>
+                      <a:pt x="40" y="31"/>
+                      <a:pt x="31" y="40"/>
+                      <a:pt x="20" y="40"/>
+                    </a:cubicBezTo>
+                    <a:close/>
+                    <a:moveTo>
+                      <a:pt x="20" y="4"/>
+                    </a:moveTo>
+                    <a:cubicBezTo>
+                      <a:pt x="11" y="4"/>
+                      <a:pt x="4" y="11"/>
+                      <a:pt x="4" y="20"/>
+                    </a:cubicBezTo>
+                    <a:cubicBezTo>
+                      <a:pt x="4" y="29"/>
+                      <a:pt x="11" y="36"/>
+                      <a:pt x="20" y="36"/>
+                    </a:cubicBezTo>
+                    <a:cubicBezTo>
+                      <a:pt x="28" y="36"/>
+                      <a:pt x="36" y="29"/>
+                      <a:pt x="36" y="20"/>
+                    </a:cubicBezTo>
+                    <a:cubicBezTo>
+                      <a:pt x="36" y="11"/>
+                      <a:pt x="28" y="4"/>
+                      <a:pt x="20" y="4"/>
+                    </a:cubicBezTo>
+                    <a:close/>
+                  </a:path>
+                </a:pathLst>
+              </a:custGeom>
+              <a:grpFill/>
+              <a:ln>
+                <a:noFill/>
+              </a:ln>
+              <a:extLst>
+                <a:ext uri="{91240B29-F687-4f45-9708-019B960494DF}">
+                  <a14:hiddenLine xmlns="" xmlns:a16="http://schemas.microsoft.com/office/drawing/2014/main" xmlns:p14="http://schemas.microsoft.com/office/powerpoint/2010/main" xmlns:a14="http://schemas.microsoft.com/office/drawing/2010/main" w="9525">
+                    <a:solidFill>
+                      <a:srgbClr val="000000"/>
+                    </a:solidFill>
+                    <a:round/>
+                    <a:headEnd/>
+                    <a:tailEnd/>
+                  </a14:hiddenLine>
+                </a:ext>
+              </a:extLst>
+            </p:spPr>
+          </p:sp>
+          <p:sp>
+            <p:nvSpPr>
+              <p:cNvPr id="27" name="Freeform 7">
+                <a:extLst>
+                  <a:ext uri="{FF2B5EF4-FFF2-40B4-BE49-F238E27FC236}">
+                    <a16:creationId xmlns:a16="http://schemas.microsoft.com/office/drawing/2014/main" id="{1885EECE-F6D9-4128-BC90-01583BF2699D}"/>
+                  </a:ext>
+                  <a:ext uri="{C183D7F6-B498-43B3-948B-1728B52AA6E4}">
+                    <adec:decorative xmlns:adec="http://schemas.microsoft.com/office/drawing/2017/decorative" val="1"/>
+                  </a:ext>
+                </a:extLst>
+              </p:cNvPr>
+              <p:cNvSpPr>
+                <a:spLocks noEditPoints="1"/>
+              </p:cNvSpPr>
+              <p:nvPr>
+                <p:extLst>
+                  <p:ext uri="{386F3935-93C4-4BCD-93E2-E3B085C9AB24}">
+                    <p16:designElem xmlns:p16="http://schemas.microsoft.com/office/powerpoint/2015/main" val="1"/>
+                  </p:ext>
+                </p:extLst>
+              </p:nvPr>
+            </p:nvSpPr>
+            <p:spPr bwMode="auto">
+              <a:xfrm>
+                <a:off x="28575" y="4021138"/>
+                <a:ext cx="190500" cy="188913"/>
+              </a:xfrm>
+              <a:custGeom>
+                <a:avLst/>
+                <a:gdLst/>
+                <a:ahLst/>
+                <a:cxnLst/>
+                <a:rect l="0" t="0" r="r" b="b"/>
+                <a:pathLst>
+                  <a:path w="40" h="40">
+                    <a:moveTo>
+                      <a:pt x="20" y="40"/>
+                    </a:moveTo>
+                    <a:cubicBezTo>
+                      <a:pt x="9" y="40"/>
+                      <a:pt x="0" y="31"/>
+                      <a:pt x="0" y="20"/>
+                    </a:cubicBezTo>
+                    <a:cubicBezTo>
+                      <a:pt x="0" y="9"/>
+                      <a:pt x="9" y="0"/>
+                      <a:pt x="20" y="0"/>
+                    </a:cubicBezTo>
+                    <a:cubicBezTo>
+                      <a:pt x="31" y="0"/>
+                      <a:pt x="40" y="9"/>
+                      <a:pt x="40" y="20"/>
+                    </a:cubicBezTo>
+                    <a:cubicBezTo>
+                      <a:pt x="40" y="31"/>
+                      <a:pt x="31" y="40"/>
+                      <a:pt x="20" y="40"/>
+                    </a:cubicBezTo>
+                    <a:close/>
+                    <a:moveTo>
+                      <a:pt x="20" y="4"/>
+                    </a:moveTo>
+                    <a:cubicBezTo>
+                      <a:pt x="12" y="4"/>
+                      <a:pt x="4" y="11"/>
+                      <a:pt x="4" y="20"/>
+                    </a:cubicBezTo>
+                    <a:cubicBezTo>
+                      <a:pt x="4" y="29"/>
+                      <a:pt x="12" y="36"/>
+                      <a:pt x="20" y="36"/>
+                    </a:cubicBezTo>
+                    <a:cubicBezTo>
+                      <a:pt x="29" y="36"/>
+                      <a:pt x="36" y="29"/>
+                      <a:pt x="36" y="20"/>
+                    </a:cubicBezTo>
+                    <a:cubicBezTo>
+                      <a:pt x="36" y="11"/>
+                      <a:pt x="29" y="4"/>
+                      <a:pt x="20" y="4"/>
+                    </a:cubicBezTo>
+                    <a:close/>
+                  </a:path>
+                </a:pathLst>
+              </a:custGeom>
+              <a:grpFill/>
+              <a:ln>
+                <a:noFill/>
+              </a:ln>
+              <a:extLst>
+                <a:ext uri="{91240B29-F687-4f45-9708-019B960494DF}">
+                  <a14:hiddenLine xmlns="" xmlns:a16="http://schemas.microsoft.com/office/drawing/2014/main" xmlns:p14="http://schemas.microsoft.com/office/powerpoint/2010/main" xmlns:a14="http://schemas.microsoft.com/office/drawing/2010/main" w="9525">
+                    <a:solidFill>
+                      <a:srgbClr val="000000"/>
+                    </a:solidFill>
+                    <a:round/>
+                    <a:headEnd/>
+                    <a:tailEnd/>
+                  </a14:hiddenLine>
+                </a:ext>
+              </a:extLst>
+            </p:spPr>
+          </p:sp>
+          <p:sp>
+            <p:nvSpPr>
+              <p:cNvPr id="28" name="Freeform 8">
+                <a:extLst>
+                  <a:ext uri="{FF2B5EF4-FFF2-40B4-BE49-F238E27FC236}">
+                    <a16:creationId xmlns:a16="http://schemas.microsoft.com/office/drawing/2014/main" id="{F44AA128-AA96-4FF2-A1C3-F9D2E7FD38CA}"/>
+                  </a:ext>
+                  <a:ext uri="{C183D7F6-B498-43B3-948B-1728B52AA6E4}">
+                    <adec:decorative xmlns:adec="http://schemas.microsoft.com/office/drawing/2017/decorative" val="1"/>
+                  </a:ext>
+                </a:extLst>
+              </p:cNvPr>
+              <p:cNvSpPr/>
+              <p:nvPr>
+                <p:extLst>
+                  <p:ext uri="{386F3935-93C4-4BCD-93E2-E3B085C9AB24}">
+                    <p16:designElem xmlns:p16="http://schemas.microsoft.com/office/powerpoint/2015/main" val="1"/>
+                  </p:ext>
+                </p:extLst>
+              </p:nvPr>
+            </p:nvSpPr>
+            <p:spPr bwMode="auto">
+              <a:xfrm>
+                <a:off x="200025" y="4763"/>
+                <a:ext cx="369888" cy="1811338"/>
+              </a:xfrm>
+              <a:custGeom>
+                <a:avLst/>
+                <a:gdLst/>
+                <a:ahLst/>
+                <a:cxnLst/>
+                <a:rect l="0" t="0" r="r" b="b"/>
+                <a:pathLst>
+                  <a:path w="233" h="1141">
+                    <a:moveTo>
+                      <a:pt x="218" y="1141"/>
+                    </a:moveTo>
+                    <a:lnTo>
+                      <a:pt x="0" y="626"/>
+                    </a:lnTo>
+                    <a:lnTo>
+                      <a:pt x="0" y="0"/>
+                    </a:lnTo>
+                    <a:lnTo>
+                      <a:pt x="15" y="0"/>
+                    </a:lnTo>
+                    <a:lnTo>
+                      <a:pt x="15" y="623"/>
+                    </a:lnTo>
+                    <a:lnTo>
+                      <a:pt x="233" y="1135"/>
+                    </a:lnTo>
+                    <a:lnTo>
+                      <a:pt x="218" y="1141"/>
+                    </a:lnTo>
+                    <a:close/>
+                  </a:path>
+                </a:pathLst>
+              </a:custGeom>
+              <a:grpFill/>
+              <a:ln>
+                <a:noFill/>
+              </a:ln>
+              <a:extLst>
+                <a:ext uri="{91240B29-F687-4f45-9708-019B960494DF}">
+                  <a14:hiddenLine xmlns="" xmlns:a16="http://schemas.microsoft.com/office/drawing/2014/main" xmlns:p14="http://schemas.microsoft.com/office/powerpoint/2010/main" xmlns:a14="http://schemas.microsoft.com/office/drawing/2010/main" w="9525">
+                    <a:solidFill>
+                      <a:srgbClr val="000000"/>
+                    </a:solidFill>
+                    <a:round/>
+                    <a:headEnd/>
+                    <a:tailEnd/>
+                  </a14:hiddenLine>
+                </a:ext>
+              </a:extLst>
+            </p:spPr>
+          </p:sp>
+          <p:sp>
+            <p:nvSpPr>
+              <p:cNvPr id="29" name="Freeform 9">
+                <a:extLst>
+                  <a:ext uri="{FF2B5EF4-FFF2-40B4-BE49-F238E27FC236}">
+                    <a16:creationId xmlns:a16="http://schemas.microsoft.com/office/drawing/2014/main" id="{7E52DC12-230B-4892-B284-F2FE9DE16A7C}"/>
+                  </a:ext>
+                  <a:ext uri="{C183D7F6-B498-43B3-948B-1728B52AA6E4}">
+                    <adec:decorative xmlns:adec="http://schemas.microsoft.com/office/drawing/2017/decorative" val="1"/>
+                  </a:ext>
+                </a:extLst>
+              </p:cNvPr>
+              <p:cNvSpPr>
+                <a:spLocks noEditPoints="1"/>
+              </p:cNvSpPr>
+              <p:nvPr>
+                <p:extLst>
+                  <p:ext uri="{386F3935-93C4-4BCD-93E2-E3B085C9AB24}">
+                    <p16:designElem xmlns:p16="http://schemas.microsoft.com/office/powerpoint/2015/main" val="1"/>
+                  </p:ext>
+                </p:extLst>
+              </p:nvPr>
+            </p:nvSpPr>
+            <p:spPr bwMode="auto">
+              <a:xfrm>
+                <a:off x="503237" y="1801813"/>
+                <a:ext cx="190500" cy="188913"/>
+              </a:xfrm>
+              <a:custGeom>
+                <a:avLst/>
+                <a:gdLst/>
+                <a:ahLst/>
+                <a:cxnLst/>
+                <a:rect l="0" t="0" r="r" b="b"/>
+                <a:pathLst>
+                  <a:path w="40" h="40">
+                    <a:moveTo>
+                      <a:pt x="20" y="40"/>
+                    </a:moveTo>
+                    <a:cubicBezTo>
+                      <a:pt x="9" y="40"/>
+                      <a:pt x="0" y="31"/>
+                      <a:pt x="0" y="20"/>
+                    </a:cubicBezTo>
+                    <a:cubicBezTo>
+                      <a:pt x="0" y="9"/>
+                      <a:pt x="9" y="0"/>
+                      <a:pt x="20" y="0"/>
+                    </a:cubicBezTo>
+                    <a:cubicBezTo>
+                      <a:pt x="33" y="0"/>
+                      <a:pt x="40" y="6"/>
+                      <a:pt x="40" y="20"/>
+                    </a:cubicBezTo>
+                    <a:cubicBezTo>
+                      <a:pt x="40" y="31"/>
+                      <a:pt x="31" y="40"/>
+                      <a:pt x="20" y="40"/>
+                    </a:cubicBezTo>
+                    <a:close/>
+                    <a:moveTo>
+                      <a:pt x="20" y="4"/>
+                    </a:moveTo>
+                    <a:cubicBezTo>
+                      <a:pt x="11" y="4"/>
+                      <a:pt x="4" y="11"/>
+                      <a:pt x="4" y="20"/>
+                    </a:cubicBezTo>
+                    <a:cubicBezTo>
+                      <a:pt x="4" y="29"/>
+                      <a:pt x="11" y="36"/>
+                      <a:pt x="20" y="36"/>
+                    </a:cubicBezTo>
+                    <a:cubicBezTo>
+                      <a:pt x="28" y="36"/>
+                      <a:pt x="36" y="29"/>
+                      <a:pt x="36" y="20"/>
+                    </a:cubicBezTo>
+                    <a:cubicBezTo>
+                      <a:pt x="36" y="9"/>
+                      <a:pt x="31" y="4"/>
+                      <a:pt x="20" y="4"/>
+                    </a:cubicBezTo>
+                    <a:close/>
+                  </a:path>
+                </a:pathLst>
+              </a:custGeom>
+              <a:grpFill/>
+              <a:ln>
+                <a:noFill/>
+              </a:ln>
+              <a:extLst>
+                <a:ext uri="{91240B29-F687-4f45-9708-019B960494DF}">
+                  <a14:hiddenLine xmlns="" xmlns:a16="http://schemas.microsoft.com/office/drawing/2014/main" xmlns:p14="http://schemas.microsoft.com/office/powerpoint/2010/main" xmlns:a14="http://schemas.microsoft.com/office/drawing/2010/main" w="9525">
+                    <a:solidFill>
+                      <a:srgbClr val="000000"/>
+                    </a:solidFill>
+                    <a:round/>
+                    <a:headEnd/>
+                    <a:tailEnd/>
+                  </a14:hiddenLine>
+                </a:ext>
+              </a:extLst>
+            </p:spPr>
+          </p:sp>
+          <p:sp>
+            <p:nvSpPr>
+              <p:cNvPr id="30" name="Freeform 10">
+                <a:extLst>
+                  <a:ext uri="{FF2B5EF4-FFF2-40B4-BE49-F238E27FC236}">
+                    <a16:creationId xmlns:a16="http://schemas.microsoft.com/office/drawing/2014/main" id="{A68FBF9E-B81A-41D0-8A03-6CFC30811D1F}"/>
+                  </a:ext>
+                  <a:ext uri="{C183D7F6-B498-43B3-948B-1728B52AA6E4}">
+                    <adec:decorative xmlns:adec="http://schemas.microsoft.com/office/drawing/2017/decorative" val="1"/>
+                  </a:ext>
+                </a:extLst>
+              </p:cNvPr>
+              <p:cNvSpPr/>
+              <p:nvPr>
+                <p:extLst>
+                  <p:ext uri="{386F3935-93C4-4BCD-93E2-E3B085C9AB24}">
+                    <p16:designElem xmlns:p16="http://schemas.microsoft.com/office/powerpoint/2015/main" val="1"/>
+                  </p:ext>
+                </p:extLst>
+              </p:nvPr>
+            </p:nvSpPr>
+            <p:spPr bwMode="auto">
+              <a:xfrm>
+                <a:off x="285750" y="4763"/>
+                <a:ext cx="369888" cy="1430338"/>
+              </a:xfrm>
+              <a:custGeom>
+                <a:avLst/>
+                <a:gdLst/>
+                <a:ahLst/>
+                <a:cxnLst/>
+                <a:rect l="0" t="0" r="r" b="b"/>
+                <a:pathLst>
+                  <a:path w="233" h="901">
+                    <a:moveTo>
+                      <a:pt x="221" y="901"/>
+                    </a:moveTo>
+                    <a:lnTo>
+                      <a:pt x="0" y="383"/>
+                    </a:lnTo>
+                    <a:lnTo>
+                      <a:pt x="0" y="0"/>
+                    </a:lnTo>
+                    <a:lnTo>
+                      <a:pt x="18" y="0"/>
+                    </a:lnTo>
+                    <a:lnTo>
+                      <a:pt x="18" y="380"/>
+                    </a:lnTo>
+                    <a:lnTo>
+                      <a:pt x="233" y="895"/>
+                    </a:lnTo>
+                    <a:lnTo>
+                      <a:pt x="221" y="901"/>
+                    </a:lnTo>
+                    <a:close/>
+                  </a:path>
+                </a:pathLst>
+              </a:custGeom>
+              <a:grpFill/>
+              <a:ln>
+                <a:noFill/>
+              </a:ln>
+              <a:extLst>
+                <a:ext uri="{91240B29-F687-4f45-9708-019B960494DF}">
+                  <a14:hiddenLine xmlns="" xmlns:a16="http://schemas.microsoft.com/office/drawing/2014/main" xmlns:p14="http://schemas.microsoft.com/office/powerpoint/2010/main" xmlns:a14="http://schemas.microsoft.com/office/drawing/2010/main" w="9525">
+                    <a:solidFill>
+                      <a:srgbClr val="000000"/>
+                    </a:solidFill>
+                    <a:round/>
+                    <a:headEnd/>
+                    <a:tailEnd/>
+                  </a14:hiddenLine>
+                </a:ext>
+              </a:extLst>
+            </p:spPr>
+          </p:sp>
+          <p:sp>
+            <p:nvSpPr>
+              <p:cNvPr id="31" name="Freeform 11">
+                <a:extLst>
+                  <a:ext uri="{FF2B5EF4-FFF2-40B4-BE49-F238E27FC236}">
+                    <a16:creationId xmlns:a16="http://schemas.microsoft.com/office/drawing/2014/main" id="{B0047F84-8480-494F-9241-39FF17CFFFAE}"/>
+                  </a:ext>
+                  <a:ext uri="{C183D7F6-B498-43B3-948B-1728B52AA6E4}">
+                    <adec:decorative xmlns:adec="http://schemas.microsoft.com/office/drawing/2017/decorative" val="1"/>
+                  </a:ext>
+                </a:extLst>
+              </p:cNvPr>
+              <p:cNvSpPr/>
+              <p:nvPr>
+                <p:extLst>
+                  <p:ext uri="{386F3935-93C4-4BCD-93E2-E3B085C9AB24}">
+                    <p16:designElem xmlns:p16="http://schemas.microsoft.com/office/powerpoint/2015/main" val="1"/>
+                  </p:ext>
+                </p:extLst>
+              </p:nvPr>
+            </p:nvSpPr>
+            <p:spPr bwMode="auto">
+              <a:xfrm>
+                <a:off x="546100" y="0"/>
+                <a:ext cx="152400" cy="912813"/>
+              </a:xfrm>
+              <a:custGeom>
+                <a:avLst/>
+                <a:gdLst/>
+                <a:ahLst/>
+                <a:cxnLst/>
+                <a:rect l="0" t="0" r="r" b="b"/>
+                <a:pathLst>
+                  <a:path w="96" h="575">
+                    <a:moveTo>
+                      <a:pt x="96" y="575"/>
+                    </a:moveTo>
+                    <a:lnTo>
+                      <a:pt x="78" y="575"/>
+                    </a:lnTo>
+                    <a:lnTo>
+                      <a:pt x="78" y="192"/>
+                    </a:lnTo>
+                    <a:lnTo>
+                      <a:pt x="0" y="6"/>
+                    </a:lnTo>
+                    <a:lnTo>
+                      <a:pt x="15" y="0"/>
+                    </a:lnTo>
+                    <a:lnTo>
+                      <a:pt x="96" y="189"/>
+                    </a:lnTo>
+                    <a:lnTo>
+                      <a:pt x="96" y="575"/>
+                    </a:lnTo>
+                    <a:close/>
+                  </a:path>
+                </a:pathLst>
+              </a:custGeom>
+              <a:grpFill/>
+              <a:ln>
+                <a:noFill/>
+              </a:ln>
+              <a:extLst>
+                <a:ext uri="{91240B29-F687-4f45-9708-019B960494DF}">
+                  <a14:hiddenLine xmlns="" xmlns:a16="http://schemas.microsoft.com/office/drawing/2014/main" xmlns:p14="http://schemas.microsoft.com/office/powerpoint/2010/main" xmlns:a14="http://schemas.microsoft.com/office/drawing/2010/main" w="9525">
+                    <a:solidFill>
+                      <a:srgbClr val="000000"/>
+                    </a:solidFill>
+                    <a:round/>
+                    <a:headEnd/>
+                    <a:tailEnd/>
+                  </a14:hiddenLine>
+                </a:ext>
+              </a:extLst>
+            </p:spPr>
+          </p:sp>
+          <p:sp>
+            <p:nvSpPr>
+              <p:cNvPr id="32" name="Freeform 12">
+                <a:extLst>
+                  <a:ext uri="{FF2B5EF4-FFF2-40B4-BE49-F238E27FC236}">
+                    <a16:creationId xmlns:a16="http://schemas.microsoft.com/office/drawing/2014/main" id="{8CAF76D8-4B95-4A8E-9EE5-8CCC0A7AD2CA}"/>
+                  </a:ext>
+                  <a:ext uri="{C183D7F6-B498-43B3-948B-1728B52AA6E4}">
+                    <adec:decorative xmlns:adec="http://schemas.microsoft.com/office/drawing/2017/decorative" val="1"/>
+                  </a:ext>
+                </a:extLst>
+              </p:cNvPr>
+              <p:cNvSpPr>
+                <a:spLocks noEditPoints="1"/>
+              </p:cNvSpPr>
+              <p:nvPr>
+                <p:extLst>
+                  <p:ext uri="{386F3935-93C4-4BCD-93E2-E3B085C9AB24}">
+                    <p16:designElem xmlns:p16="http://schemas.microsoft.com/office/powerpoint/2015/main" val="1"/>
+                  </p:ext>
+                </p:extLst>
+              </p:nvPr>
+            </p:nvSpPr>
+            <p:spPr bwMode="auto">
+              <a:xfrm>
+                <a:off x="588962" y="1420813"/>
+                <a:ext cx="190500" cy="190500"/>
+              </a:xfrm>
+              <a:custGeom>
+                <a:avLst/>
+                <a:gdLst/>
+                <a:ahLst/>
+                <a:cxnLst/>
+                <a:rect l="0" t="0" r="r" b="b"/>
+                <a:pathLst>
+                  <a:path w="40" h="40">
+                    <a:moveTo>
+                      <a:pt x="20" y="40"/>
+                    </a:moveTo>
+                    <a:cubicBezTo>
+                      <a:pt x="9" y="40"/>
+                      <a:pt x="0" y="31"/>
+                      <a:pt x="0" y="20"/>
+                    </a:cubicBezTo>
+                    <a:cubicBezTo>
+                      <a:pt x="0" y="9"/>
+                      <a:pt x="9" y="0"/>
+                      <a:pt x="20" y="0"/>
+                    </a:cubicBezTo>
+                    <a:cubicBezTo>
+                      <a:pt x="33" y="0"/>
+                      <a:pt x="40" y="7"/>
+                      <a:pt x="40" y="20"/>
+                    </a:cubicBezTo>
+                    <a:cubicBezTo>
+                      <a:pt x="40" y="31"/>
+                      <a:pt x="31" y="40"/>
+                      <a:pt x="20" y="40"/>
+                    </a:cubicBezTo>
+                    <a:close/>
+                    <a:moveTo>
+                      <a:pt x="20" y="4"/>
+                    </a:moveTo>
+                    <a:cubicBezTo>
+                      <a:pt x="11" y="4"/>
+                      <a:pt x="4" y="11"/>
+                      <a:pt x="4" y="20"/>
+                    </a:cubicBezTo>
+                    <a:cubicBezTo>
+                      <a:pt x="4" y="29"/>
+                      <a:pt x="11" y="36"/>
+                      <a:pt x="20" y="36"/>
+                    </a:cubicBezTo>
+                    <a:cubicBezTo>
+                      <a:pt x="29" y="36"/>
+                      <a:pt x="36" y="29"/>
+                      <a:pt x="36" y="20"/>
+                    </a:cubicBezTo>
+                    <a:cubicBezTo>
+                      <a:pt x="36" y="9"/>
+                      <a:pt x="31" y="4"/>
+                      <a:pt x="20" y="4"/>
+                    </a:cubicBezTo>
+                    <a:close/>
+                  </a:path>
+                </a:pathLst>
+              </a:custGeom>
+              <a:grpFill/>
+              <a:ln>
+                <a:noFill/>
+              </a:ln>
+              <a:extLst>
+                <a:ext uri="{91240B29-F687-4f45-9708-019B960494DF}">
+                  <a14:hiddenLine xmlns="" xmlns:a16="http://schemas.microsoft.com/office/drawing/2014/main" xmlns:p14="http://schemas.microsoft.com/office/powerpoint/2010/main" xmlns:a14="http://schemas.microsoft.com/office/drawing/2010/main" w="9525">
+                    <a:solidFill>
+                      <a:srgbClr val="000000"/>
+                    </a:solidFill>
+                    <a:round/>
+                    <a:headEnd/>
+                    <a:tailEnd/>
+                  </a14:hiddenLine>
+                </a:ext>
+              </a:extLst>
+            </p:spPr>
+          </p:sp>
+          <p:sp>
+            <p:nvSpPr>
+              <p:cNvPr id="33" name="Freeform 13">
+                <a:extLst>
+                  <a:ext uri="{FF2B5EF4-FFF2-40B4-BE49-F238E27FC236}">
+                    <a16:creationId xmlns:a16="http://schemas.microsoft.com/office/drawing/2014/main" id="{792F82F3-05A8-4A55-8C5B-81F6678B595B}"/>
+                  </a:ext>
+                  <a:ext uri="{C183D7F6-B498-43B3-948B-1728B52AA6E4}">
+                    <adec:decorative xmlns:adec="http://schemas.microsoft.com/office/drawing/2017/decorative" val="1"/>
+                  </a:ext>
+                </a:extLst>
+              </p:cNvPr>
+              <p:cNvSpPr>
+                <a:spLocks noEditPoints="1"/>
+              </p:cNvSpPr>
+              <p:nvPr>
+                <p:extLst>
+                  <p:ext uri="{386F3935-93C4-4BCD-93E2-E3B085C9AB24}">
+                    <p16:designElem xmlns:p16="http://schemas.microsoft.com/office/powerpoint/2015/main" val="1"/>
+                  </p:ext>
+                </p:extLst>
+              </p:nvPr>
+            </p:nvSpPr>
+            <p:spPr bwMode="auto">
+              <a:xfrm>
+                <a:off x="588962" y="903288"/>
+                <a:ext cx="190500" cy="190500"/>
+              </a:xfrm>
+              <a:custGeom>
+                <a:avLst/>
+                <a:gdLst/>
+                <a:ahLst/>
+                <a:cxnLst/>
+                <a:rect l="0" t="0" r="r" b="b"/>
+                <a:pathLst>
+                  <a:path w="40" h="40">
+                    <a:moveTo>
+                      <a:pt x="20" y="40"/>
+                    </a:moveTo>
+                    <a:cubicBezTo>
+                      <a:pt x="9" y="40"/>
+                      <a:pt x="0" y="31"/>
+                      <a:pt x="0" y="20"/>
+                    </a:cubicBezTo>
+                    <a:cubicBezTo>
+                      <a:pt x="0" y="9"/>
+                      <a:pt x="9" y="0"/>
+                      <a:pt x="20" y="0"/>
+                    </a:cubicBezTo>
+                    <a:cubicBezTo>
+                      <a:pt x="31" y="0"/>
+                      <a:pt x="40" y="9"/>
+                      <a:pt x="40" y="20"/>
+                    </a:cubicBezTo>
+                    <a:cubicBezTo>
+                      <a:pt x="40" y="31"/>
+                      <a:pt x="31" y="40"/>
+                      <a:pt x="20" y="40"/>
+                    </a:cubicBezTo>
+                    <a:close/>
+                    <a:moveTo>
+                      <a:pt x="20" y="4"/>
+                    </a:moveTo>
+                    <a:cubicBezTo>
+                      <a:pt x="11" y="4"/>
+                      <a:pt x="4" y="11"/>
+                      <a:pt x="4" y="20"/>
+                    </a:cubicBezTo>
+                    <a:cubicBezTo>
+                      <a:pt x="4" y="29"/>
+                      <a:pt x="11" y="36"/>
+                      <a:pt x="20" y="36"/>
+                    </a:cubicBezTo>
+                    <a:cubicBezTo>
+                      <a:pt x="29" y="36"/>
+                      <a:pt x="36" y="29"/>
+                      <a:pt x="36" y="20"/>
+                    </a:cubicBezTo>
+                    <a:cubicBezTo>
+                      <a:pt x="36" y="11"/>
+                      <a:pt x="29" y="4"/>
+                      <a:pt x="20" y="4"/>
+                    </a:cubicBezTo>
+                    <a:close/>
+                  </a:path>
+                </a:pathLst>
+              </a:custGeom>
+              <a:grpFill/>
+              <a:ln>
+                <a:noFill/>
+              </a:ln>
+              <a:extLst>
+                <a:ext uri="{91240B29-F687-4f45-9708-019B960494DF}">
+                  <a14:hiddenLine xmlns="" xmlns:a16="http://schemas.microsoft.com/office/drawing/2014/main" xmlns:p14="http://schemas.microsoft.com/office/powerpoint/2010/main" xmlns:a14="http://schemas.microsoft.com/office/drawing/2010/main" w="9525">
+                    <a:solidFill>
+                      <a:srgbClr val="000000"/>
+                    </a:solidFill>
+                    <a:round/>
+                    <a:headEnd/>
+                    <a:tailEnd/>
+                  </a14:hiddenLine>
+                </a:ext>
+              </a:extLst>
+            </p:spPr>
+          </p:sp>
+          <p:sp>
+            <p:nvSpPr>
+              <p:cNvPr id="34" name="Freeform 14">
+                <a:extLst>
+                  <a:ext uri="{FF2B5EF4-FFF2-40B4-BE49-F238E27FC236}">
+                    <a16:creationId xmlns:a16="http://schemas.microsoft.com/office/drawing/2014/main" id="{B8472536-021A-4E59-BD59-DDC090A18ABE}"/>
+                  </a:ext>
+                  <a:ext uri="{C183D7F6-B498-43B3-948B-1728B52AA6E4}">
+                    <adec:decorative xmlns:adec="http://schemas.microsoft.com/office/drawing/2017/decorative" val="1"/>
+                  </a:ext>
+                </a:extLst>
+              </p:cNvPr>
+              <p:cNvSpPr/>
+              <p:nvPr>
+                <p:extLst>
+                  <p:ext uri="{386F3935-93C4-4BCD-93E2-E3B085C9AB24}">
+                    <p16:designElem xmlns:p16="http://schemas.microsoft.com/office/powerpoint/2015/main" val="1"/>
+                  </p:ext>
+                </p:extLst>
+              </p:nvPr>
+            </p:nvSpPr>
+            <p:spPr bwMode="auto">
+              <a:xfrm>
+                <a:off x="641350" y="0"/>
+                <a:ext cx="422275" cy="527050"/>
+              </a:xfrm>
+              <a:custGeom>
+                <a:avLst/>
+                <a:gdLst/>
+                <a:ahLst/>
+                <a:cxnLst/>
+                <a:rect l="0" t="0" r="r" b="b"/>
+                <a:pathLst>
+                  <a:path w="266" h="332">
+                    <a:moveTo>
+                      <a:pt x="257" y="332"/>
+                    </a:moveTo>
+                    <a:lnTo>
+                      <a:pt x="48" y="123"/>
+                    </a:lnTo>
+                    <a:lnTo>
+                      <a:pt x="0" y="6"/>
+                    </a:lnTo>
+                    <a:lnTo>
+                      <a:pt x="15" y="0"/>
+                    </a:lnTo>
+                    <a:lnTo>
+                      <a:pt x="63" y="114"/>
+                    </a:lnTo>
+                    <a:lnTo>
+                      <a:pt x="266" y="320"/>
+                    </a:lnTo>
+                    <a:lnTo>
+                      <a:pt x="257" y="332"/>
+                    </a:lnTo>
+                    <a:close/>
+                  </a:path>
+                </a:pathLst>
+              </a:custGeom>
+              <a:grpFill/>
+              <a:ln>
+                <a:noFill/>
+              </a:ln>
+              <a:extLst>
+                <a:ext uri="{91240B29-F687-4f45-9708-019B960494DF}">
+                  <a14:hiddenLine xmlns="" xmlns:a16="http://schemas.microsoft.com/office/drawing/2014/main" xmlns:p14="http://schemas.microsoft.com/office/powerpoint/2010/main" xmlns:a14="http://schemas.microsoft.com/office/drawing/2010/main" w="9525">
+                    <a:solidFill>
+                      <a:srgbClr val="000000"/>
+                    </a:solidFill>
+                    <a:round/>
+                    <a:headEnd/>
+                    <a:tailEnd/>
+                  </a14:hiddenLine>
+                </a:ext>
+              </a:extLst>
+            </p:spPr>
+          </p:sp>
+          <p:sp>
+            <p:nvSpPr>
+              <p:cNvPr id="35" name="Freeform 15">
+                <a:extLst>
+                  <a:ext uri="{FF2B5EF4-FFF2-40B4-BE49-F238E27FC236}">
+                    <a16:creationId xmlns:a16="http://schemas.microsoft.com/office/drawing/2014/main" id="{AEBEF646-3C12-469F-B194-A161A7A95D2F}"/>
+                  </a:ext>
+                  <a:ext uri="{C183D7F6-B498-43B3-948B-1728B52AA6E4}">
+                    <adec:decorative xmlns:adec="http://schemas.microsoft.com/office/drawing/2017/decorative" val="1"/>
+                  </a:ext>
+                </a:extLst>
+              </p:cNvPr>
+              <p:cNvSpPr>
+                <a:spLocks noEditPoints="1"/>
+              </p:cNvSpPr>
+              <p:nvPr>
+                <p:extLst>
+                  <p:ext uri="{386F3935-93C4-4BCD-93E2-E3B085C9AB24}">
+                    <p16:designElem xmlns:p16="http://schemas.microsoft.com/office/powerpoint/2015/main" val="1"/>
+                  </p:ext>
+                </p:extLst>
+              </p:nvPr>
+            </p:nvSpPr>
+            <p:spPr bwMode="auto">
+              <a:xfrm>
+                <a:off x="1020762" y="488950"/>
+                <a:ext cx="161925" cy="147638"/>
+              </a:xfrm>
+              <a:custGeom>
+                <a:avLst/>
+                <a:gdLst/>
+                <a:ahLst/>
+                <a:cxnLst/>
+                <a:rect l="0" t="0" r="r" b="b"/>
+                <a:pathLst>
+                  <a:path w="34" h="31">
+                    <a:moveTo>
+                      <a:pt x="17" y="31"/>
+                    </a:moveTo>
+                    <a:cubicBezTo>
+                      <a:pt x="13" y="31"/>
+                      <a:pt x="9" y="30"/>
+                      <a:pt x="6" y="27"/>
+                    </a:cubicBezTo>
+                    <a:cubicBezTo>
+                      <a:pt x="0" y="20"/>
+                      <a:pt x="0" y="10"/>
+                      <a:pt x="6" y="4"/>
+                    </a:cubicBezTo>
+                    <a:cubicBezTo>
+                      <a:pt x="9" y="1"/>
+                      <a:pt x="13" y="0"/>
+                      <a:pt x="17" y="0"/>
+                    </a:cubicBezTo>
+                    <a:cubicBezTo>
+                      <a:pt x="21" y="0"/>
+                      <a:pt x="25" y="1"/>
+                      <a:pt x="28" y="4"/>
+                    </a:cubicBezTo>
+                    <a:cubicBezTo>
+                      <a:pt x="34" y="10"/>
+                      <a:pt x="34" y="20"/>
+                      <a:pt x="28" y="27"/>
+                    </a:cubicBezTo>
+                    <a:cubicBezTo>
+                      <a:pt x="25" y="30"/>
+                      <a:pt x="21" y="31"/>
+                      <a:pt x="17" y="31"/>
+                    </a:cubicBezTo>
+                    <a:close/>
+                    <a:moveTo>
+                      <a:pt x="17" y="4"/>
+                    </a:moveTo>
+                    <a:cubicBezTo>
+                      <a:pt x="14" y="4"/>
+                      <a:pt x="11" y="5"/>
+                      <a:pt x="9" y="7"/>
+                    </a:cubicBezTo>
+                    <a:cubicBezTo>
+                      <a:pt x="4" y="12"/>
+                      <a:pt x="4" y="19"/>
+                      <a:pt x="9" y="24"/>
+                    </a:cubicBezTo>
+                    <a:cubicBezTo>
+                      <a:pt x="11" y="26"/>
+                      <a:pt x="14" y="27"/>
+                      <a:pt x="17" y="27"/>
+                    </a:cubicBezTo>
+                    <a:cubicBezTo>
+                      <a:pt x="20" y="27"/>
+                      <a:pt x="23" y="26"/>
+                      <a:pt x="25" y="24"/>
+                    </a:cubicBezTo>
+                    <a:cubicBezTo>
+                      <a:pt x="30" y="19"/>
+                      <a:pt x="30" y="12"/>
+                      <a:pt x="25" y="7"/>
+                    </a:cubicBezTo>
+                    <a:cubicBezTo>
+                      <a:pt x="23" y="5"/>
+                      <a:pt x="20" y="4"/>
+                      <a:pt x="17" y="4"/>
+                    </a:cubicBezTo>
+                    <a:close/>
+                  </a:path>
+                </a:pathLst>
+              </a:custGeom>
+              <a:grpFill/>
+              <a:ln>
+                <a:noFill/>
+              </a:ln>
+              <a:extLst>
+                <a:ext uri="{91240B29-F687-4f45-9708-019B960494DF}">
+                  <a14:hiddenLine xmlns="" xmlns:a16="http://schemas.microsoft.com/office/drawing/2014/main" xmlns:p14="http://schemas.microsoft.com/office/powerpoint/2010/main" xmlns:a14="http://schemas.microsoft.com/office/drawing/2010/main" w="9525">
+                    <a:solidFill>
+                      <a:srgbClr val="000000"/>
+                    </a:solidFill>
+                    <a:round/>
+                    <a:headEnd/>
+                    <a:tailEnd/>
+                  </a14:hiddenLine>
+                </a:ext>
+              </a:extLst>
+            </p:spPr>
+          </p:sp>
+          <p:sp>
+            <p:nvSpPr>
+              <p:cNvPr id="36" name="Line 16">
+                <a:extLst>
+                  <a:ext uri="{FF2B5EF4-FFF2-40B4-BE49-F238E27FC236}">
+                    <a16:creationId xmlns:a16="http://schemas.microsoft.com/office/drawing/2014/main" id="{D4501159-D7AC-4307-9DFC-C8F3A94341DA}"/>
+                  </a:ext>
+                  <a:ext uri="{C183D7F6-B498-43B3-948B-1728B52AA6E4}">
+                    <adec:decorative xmlns:adec="http://schemas.microsoft.com/office/drawing/2017/decorative" val="1"/>
+                  </a:ext>
+                </a:extLst>
+              </p:cNvPr>
+              <p:cNvSpPr>
+                <a:spLocks noChangeShapeType="1"/>
+              </p:cNvSpPr>
+              <p:nvPr>
+                <p:extLst>
+                  <p:ext uri="{386F3935-93C4-4BCD-93E2-E3B085C9AB24}">
+                    <p16:designElem xmlns:p16="http://schemas.microsoft.com/office/powerpoint/2015/main" val="1"/>
+                  </p:ext>
+                </p:extLst>
+              </p:nvPr>
+            </p:nvSpPr>
+            <p:spPr bwMode="auto">
+              <a:xfrm>
+                <a:off x="-4763" y="9525"/>
+                <a:ext cx="0" cy="0"/>
+              </a:xfrm>
+              <a:prstGeom prst="line">
+                <a:avLst/>
+              </a:prstGeom>
+              <a:grpFill/>
+              <a:ln w="15" cap="flat">
+                <a:solidFill>
+                  <a:srgbClr val="FFFFFF"/>
+                </a:solidFill>
+                <a:prstDash val="solid"/>
+                <a:miter lim="800000"/>
+                <a:headEnd/>
+                <a:tailEnd/>
+              </a:ln>
+            </p:spPr>
+          </p:sp>
+          <p:sp>
+            <p:nvSpPr>
+              <p:cNvPr id="37" name="Freeform 17">
+                <a:extLst>
+                  <a:ext uri="{FF2B5EF4-FFF2-40B4-BE49-F238E27FC236}">
+                    <a16:creationId xmlns:a16="http://schemas.microsoft.com/office/drawing/2014/main" id="{B5244C41-454C-47D8-A6A9-C17EC2A36631}"/>
+                  </a:ext>
+                  <a:ext uri="{C183D7F6-B498-43B3-948B-1728B52AA6E4}">
+                    <adec:decorative xmlns:adec="http://schemas.microsoft.com/office/drawing/2017/decorative" val="1"/>
+                  </a:ext>
+                </a:extLst>
+              </p:cNvPr>
+              <p:cNvSpPr/>
+              <p:nvPr>
+                <p:extLst>
+                  <p:ext uri="{386F3935-93C4-4BCD-93E2-E3B085C9AB24}">
+                    <p16:designElem xmlns:p16="http://schemas.microsoft.com/office/powerpoint/2015/main" val="1"/>
+                  </p:ext>
+                </p:extLst>
+              </p:nvPr>
+            </p:nvSpPr>
+            <p:spPr bwMode="auto">
+              <a:xfrm>
+                <a:off x="9525" y="1801813"/>
+                <a:ext cx="123825" cy="127000"/>
+              </a:xfrm>
+              <a:custGeom>
+                <a:avLst/>
+                <a:gdLst/>
+                <a:ahLst/>
+                <a:cxnLst/>
+                <a:rect l="0" t="0" r="r" b="b"/>
+                <a:pathLst>
+                  <a:path w="78" h="80">
+                    <a:moveTo>
+                      <a:pt x="6" y="80"/>
+                    </a:moveTo>
+                    <a:lnTo>
+                      <a:pt x="0" y="71"/>
+                    </a:lnTo>
+                    <a:lnTo>
+                      <a:pt x="69" y="0"/>
+                    </a:lnTo>
+                    <a:lnTo>
+                      <a:pt x="78" y="9"/>
+                    </a:lnTo>
+                    <a:lnTo>
+                      <a:pt x="6" y="80"/>
+                    </a:lnTo>
+                    <a:close/>
+                  </a:path>
+                </a:pathLst>
+              </a:custGeom>
+              <a:grpFill/>
+              <a:ln>
+                <a:noFill/>
+              </a:ln>
+              <a:extLst>
+                <a:ext uri="{91240B29-F687-4f45-9708-019B960494DF}">
+                  <a14:hiddenLine xmlns="" xmlns:a16="http://schemas.microsoft.com/office/drawing/2014/main" xmlns:p14="http://schemas.microsoft.com/office/powerpoint/2010/main" xmlns:a14="http://schemas.microsoft.com/office/drawing/2010/main" w="9525">
+                    <a:solidFill>
+                      <a:srgbClr val="000000"/>
+                    </a:solidFill>
+                    <a:round/>
+                    <a:headEnd/>
+                    <a:tailEnd/>
+                  </a14:hiddenLine>
+                </a:ext>
+              </a:extLst>
+            </p:spPr>
+          </p:sp>
+          <p:sp>
+            <p:nvSpPr>
+              <p:cNvPr id="38" name="Freeform 18">
+                <a:extLst>
+                  <a:ext uri="{FF2B5EF4-FFF2-40B4-BE49-F238E27FC236}">
+                    <a16:creationId xmlns:a16="http://schemas.microsoft.com/office/drawing/2014/main" id="{8FA883B8-99FB-4540-B573-F0674BFB1C2A}"/>
+                  </a:ext>
+                  <a:ext uri="{C183D7F6-B498-43B3-948B-1728B52AA6E4}">
+                    <adec:decorative xmlns:adec="http://schemas.microsoft.com/office/drawing/2017/decorative" val="1"/>
+                  </a:ext>
+                </a:extLst>
+              </p:cNvPr>
+              <p:cNvSpPr/>
+              <p:nvPr>
+                <p:extLst>
+                  <p:ext uri="{386F3935-93C4-4BCD-93E2-E3B085C9AB24}">
+                    <p16:designElem xmlns:p16="http://schemas.microsoft.com/office/powerpoint/2015/main" val="1"/>
+                  </p:ext>
+                </p:extLst>
+              </p:nvPr>
+            </p:nvSpPr>
+            <p:spPr bwMode="auto">
+              <a:xfrm>
+                <a:off x="-9525" y="3549650"/>
+                <a:ext cx="147638" cy="481013"/>
+              </a:xfrm>
+              <a:custGeom>
+                <a:avLst/>
+                <a:gdLst/>
+                <a:ahLst/>
+                <a:cxnLst/>
+                <a:rect l="0" t="0" r="r" b="b"/>
+                <a:pathLst>
+                  <a:path w="93" h="303">
+                    <a:moveTo>
+                      <a:pt x="93" y="303"/>
+                    </a:moveTo>
+                    <a:lnTo>
+                      <a:pt x="78" y="303"/>
+                    </a:lnTo>
+                    <a:lnTo>
+                      <a:pt x="78" y="78"/>
+                    </a:lnTo>
+                    <a:lnTo>
+                      <a:pt x="0" y="12"/>
+                    </a:lnTo>
+                    <a:lnTo>
+                      <a:pt x="12" y="0"/>
+                    </a:lnTo>
+                    <a:lnTo>
+                      <a:pt x="93" y="69"/>
+                    </a:lnTo>
+                    <a:lnTo>
+                      <a:pt x="93" y="303"/>
+                    </a:lnTo>
+                    <a:close/>
+                  </a:path>
+                </a:pathLst>
+              </a:custGeom>
+              <a:grpFill/>
+              <a:ln>
+                <a:noFill/>
+              </a:ln>
+              <a:extLst>
+                <a:ext uri="{91240B29-F687-4f45-9708-019B960494DF}">
+                  <a14:hiddenLine xmlns="" xmlns:a16="http://schemas.microsoft.com/office/drawing/2014/main" xmlns:p14="http://schemas.microsoft.com/office/powerpoint/2010/main" xmlns:a14="http://schemas.microsoft.com/office/drawing/2010/main" w="9525">
+                    <a:solidFill>
+                      <a:srgbClr val="000000"/>
+                    </a:solidFill>
+                    <a:round/>
+                    <a:headEnd/>
+                    <a:tailEnd/>
+                  </a14:hiddenLine>
+                </a:ext>
+              </a:extLst>
+            </p:spPr>
+          </p:sp>
+          <p:sp>
+            <p:nvSpPr>
+              <p:cNvPr id="39" name="Freeform 19">
+                <a:extLst>
+                  <a:ext uri="{FF2B5EF4-FFF2-40B4-BE49-F238E27FC236}">
+                    <a16:creationId xmlns:a16="http://schemas.microsoft.com/office/drawing/2014/main" id="{F1178B7C-5A00-4E5B-9010-B1477621E049}"/>
+                  </a:ext>
+                  <a:ext uri="{C183D7F6-B498-43B3-948B-1728B52AA6E4}">
+                    <adec:decorative xmlns:adec="http://schemas.microsoft.com/office/drawing/2017/decorative" val="1"/>
+                  </a:ext>
+                </a:extLst>
+              </p:cNvPr>
+              <p:cNvSpPr/>
+              <p:nvPr>
+                <p:extLst>
+                  <p:ext uri="{386F3935-93C4-4BCD-93E2-E3B085C9AB24}">
+                    <p16:designElem xmlns:p16="http://schemas.microsoft.com/office/powerpoint/2015/main" val="1"/>
+                  </p:ext>
+                </p:extLst>
+              </p:nvPr>
+            </p:nvSpPr>
+            <p:spPr bwMode="auto">
+              <a:xfrm>
+                <a:off x="128587" y="1382713"/>
+                <a:ext cx="142875" cy="476250"/>
+              </a:xfrm>
+              <a:custGeom>
+                <a:avLst/>
+                <a:gdLst/>
+                <a:ahLst/>
+                <a:cxnLst/>
+                <a:rect l="0" t="0" r="r" b="b"/>
+                <a:pathLst>
+                  <a:path w="90" h="300">
+                    <a:moveTo>
+                      <a:pt x="90" y="300"/>
+                    </a:moveTo>
+                    <a:lnTo>
+                      <a:pt x="78" y="300"/>
+                    </a:lnTo>
+                    <a:lnTo>
+                      <a:pt x="78" y="84"/>
+                    </a:lnTo>
+                    <a:lnTo>
+                      <a:pt x="0" y="9"/>
+                    </a:lnTo>
+                    <a:lnTo>
+                      <a:pt x="9" y="0"/>
+                    </a:lnTo>
+                    <a:lnTo>
+                      <a:pt x="90" y="81"/>
+                    </a:lnTo>
+                    <a:lnTo>
+                      <a:pt x="90" y="300"/>
+                    </a:lnTo>
+                    <a:close/>
+                  </a:path>
+                </a:pathLst>
+              </a:custGeom>
+              <a:grpFill/>
+              <a:ln>
+                <a:noFill/>
+              </a:ln>
+              <a:extLst>
+                <a:ext uri="{91240B29-F687-4f45-9708-019B960494DF}">
+                  <a14:hiddenLine xmlns="" xmlns:a16="http://schemas.microsoft.com/office/drawing/2014/main" xmlns:p14="http://schemas.microsoft.com/office/powerpoint/2010/main" xmlns:a14="http://schemas.microsoft.com/office/drawing/2010/main" w="9525">
+                    <a:solidFill>
+                      <a:srgbClr val="000000"/>
+                    </a:solidFill>
+                    <a:round/>
+                    <a:headEnd/>
+                    <a:tailEnd/>
+                  </a14:hiddenLine>
+                </a:ext>
+              </a:extLst>
+            </p:spPr>
+          </p:sp>
+          <p:sp>
+            <p:nvSpPr>
+              <p:cNvPr id="40" name="Freeform 20">
+                <a:extLst>
+                  <a:ext uri="{FF2B5EF4-FFF2-40B4-BE49-F238E27FC236}">
+                    <a16:creationId xmlns:a16="http://schemas.microsoft.com/office/drawing/2014/main" id="{E359D5D8-EE2E-4714-A40A-C3A6D91F9897}"/>
+                  </a:ext>
+                  <a:ext uri="{C183D7F6-B498-43B3-948B-1728B52AA6E4}">
+                    <adec:decorative xmlns:adec="http://schemas.microsoft.com/office/drawing/2017/decorative" val="1"/>
+                  </a:ext>
+                </a:extLst>
+              </p:cNvPr>
+              <p:cNvSpPr>
+                <a:spLocks noEditPoints="1"/>
+              </p:cNvSpPr>
+              <p:nvPr>
+                <p:extLst>
+                  <p:ext uri="{386F3935-93C4-4BCD-93E2-E3B085C9AB24}">
+                    <p16:designElem xmlns:p16="http://schemas.microsoft.com/office/powerpoint/2015/main" val="1"/>
+                  </p:ext>
+                </p:extLst>
+              </p:nvPr>
+            </p:nvSpPr>
+            <p:spPr bwMode="auto">
+              <a:xfrm>
+                <a:off x="204787" y="1849438"/>
+                <a:ext cx="114300" cy="107950"/>
+              </a:xfrm>
+              <a:custGeom>
+                <a:avLst/>
+                <a:gdLst/>
+                <a:ahLst/>
+                <a:cxnLst/>
+                <a:rect l="0" t="0" r="r" b="b"/>
+                <a:pathLst>
+                  <a:path w="24" h="23">
+                    <a:moveTo>
+                      <a:pt x="12" y="23"/>
+                    </a:moveTo>
+                    <a:cubicBezTo>
+                      <a:pt x="6" y="23"/>
+                      <a:pt x="0" y="18"/>
+                      <a:pt x="0" y="12"/>
+                    </a:cubicBezTo>
+                    <a:cubicBezTo>
+                      <a:pt x="0" y="5"/>
+                      <a:pt x="6" y="0"/>
+                      <a:pt x="12" y="0"/>
+                    </a:cubicBezTo>
+                    <a:cubicBezTo>
+                      <a:pt x="18" y="0"/>
+                      <a:pt x="24" y="5"/>
+                      <a:pt x="24" y="12"/>
+                    </a:cubicBezTo>
+                    <a:cubicBezTo>
+                      <a:pt x="24" y="18"/>
+                      <a:pt x="18" y="23"/>
+                      <a:pt x="12" y="23"/>
+                    </a:cubicBezTo>
+                    <a:close/>
+                    <a:moveTo>
+                      <a:pt x="12" y="4"/>
+                    </a:moveTo>
+                    <a:cubicBezTo>
+                      <a:pt x="8" y="4"/>
+                      <a:pt x="4" y="8"/>
+                      <a:pt x="4" y="12"/>
+                    </a:cubicBezTo>
+                    <a:cubicBezTo>
+                      <a:pt x="4" y="16"/>
+                      <a:pt x="8" y="19"/>
+                      <a:pt x="12" y="19"/>
+                    </a:cubicBezTo>
+                    <a:cubicBezTo>
+                      <a:pt x="16" y="19"/>
+                      <a:pt x="20" y="16"/>
+                      <a:pt x="20" y="12"/>
+                    </a:cubicBezTo>
+                    <a:cubicBezTo>
+                      <a:pt x="20" y="8"/>
+                      <a:pt x="16" y="4"/>
+                      <a:pt x="12" y="4"/>
+                    </a:cubicBezTo>
+                    <a:close/>
+                  </a:path>
+                </a:pathLst>
+              </a:custGeom>
+              <a:grpFill/>
+              <a:ln>
+                <a:noFill/>
+              </a:ln>
+              <a:extLst>
+                <a:ext uri="{91240B29-F687-4f45-9708-019B960494DF}">
+                  <a14:hiddenLine xmlns="" xmlns:a16="http://schemas.microsoft.com/office/drawing/2014/main" xmlns:p14="http://schemas.microsoft.com/office/powerpoint/2010/main" xmlns:a14="http://schemas.microsoft.com/office/drawing/2010/main" w="9525">
+                    <a:solidFill>
+                      <a:srgbClr val="000000"/>
+                    </a:solidFill>
+                    <a:round/>
+                    <a:headEnd/>
+                    <a:tailEnd/>
+                  </a14:hiddenLine>
+                </a:ext>
+              </a:extLst>
+            </p:spPr>
+          </p:sp>
+          <p:sp>
+            <p:nvSpPr>
+              <p:cNvPr id="41" name="Rectangle 21">
+                <a:extLst>
+                  <a:ext uri="{FF2B5EF4-FFF2-40B4-BE49-F238E27FC236}">
+                    <a16:creationId xmlns:a16="http://schemas.microsoft.com/office/drawing/2014/main" id="{8A89C2E5-F892-4666-85FB-995578FBC739}"/>
+                  </a:ext>
+                  <a:ext uri="{C183D7F6-B498-43B3-948B-1728B52AA6E4}">
+                    <adec:decorative xmlns:adec="http://schemas.microsoft.com/office/drawing/2017/decorative" val="1"/>
+                  </a:ext>
+                </a:extLst>
+              </p:cNvPr>
+              <p:cNvSpPr>
+                <a:spLocks noChangeArrowheads="1"/>
+              </p:cNvSpPr>
+              <p:nvPr>
+                <p:extLst>
+                  <p:ext uri="{386F3935-93C4-4BCD-93E2-E3B085C9AB24}">
+                    <p16:designElem xmlns:p16="http://schemas.microsoft.com/office/powerpoint/2015/main" val="1"/>
+                  </p:ext>
+                </p:extLst>
+              </p:nvPr>
+            </p:nvSpPr>
+            <p:spPr bwMode="auto">
+              <a:xfrm>
+                <a:off x="133350" y="4662488"/>
+                <a:ext cx="23813" cy="2181225"/>
+              </a:xfrm>
+              <a:prstGeom prst="rect">
+                <a:avLst/>
+              </a:prstGeom>
+              <a:grpFill/>
+              <a:ln>
+                <a:noFill/>
+              </a:ln>
+              <a:extLst>
+                <a:ext uri="{91240B29-F687-4f45-9708-019B960494DF}">
+                  <a14:hiddenLine xmlns="" xmlns:a16="http://schemas.microsoft.com/office/drawing/2014/main" xmlns:p14="http://schemas.microsoft.com/office/powerpoint/2010/main" xmlns:a14="http://schemas.microsoft.com/office/drawing/2010/main" w="9525">
+                    <a:solidFill>
+                      <a:srgbClr val="000000"/>
+                    </a:solidFill>
+                    <a:miter lim="800000"/>
+                    <a:headEnd/>
+                    <a:tailEnd/>
+                  </a14:hiddenLine>
+                </a:ext>
+              </a:extLst>
+            </p:spPr>
+          </p:sp>
+          <p:sp>
+            <p:nvSpPr>
+              <p:cNvPr id="42" name="Freeform 22">
+                <a:extLst>
+                  <a:ext uri="{FF2B5EF4-FFF2-40B4-BE49-F238E27FC236}">
+                    <a16:creationId xmlns:a16="http://schemas.microsoft.com/office/drawing/2014/main" id="{6DC6174B-0EC3-4A81-A0D1-D10DBB869A5A}"/>
+                  </a:ext>
+                  <a:ext uri="{C183D7F6-B498-43B3-948B-1728B52AA6E4}">
+                    <adec:decorative xmlns:adec="http://schemas.microsoft.com/office/drawing/2017/decorative" val="1"/>
+                  </a:ext>
+                </a:extLst>
+              </p:cNvPr>
+              <p:cNvSpPr/>
+              <p:nvPr>
+                <p:extLst>
+                  <p:ext uri="{386F3935-93C4-4BCD-93E2-E3B085C9AB24}">
+                    <p16:designElem xmlns:p16="http://schemas.microsoft.com/office/powerpoint/2015/main" val="1"/>
+                  </p:ext>
+                </p:extLst>
+              </p:nvPr>
+            </p:nvSpPr>
+            <p:spPr bwMode="auto">
+              <a:xfrm>
+                <a:off x="223837" y="5041900"/>
+                <a:ext cx="369888" cy="1801813"/>
+              </a:xfrm>
+              <a:custGeom>
+                <a:avLst/>
+                <a:gdLst/>
+                <a:ahLst/>
+                <a:cxnLst/>
+                <a:rect l="0" t="0" r="r" b="b"/>
+                <a:pathLst>
+                  <a:path w="233" h="1135">
+                    <a:moveTo>
+                      <a:pt x="15" y="1135"/>
+                    </a:moveTo>
+                    <a:lnTo>
+                      <a:pt x="0" y="1135"/>
+                    </a:lnTo>
+                    <a:lnTo>
+                      <a:pt x="0" y="515"/>
+                    </a:lnTo>
+                    <a:lnTo>
+                      <a:pt x="0" y="512"/>
+                    </a:lnTo>
+                    <a:lnTo>
+                      <a:pt x="218" y="0"/>
+                    </a:lnTo>
+                    <a:lnTo>
+                      <a:pt x="233" y="6"/>
+                    </a:lnTo>
+                    <a:lnTo>
+                      <a:pt x="15" y="518"/>
+                    </a:lnTo>
+                    <a:lnTo>
+                      <a:pt x="15" y="1135"/>
+                    </a:lnTo>
+                    <a:close/>
+                  </a:path>
+                </a:pathLst>
+              </a:custGeom>
+              <a:grpFill/>
+              <a:ln>
+                <a:noFill/>
+              </a:ln>
+              <a:extLst>
+                <a:ext uri="{91240B29-F687-4f45-9708-019B960494DF}">
+                  <a14:hiddenLine xmlns="" xmlns:a16="http://schemas.microsoft.com/office/drawing/2014/main" xmlns:p14="http://schemas.microsoft.com/office/powerpoint/2010/main" xmlns:a14="http://schemas.microsoft.com/office/drawing/2010/main" w="9525">
+                    <a:solidFill>
+                      <a:srgbClr val="000000"/>
+                    </a:solidFill>
+                    <a:round/>
+                    <a:headEnd/>
+                    <a:tailEnd/>
+                  </a14:hiddenLine>
+                </a:ext>
+              </a:extLst>
+            </p:spPr>
+          </p:sp>
+          <p:sp>
+            <p:nvSpPr>
+              <p:cNvPr id="43" name="Freeform 23">
+                <a:extLst>
+                  <a:ext uri="{FF2B5EF4-FFF2-40B4-BE49-F238E27FC236}">
+                    <a16:creationId xmlns:a16="http://schemas.microsoft.com/office/drawing/2014/main" id="{2CB96070-0553-4F79-984C-8DABB1CD5DB5}"/>
+                  </a:ext>
+                  <a:ext uri="{C183D7F6-B498-43B3-948B-1728B52AA6E4}">
+                    <adec:decorative xmlns:adec="http://schemas.microsoft.com/office/drawing/2017/decorative" val="1"/>
+                  </a:ext>
+                </a:extLst>
+              </p:cNvPr>
+              <p:cNvSpPr>
+                <a:spLocks noEditPoints="1"/>
+              </p:cNvSpPr>
+              <p:nvPr>
+                <p:extLst>
+                  <p:ext uri="{386F3935-93C4-4BCD-93E2-E3B085C9AB24}">
+                    <p16:designElem xmlns:p16="http://schemas.microsoft.com/office/powerpoint/2015/main" val="1"/>
+                  </p:ext>
+                </p:extLst>
+              </p:nvPr>
+            </p:nvSpPr>
+            <p:spPr bwMode="auto">
+              <a:xfrm>
+                <a:off x="52387" y="4481513"/>
+                <a:ext cx="190500" cy="190500"/>
+              </a:xfrm>
+              <a:custGeom>
+                <a:avLst/>
+                <a:gdLst/>
+                <a:ahLst/>
+                <a:cxnLst/>
+                <a:rect l="0" t="0" r="r" b="b"/>
+                <a:pathLst>
+                  <a:path w="40" h="40">
+                    <a:moveTo>
+                      <a:pt x="20" y="40"/>
+                    </a:moveTo>
+                    <a:cubicBezTo>
+                      <a:pt x="9" y="40"/>
+                      <a:pt x="0" y="31"/>
+                      <a:pt x="0" y="20"/>
+                    </a:cubicBezTo>
+                    <a:cubicBezTo>
+                      <a:pt x="0" y="9"/>
+                      <a:pt x="9" y="0"/>
+                      <a:pt x="20" y="0"/>
+                    </a:cubicBezTo>
+                    <a:cubicBezTo>
+                      <a:pt x="31" y="0"/>
+                      <a:pt x="40" y="9"/>
+                      <a:pt x="40" y="20"/>
+                    </a:cubicBezTo>
+                    <a:cubicBezTo>
+                      <a:pt x="40" y="31"/>
+                      <a:pt x="31" y="40"/>
+                      <a:pt x="20" y="40"/>
+                    </a:cubicBezTo>
+                    <a:close/>
+                    <a:moveTo>
+                      <a:pt x="20" y="4"/>
+                    </a:moveTo>
+                    <a:cubicBezTo>
+                      <a:pt x="11" y="4"/>
+                      <a:pt x="4" y="11"/>
+                      <a:pt x="4" y="20"/>
+                    </a:cubicBezTo>
+                    <a:cubicBezTo>
+                      <a:pt x="4" y="29"/>
+                      <a:pt x="11" y="36"/>
+                      <a:pt x="20" y="36"/>
+                    </a:cubicBezTo>
+                    <a:cubicBezTo>
+                      <a:pt x="28" y="36"/>
+                      <a:pt x="36" y="29"/>
+                      <a:pt x="36" y="20"/>
+                    </a:cubicBezTo>
+                    <a:cubicBezTo>
+                      <a:pt x="36" y="11"/>
+                      <a:pt x="28" y="4"/>
+                      <a:pt x="20" y="4"/>
+                    </a:cubicBezTo>
+                    <a:close/>
+                  </a:path>
+                </a:pathLst>
+              </a:custGeom>
+              <a:grpFill/>
+              <a:ln>
+                <a:noFill/>
+              </a:ln>
+              <a:extLst>
+                <a:ext uri="{91240B29-F687-4f45-9708-019B960494DF}">
+                  <a14:hiddenLine xmlns="" xmlns:a16="http://schemas.microsoft.com/office/drawing/2014/main" xmlns:p14="http://schemas.microsoft.com/office/powerpoint/2010/main" xmlns:a14="http://schemas.microsoft.com/office/drawing/2010/main" w="9525">
+                    <a:solidFill>
+                      <a:srgbClr val="000000"/>
+                    </a:solidFill>
+                    <a:round/>
+                    <a:headEnd/>
+                    <a:tailEnd/>
+                  </a14:hiddenLine>
+                </a:ext>
+              </a:extLst>
+            </p:spPr>
+          </p:sp>
+          <p:sp>
+            <p:nvSpPr>
+              <p:cNvPr id="44" name="Freeform 24">
+                <a:extLst>
+                  <a:ext uri="{FF2B5EF4-FFF2-40B4-BE49-F238E27FC236}">
+                    <a16:creationId xmlns:a16="http://schemas.microsoft.com/office/drawing/2014/main" id="{BA23B6E2-3718-4009-B80E-9279154B1918}"/>
+                  </a:ext>
+                  <a:ext uri="{C183D7F6-B498-43B3-948B-1728B52AA6E4}">
+                    <adec:decorative xmlns:adec="http://schemas.microsoft.com/office/drawing/2017/decorative" val="1"/>
+                  </a:ext>
+                </a:extLst>
+              </p:cNvPr>
+              <p:cNvSpPr/>
+              <p:nvPr>
+                <p:extLst>
+                  <p:ext uri="{386F3935-93C4-4BCD-93E2-E3B085C9AB24}">
+                    <p16:designElem xmlns:p16="http://schemas.microsoft.com/office/powerpoint/2015/main" val="1"/>
+                  </p:ext>
+                </p:extLst>
+              </p:nvPr>
+            </p:nvSpPr>
+            <p:spPr bwMode="auto">
+              <a:xfrm>
+                <a:off x="-14288" y="5627688"/>
+                <a:ext cx="85725" cy="1216025"/>
+              </a:xfrm>
+              <a:custGeom>
+                <a:avLst/>
+                <a:gdLst/>
+                <a:ahLst/>
+                <a:cxnLst/>
+                <a:rect l="0" t="0" r="r" b="b"/>
+                <a:pathLst>
+                  <a:path w="54" h="766">
+                    <a:moveTo>
+                      <a:pt x="54" y="766"/>
+                    </a:moveTo>
+                    <a:lnTo>
+                      <a:pt x="36" y="766"/>
+                    </a:lnTo>
+                    <a:lnTo>
+                      <a:pt x="36" y="149"/>
+                    </a:lnTo>
+                    <a:lnTo>
+                      <a:pt x="0" y="3"/>
+                    </a:lnTo>
+                    <a:lnTo>
+                      <a:pt x="18" y="0"/>
+                    </a:lnTo>
+                    <a:lnTo>
+                      <a:pt x="54" y="146"/>
+                    </a:lnTo>
+                    <a:lnTo>
+                      <a:pt x="54" y="766"/>
+                    </a:lnTo>
+                    <a:close/>
+                  </a:path>
+                </a:pathLst>
+              </a:custGeom>
+              <a:grpFill/>
+              <a:ln>
+                <a:noFill/>
+              </a:ln>
+              <a:extLst>
+                <a:ext uri="{91240B29-F687-4f45-9708-019B960494DF}">
+                  <a14:hiddenLine xmlns="" xmlns:a16="http://schemas.microsoft.com/office/drawing/2014/main" xmlns:p14="http://schemas.microsoft.com/office/powerpoint/2010/main" xmlns:a14="http://schemas.microsoft.com/office/drawing/2010/main" w="9525">
+                    <a:solidFill>
+                      <a:srgbClr val="000000"/>
+                    </a:solidFill>
+                    <a:round/>
+                    <a:headEnd/>
+                    <a:tailEnd/>
+                  </a14:hiddenLine>
+                </a:ext>
+              </a:extLst>
+            </p:spPr>
+          </p:sp>
+          <p:sp>
+            <p:nvSpPr>
+              <p:cNvPr id="45" name="Freeform 25">
+                <a:extLst>
+                  <a:ext uri="{FF2B5EF4-FFF2-40B4-BE49-F238E27FC236}">
+                    <a16:creationId xmlns:a16="http://schemas.microsoft.com/office/drawing/2014/main" id="{CAFB32D5-E528-419B-80EE-1475633970AC}"/>
+                  </a:ext>
+                  <a:ext uri="{C183D7F6-B498-43B3-948B-1728B52AA6E4}">
+                    <adec:decorative xmlns:adec="http://schemas.microsoft.com/office/drawing/2017/decorative" val="1"/>
+                  </a:ext>
+                </a:extLst>
+              </p:cNvPr>
+              <p:cNvSpPr>
+                <a:spLocks noEditPoints="1"/>
+              </p:cNvSpPr>
+              <p:nvPr>
+                <p:extLst>
+                  <p:ext uri="{386F3935-93C4-4BCD-93E2-E3B085C9AB24}">
+                    <p16:designElem xmlns:p16="http://schemas.microsoft.com/office/powerpoint/2015/main" val="1"/>
+                  </p:ext>
+                </p:extLst>
+              </p:nvPr>
+            </p:nvSpPr>
+            <p:spPr bwMode="auto">
+              <a:xfrm>
+                <a:off x="527050" y="4867275"/>
+                <a:ext cx="190500" cy="188913"/>
+              </a:xfrm>
+              <a:custGeom>
+                <a:avLst/>
+                <a:gdLst/>
+                <a:ahLst/>
+                <a:cxnLst/>
+                <a:rect l="0" t="0" r="r" b="b"/>
+                <a:pathLst>
+                  <a:path w="40" h="40">
+                    <a:moveTo>
+                      <a:pt x="20" y="40"/>
+                    </a:moveTo>
+                    <a:cubicBezTo>
+                      <a:pt x="9" y="40"/>
+                      <a:pt x="0" y="31"/>
+                      <a:pt x="0" y="20"/>
+                    </a:cubicBezTo>
+                    <a:cubicBezTo>
+                      <a:pt x="0" y="9"/>
+                      <a:pt x="9" y="0"/>
+                      <a:pt x="20" y="0"/>
+                    </a:cubicBezTo>
+                    <a:cubicBezTo>
+                      <a:pt x="31" y="0"/>
+                      <a:pt x="40" y="9"/>
+                      <a:pt x="40" y="20"/>
+                    </a:cubicBezTo>
+                    <a:cubicBezTo>
+                      <a:pt x="40" y="31"/>
+                      <a:pt x="31" y="40"/>
+                      <a:pt x="20" y="40"/>
+                    </a:cubicBezTo>
+                    <a:close/>
+                    <a:moveTo>
+                      <a:pt x="20" y="4"/>
+                    </a:moveTo>
+                    <a:cubicBezTo>
+                      <a:pt x="11" y="4"/>
+                      <a:pt x="4" y="11"/>
+                      <a:pt x="4" y="20"/>
+                    </a:cubicBezTo>
+                    <a:cubicBezTo>
+                      <a:pt x="4" y="29"/>
+                      <a:pt x="11" y="36"/>
+                      <a:pt x="20" y="36"/>
+                    </a:cubicBezTo>
+                    <a:cubicBezTo>
+                      <a:pt x="29" y="36"/>
+                      <a:pt x="36" y="29"/>
+                      <a:pt x="36" y="20"/>
+                    </a:cubicBezTo>
+                    <a:cubicBezTo>
+                      <a:pt x="36" y="11"/>
+                      <a:pt x="29" y="4"/>
+                      <a:pt x="20" y="4"/>
+                    </a:cubicBezTo>
+                    <a:close/>
+                  </a:path>
+                </a:pathLst>
+              </a:custGeom>
+              <a:grpFill/>
+              <a:ln>
+                <a:noFill/>
+              </a:ln>
+              <a:extLst>
+                <a:ext uri="{91240B29-F687-4f45-9708-019B960494DF}">
+                  <a14:hiddenLine xmlns="" xmlns:a16="http://schemas.microsoft.com/office/drawing/2014/main" xmlns:p14="http://schemas.microsoft.com/office/powerpoint/2010/main" xmlns:a14="http://schemas.microsoft.com/office/drawing/2010/main" w="9525">
+                    <a:solidFill>
+                      <a:srgbClr val="000000"/>
+                    </a:solidFill>
+                    <a:round/>
+                    <a:headEnd/>
+                    <a:tailEnd/>
+                  </a14:hiddenLine>
+                </a:ext>
+              </a:extLst>
+            </p:spPr>
+          </p:sp>
+          <p:sp>
+            <p:nvSpPr>
+              <p:cNvPr id="46" name="Freeform 26">
+                <a:extLst>
+                  <a:ext uri="{FF2B5EF4-FFF2-40B4-BE49-F238E27FC236}">
+                    <a16:creationId xmlns:a16="http://schemas.microsoft.com/office/drawing/2014/main" id="{A68ADD35-4FEA-404D-B2F3-23556E6E8F72}"/>
+                  </a:ext>
+                  <a:ext uri="{C183D7F6-B498-43B3-948B-1728B52AA6E4}">
+                    <adec:decorative xmlns:adec="http://schemas.microsoft.com/office/drawing/2017/decorative" val="1"/>
+                  </a:ext>
+                </a:extLst>
+              </p:cNvPr>
+              <p:cNvSpPr/>
+              <p:nvPr>
+                <p:extLst>
+                  <p:ext uri="{386F3935-93C4-4BCD-93E2-E3B085C9AB24}">
+                    <p16:designElem xmlns:p16="http://schemas.microsoft.com/office/powerpoint/2015/main" val="1"/>
+                  </p:ext>
+                </p:extLst>
+              </p:nvPr>
+            </p:nvSpPr>
+            <p:spPr bwMode="auto">
+              <a:xfrm>
+                <a:off x="309562" y="5422900"/>
+                <a:ext cx="374650" cy="1425575"/>
+              </a:xfrm>
+              <a:custGeom>
+                <a:avLst/>
+                <a:gdLst/>
+                <a:ahLst/>
+                <a:cxnLst/>
+                <a:rect l="0" t="0" r="r" b="b"/>
+                <a:pathLst>
+                  <a:path w="236" h="898">
+                    <a:moveTo>
+                      <a:pt x="18" y="898"/>
+                    </a:moveTo>
+                    <a:lnTo>
+                      <a:pt x="0" y="898"/>
+                    </a:lnTo>
+                    <a:lnTo>
+                      <a:pt x="0" y="515"/>
+                    </a:lnTo>
+                    <a:lnTo>
+                      <a:pt x="3" y="512"/>
+                    </a:lnTo>
+                    <a:lnTo>
+                      <a:pt x="221" y="0"/>
+                    </a:lnTo>
+                    <a:lnTo>
+                      <a:pt x="236" y="6"/>
+                    </a:lnTo>
+                    <a:lnTo>
+                      <a:pt x="18" y="518"/>
+                    </a:lnTo>
+                    <a:lnTo>
+                      <a:pt x="18" y="898"/>
+                    </a:lnTo>
+                    <a:close/>
+                  </a:path>
+                </a:pathLst>
+              </a:custGeom>
+              <a:grpFill/>
+              <a:ln>
+                <a:noFill/>
+              </a:ln>
+              <a:extLst>
+                <a:ext uri="{91240B29-F687-4f45-9708-019B960494DF}">
+                  <a14:hiddenLine xmlns="" xmlns:a16="http://schemas.microsoft.com/office/drawing/2014/main" xmlns:p14="http://schemas.microsoft.com/office/powerpoint/2010/main" xmlns:a14="http://schemas.microsoft.com/office/drawing/2010/main" w="9525">
+                    <a:solidFill>
+                      <a:srgbClr val="000000"/>
+                    </a:solidFill>
+                    <a:round/>
+                    <a:headEnd/>
+                    <a:tailEnd/>
+                  </a14:hiddenLine>
+                </a:ext>
+              </a:extLst>
+            </p:spPr>
+          </p:sp>
+          <p:sp>
+            <p:nvSpPr>
+              <p:cNvPr id="47" name="Freeform 27">
+                <a:extLst>
+                  <a:ext uri="{FF2B5EF4-FFF2-40B4-BE49-F238E27FC236}">
+                    <a16:creationId xmlns:a16="http://schemas.microsoft.com/office/drawing/2014/main" id="{89CF17CA-49E3-4B4A-836A-4FD55C67BECE}"/>
+                  </a:ext>
+                  <a:ext uri="{C183D7F6-B498-43B3-948B-1728B52AA6E4}">
+                    <adec:decorative xmlns:adec="http://schemas.microsoft.com/office/drawing/2017/decorative" val="1"/>
+                  </a:ext>
+                </a:extLst>
+              </p:cNvPr>
+              <p:cNvSpPr/>
+              <p:nvPr>
+                <p:extLst>
+                  <p:ext uri="{386F3935-93C4-4BCD-93E2-E3B085C9AB24}">
+                    <p16:designElem xmlns:p16="http://schemas.microsoft.com/office/powerpoint/2015/main" val="1"/>
+                  </p:ext>
+                </p:extLst>
+              </p:nvPr>
+            </p:nvSpPr>
+            <p:spPr bwMode="auto">
+              <a:xfrm>
+                <a:off x="569912" y="5945188"/>
+                <a:ext cx="152400" cy="912813"/>
+              </a:xfrm>
+              <a:custGeom>
+                <a:avLst/>
+                <a:gdLst/>
+                <a:ahLst/>
+                <a:cxnLst/>
+                <a:rect l="0" t="0" r="r" b="b"/>
+                <a:pathLst>
+                  <a:path w="96" h="575">
+                    <a:moveTo>
+                      <a:pt x="15" y="575"/>
+                    </a:moveTo>
+                    <a:lnTo>
+                      <a:pt x="0" y="569"/>
+                    </a:lnTo>
+                    <a:lnTo>
+                      <a:pt x="81" y="383"/>
+                    </a:lnTo>
+                    <a:lnTo>
+                      <a:pt x="81" y="0"/>
+                    </a:lnTo>
+                    <a:lnTo>
+                      <a:pt x="96" y="0"/>
+                    </a:lnTo>
+                    <a:lnTo>
+                      <a:pt x="96" y="386"/>
+                    </a:lnTo>
+                    <a:lnTo>
+                      <a:pt x="15" y="575"/>
+                    </a:lnTo>
+                    <a:close/>
+                  </a:path>
+                </a:pathLst>
+              </a:custGeom>
+              <a:grpFill/>
+              <a:ln>
+                <a:noFill/>
+              </a:ln>
+              <a:extLst>
+                <a:ext uri="{91240B29-F687-4f45-9708-019B960494DF}">
+                  <a14:hiddenLine xmlns="" xmlns:a16="http://schemas.microsoft.com/office/drawing/2014/main" xmlns:p14="http://schemas.microsoft.com/office/powerpoint/2010/main" xmlns:a14="http://schemas.microsoft.com/office/drawing/2010/main" w="9525">
+                    <a:solidFill>
+                      <a:srgbClr val="000000"/>
+                    </a:solidFill>
+                    <a:round/>
+                    <a:headEnd/>
+                    <a:tailEnd/>
+                  </a14:hiddenLine>
+                </a:ext>
+              </a:extLst>
+            </p:spPr>
+          </p:sp>
+          <p:sp>
+            <p:nvSpPr>
+              <p:cNvPr id="48" name="Freeform 28">
+                <a:extLst>
+                  <a:ext uri="{FF2B5EF4-FFF2-40B4-BE49-F238E27FC236}">
+                    <a16:creationId xmlns:a16="http://schemas.microsoft.com/office/drawing/2014/main" id="{AB394F2E-F3E7-4CED-84A9-35C47AB287C8}"/>
+                  </a:ext>
+                  <a:ext uri="{C183D7F6-B498-43B3-948B-1728B52AA6E4}">
+                    <adec:decorative xmlns:adec="http://schemas.microsoft.com/office/drawing/2017/decorative" val="1"/>
+                  </a:ext>
+                </a:extLst>
+              </p:cNvPr>
+              <p:cNvSpPr>
+                <a:spLocks noEditPoints="1"/>
+              </p:cNvSpPr>
+              <p:nvPr>
+                <p:extLst>
+                  <p:ext uri="{386F3935-93C4-4BCD-93E2-E3B085C9AB24}">
+                    <p16:designElem xmlns:p16="http://schemas.microsoft.com/office/powerpoint/2015/main" val="1"/>
+                  </p:ext>
+                </p:extLst>
+              </p:nvPr>
+            </p:nvSpPr>
+            <p:spPr bwMode="auto">
+              <a:xfrm>
+                <a:off x="612775" y="5246688"/>
+                <a:ext cx="190500" cy="190500"/>
+              </a:xfrm>
+              <a:custGeom>
+                <a:avLst/>
+                <a:gdLst/>
+                <a:ahLst/>
+                <a:cxnLst/>
+                <a:rect l="0" t="0" r="r" b="b"/>
+                <a:pathLst>
+                  <a:path w="40" h="40">
+                    <a:moveTo>
+                      <a:pt x="20" y="40"/>
+                    </a:moveTo>
+                    <a:cubicBezTo>
+                      <a:pt x="9" y="40"/>
+                      <a:pt x="0" y="31"/>
+                      <a:pt x="0" y="20"/>
+                    </a:cubicBezTo>
+                    <a:cubicBezTo>
+                      <a:pt x="0" y="9"/>
+                      <a:pt x="9" y="0"/>
+                      <a:pt x="20" y="0"/>
+                    </a:cubicBezTo>
+                    <a:cubicBezTo>
+                      <a:pt x="31" y="0"/>
+                      <a:pt x="40" y="9"/>
+                      <a:pt x="40" y="20"/>
+                    </a:cubicBezTo>
+                    <a:cubicBezTo>
+                      <a:pt x="40" y="31"/>
+                      <a:pt x="31" y="40"/>
+                      <a:pt x="20" y="40"/>
+                    </a:cubicBezTo>
+                    <a:close/>
+                    <a:moveTo>
+                      <a:pt x="20" y="4"/>
+                    </a:moveTo>
+                    <a:cubicBezTo>
+                      <a:pt x="12" y="4"/>
+                      <a:pt x="4" y="11"/>
+                      <a:pt x="4" y="20"/>
+                    </a:cubicBezTo>
+                    <a:cubicBezTo>
+                      <a:pt x="4" y="29"/>
+                      <a:pt x="12" y="36"/>
+                      <a:pt x="20" y="36"/>
+                    </a:cubicBezTo>
+                    <a:cubicBezTo>
+                      <a:pt x="29" y="36"/>
+                      <a:pt x="36" y="29"/>
+                      <a:pt x="36" y="20"/>
+                    </a:cubicBezTo>
+                    <a:cubicBezTo>
+                      <a:pt x="36" y="11"/>
+                      <a:pt x="29" y="4"/>
+                      <a:pt x="20" y="4"/>
+                    </a:cubicBezTo>
+                    <a:close/>
+                  </a:path>
+                </a:pathLst>
+              </a:custGeom>
+              <a:grpFill/>
+              <a:ln>
+                <a:noFill/>
+              </a:ln>
+              <a:extLst>
+                <a:ext uri="{91240B29-F687-4f45-9708-019B960494DF}">
+                  <a14:hiddenLine xmlns="" xmlns:a16="http://schemas.microsoft.com/office/drawing/2014/main" xmlns:p14="http://schemas.microsoft.com/office/powerpoint/2010/main" xmlns:a14="http://schemas.microsoft.com/office/drawing/2010/main" w="9525">
+                    <a:solidFill>
+                      <a:srgbClr val="000000"/>
+                    </a:solidFill>
+                    <a:round/>
+                    <a:headEnd/>
+                    <a:tailEnd/>
+                  </a14:hiddenLine>
+                </a:ext>
+              </a:extLst>
+            </p:spPr>
+          </p:sp>
+          <p:sp>
+            <p:nvSpPr>
+              <p:cNvPr id="49" name="Freeform 29">
+                <a:extLst>
+                  <a:ext uri="{FF2B5EF4-FFF2-40B4-BE49-F238E27FC236}">
+                    <a16:creationId xmlns:a16="http://schemas.microsoft.com/office/drawing/2014/main" id="{FF816C2F-3999-4A9F-8395-5D68ED33A41E}"/>
+                  </a:ext>
+                  <a:ext uri="{C183D7F6-B498-43B3-948B-1728B52AA6E4}">
+                    <adec:decorative xmlns:adec="http://schemas.microsoft.com/office/drawing/2017/decorative" val="1"/>
+                  </a:ext>
+                </a:extLst>
+              </p:cNvPr>
+              <p:cNvSpPr>
+                <a:spLocks noEditPoints="1"/>
+              </p:cNvSpPr>
+              <p:nvPr>
+                <p:extLst>
+                  <p:ext uri="{386F3935-93C4-4BCD-93E2-E3B085C9AB24}">
+                    <p16:designElem xmlns:p16="http://schemas.microsoft.com/office/powerpoint/2015/main" val="1"/>
+                  </p:ext>
+                </p:extLst>
+              </p:nvPr>
+            </p:nvSpPr>
+            <p:spPr bwMode="auto">
+              <a:xfrm>
+                <a:off x="612775" y="5764213"/>
+                <a:ext cx="190500" cy="190500"/>
+              </a:xfrm>
+              <a:custGeom>
+                <a:avLst/>
+                <a:gdLst/>
+                <a:ahLst/>
+                <a:cxnLst/>
+                <a:rect l="0" t="0" r="r" b="b"/>
+                <a:pathLst>
+                  <a:path w="40" h="40">
+                    <a:moveTo>
+                      <a:pt x="20" y="40"/>
+                    </a:moveTo>
+                    <a:cubicBezTo>
+                      <a:pt x="9" y="40"/>
+                      <a:pt x="0" y="31"/>
+                      <a:pt x="0" y="20"/>
+                    </a:cubicBezTo>
+                    <a:cubicBezTo>
+                      <a:pt x="0" y="9"/>
+                      <a:pt x="9" y="0"/>
+                      <a:pt x="20" y="0"/>
+                    </a:cubicBezTo>
+                    <a:cubicBezTo>
+                      <a:pt x="31" y="0"/>
+                      <a:pt x="40" y="9"/>
+                      <a:pt x="40" y="20"/>
+                    </a:cubicBezTo>
+                    <a:cubicBezTo>
+                      <a:pt x="40" y="31"/>
+                      <a:pt x="31" y="40"/>
+                      <a:pt x="20" y="40"/>
+                    </a:cubicBezTo>
+                    <a:close/>
+                    <a:moveTo>
+                      <a:pt x="20" y="4"/>
+                    </a:moveTo>
+                    <a:cubicBezTo>
+                      <a:pt x="12" y="4"/>
+                      <a:pt x="4" y="11"/>
+                      <a:pt x="4" y="20"/>
+                    </a:cubicBezTo>
+                    <a:cubicBezTo>
+                      <a:pt x="4" y="29"/>
+                      <a:pt x="12" y="36"/>
+                      <a:pt x="20" y="36"/>
+                    </a:cubicBezTo>
+                    <a:cubicBezTo>
+                      <a:pt x="29" y="36"/>
+                      <a:pt x="36" y="29"/>
+                      <a:pt x="36" y="20"/>
+                    </a:cubicBezTo>
+                    <a:cubicBezTo>
+                      <a:pt x="36" y="11"/>
+                      <a:pt x="29" y="4"/>
+                      <a:pt x="20" y="4"/>
+                    </a:cubicBezTo>
+                    <a:close/>
+                  </a:path>
+                </a:pathLst>
+              </a:custGeom>
+              <a:grpFill/>
+              <a:ln>
+                <a:noFill/>
+              </a:ln>
+              <a:extLst>
+                <a:ext uri="{91240B29-F687-4f45-9708-019B960494DF}">
+                  <a14:hiddenLine xmlns="" xmlns:a16="http://schemas.microsoft.com/office/drawing/2014/main" xmlns:p14="http://schemas.microsoft.com/office/powerpoint/2010/main" xmlns:a14="http://schemas.microsoft.com/office/drawing/2010/main" w="9525">
+                    <a:solidFill>
+                      <a:srgbClr val="000000"/>
+                    </a:solidFill>
+                    <a:round/>
+                    <a:headEnd/>
+                    <a:tailEnd/>
+                  </a14:hiddenLine>
+                </a:ext>
+              </a:extLst>
+            </p:spPr>
+          </p:sp>
+          <p:sp>
+            <p:nvSpPr>
+              <p:cNvPr id="50" name="Freeform 30">
+                <a:extLst>
+                  <a:ext uri="{FF2B5EF4-FFF2-40B4-BE49-F238E27FC236}">
+                    <a16:creationId xmlns:a16="http://schemas.microsoft.com/office/drawing/2014/main" id="{82AD6AC6-71D5-4BD8-9185-D3062968B57E}"/>
+                  </a:ext>
+                  <a:ext uri="{C183D7F6-B498-43B3-948B-1728B52AA6E4}">
+                    <adec:decorative xmlns:adec="http://schemas.microsoft.com/office/drawing/2017/decorative" val="1"/>
+                  </a:ext>
+                </a:extLst>
+              </p:cNvPr>
+              <p:cNvSpPr/>
+              <p:nvPr>
+                <p:extLst>
+                  <p:ext uri="{386F3935-93C4-4BCD-93E2-E3B085C9AB24}">
+                    <p16:designElem xmlns:p16="http://schemas.microsoft.com/office/powerpoint/2015/main" val="1"/>
+                  </p:ext>
+                </p:extLst>
+              </p:nvPr>
+            </p:nvSpPr>
+            <p:spPr bwMode="auto">
+              <a:xfrm>
+                <a:off x="669925" y="6330950"/>
+                <a:ext cx="417513" cy="517525"/>
+              </a:xfrm>
+              <a:custGeom>
+                <a:avLst/>
+                <a:gdLst/>
+                <a:ahLst/>
+                <a:cxnLst/>
+                <a:rect l="0" t="0" r="r" b="b"/>
+                <a:pathLst>
+                  <a:path w="263" h="326">
+                    <a:moveTo>
+                      <a:pt x="15" y="326"/>
+                    </a:moveTo>
+                    <a:lnTo>
+                      <a:pt x="0" y="320"/>
+                    </a:lnTo>
+                    <a:lnTo>
+                      <a:pt x="45" y="206"/>
+                    </a:lnTo>
+                    <a:lnTo>
+                      <a:pt x="48" y="206"/>
+                    </a:lnTo>
+                    <a:lnTo>
+                      <a:pt x="254" y="0"/>
+                    </a:lnTo>
+                    <a:lnTo>
+                      <a:pt x="263" y="12"/>
+                    </a:lnTo>
+                    <a:lnTo>
+                      <a:pt x="60" y="215"/>
+                    </a:lnTo>
+                    <a:lnTo>
+                      <a:pt x="15" y="326"/>
+                    </a:lnTo>
+                    <a:close/>
+                  </a:path>
+                </a:pathLst>
+              </a:custGeom>
+              <a:grpFill/>
+              <a:ln>
+                <a:noFill/>
+              </a:ln>
+              <a:extLst>
+                <a:ext uri="{91240B29-F687-4f45-9708-019B960494DF}">
+                  <a14:hiddenLine xmlns="" xmlns:a16="http://schemas.microsoft.com/office/drawing/2014/main" xmlns:p14="http://schemas.microsoft.com/office/powerpoint/2010/main" xmlns:a14="http://schemas.microsoft.com/office/drawing/2010/main" w="9525">
+                    <a:solidFill>
+                      <a:srgbClr val="000000"/>
+                    </a:solidFill>
+                    <a:round/>
+                    <a:headEnd/>
+                    <a:tailEnd/>
+                  </a14:hiddenLine>
+                </a:ext>
+              </a:extLst>
+            </p:spPr>
+          </p:sp>
+          <p:sp>
+            <p:nvSpPr>
+              <p:cNvPr id="51" name="Freeform 31">
+                <a:extLst>
+                  <a:ext uri="{FF2B5EF4-FFF2-40B4-BE49-F238E27FC236}">
+                    <a16:creationId xmlns:a16="http://schemas.microsoft.com/office/drawing/2014/main" id="{743A50C2-65CF-4F4C-B412-6149A93ACFE5}"/>
+                  </a:ext>
+                  <a:ext uri="{C183D7F6-B498-43B3-948B-1728B52AA6E4}">
+                    <adec:decorative xmlns:adec="http://schemas.microsoft.com/office/drawing/2017/decorative" val="1"/>
+                  </a:ext>
+                </a:extLst>
+              </p:cNvPr>
+              <p:cNvSpPr>
+                <a:spLocks noEditPoints="1"/>
+              </p:cNvSpPr>
+              <p:nvPr>
+                <p:extLst>
+                  <p:ext uri="{386F3935-93C4-4BCD-93E2-E3B085C9AB24}">
+                    <p16:designElem xmlns:p16="http://schemas.microsoft.com/office/powerpoint/2015/main" val="1"/>
+                  </p:ext>
+                </p:extLst>
+              </p:nvPr>
+            </p:nvSpPr>
+            <p:spPr bwMode="auto">
+              <a:xfrm>
+                <a:off x="1049337" y="6221413"/>
+                <a:ext cx="157163" cy="147638"/>
+              </a:xfrm>
+              <a:custGeom>
+                <a:avLst/>
+                <a:gdLst/>
+                <a:ahLst/>
+                <a:cxnLst/>
+                <a:rect l="0" t="0" r="r" b="b"/>
+                <a:pathLst>
+                  <a:path w="33" h="31">
+                    <a:moveTo>
+                      <a:pt x="16" y="31"/>
+                    </a:moveTo>
+                    <a:cubicBezTo>
+                      <a:pt x="12" y="31"/>
+                      <a:pt x="8" y="29"/>
+                      <a:pt x="5" y="26"/>
+                    </a:cubicBezTo>
+                    <a:cubicBezTo>
+                      <a:pt x="2" y="24"/>
+                      <a:pt x="0" y="20"/>
+                      <a:pt x="0" y="15"/>
+                    </a:cubicBezTo>
+                    <a:cubicBezTo>
+                      <a:pt x="0" y="11"/>
+                      <a:pt x="2" y="7"/>
+                      <a:pt x="5" y="4"/>
+                    </a:cubicBezTo>
+                    <a:cubicBezTo>
+                      <a:pt x="8" y="1"/>
+                      <a:pt x="12" y="0"/>
+                      <a:pt x="16" y="0"/>
+                    </a:cubicBezTo>
+                    <a:cubicBezTo>
+                      <a:pt x="20" y="0"/>
+                      <a:pt x="24" y="1"/>
+                      <a:pt x="27" y="4"/>
+                    </a:cubicBezTo>
+                    <a:cubicBezTo>
+                      <a:pt x="33" y="10"/>
+                      <a:pt x="33" y="20"/>
+                      <a:pt x="27" y="26"/>
+                    </a:cubicBezTo>
+                    <a:cubicBezTo>
+                      <a:pt x="24" y="29"/>
+                      <a:pt x="20" y="31"/>
+                      <a:pt x="16" y="31"/>
+                    </a:cubicBezTo>
+                    <a:close/>
+                    <a:moveTo>
+                      <a:pt x="16" y="4"/>
+                    </a:moveTo>
+                    <a:cubicBezTo>
+                      <a:pt x="13" y="4"/>
+                      <a:pt x="10" y="5"/>
+                      <a:pt x="8" y="7"/>
+                    </a:cubicBezTo>
+                    <a:cubicBezTo>
+                      <a:pt x="6" y="9"/>
+                      <a:pt x="4" y="12"/>
+                      <a:pt x="4" y="15"/>
+                    </a:cubicBezTo>
+                    <a:cubicBezTo>
+                      <a:pt x="4" y="19"/>
+                      <a:pt x="6" y="21"/>
+                      <a:pt x="8" y="24"/>
+                    </a:cubicBezTo>
+                    <a:cubicBezTo>
+                      <a:pt x="10" y="26"/>
+                      <a:pt x="13" y="27"/>
+                      <a:pt x="16" y="27"/>
+                    </a:cubicBezTo>
+                    <a:cubicBezTo>
+                      <a:pt x="19" y="27"/>
+                      <a:pt x="22" y="26"/>
+                      <a:pt x="24" y="24"/>
+                    </a:cubicBezTo>
+                    <a:cubicBezTo>
+                      <a:pt x="29" y="19"/>
+                      <a:pt x="29" y="12"/>
+                      <a:pt x="24" y="7"/>
+                    </a:cubicBezTo>
+                    <a:cubicBezTo>
+                      <a:pt x="22" y="5"/>
+                      <a:pt x="19" y="4"/>
+                      <a:pt x="16" y="4"/>
+                    </a:cubicBezTo>
+                    <a:close/>
+                  </a:path>
+                </a:pathLst>
+              </a:custGeom>
+              <a:grpFill/>
+              <a:ln>
+                <a:noFill/>
+              </a:ln>
+              <a:extLst>
+                <a:ext uri="{91240B29-F687-4f45-9708-019B960494DF}">
+                  <a14:hiddenLine xmlns="" xmlns:a16="http://schemas.microsoft.com/office/drawing/2014/main" xmlns:p14="http://schemas.microsoft.com/office/powerpoint/2010/main" xmlns:a14="http://schemas.microsoft.com/office/drawing/2010/main" w="9525">
+                    <a:solidFill>
+                      <a:srgbClr val="000000"/>
+                    </a:solidFill>
+                    <a:round/>
+                    <a:headEnd/>
+                    <a:tailEnd/>
+                  </a14:hiddenLine>
+                </a:ext>
+              </a:extLst>
+            </p:spPr>
+          </p:sp>
+        </p:grpSp>
+        <p:grpSp>
+          <p:nvGrpSpPr>
+            <p:cNvPr id="14" name="Group 13">
+              <a:extLst>
+                <a:ext uri="{FF2B5EF4-FFF2-40B4-BE49-F238E27FC236}">
+                  <a16:creationId xmlns:a16="http://schemas.microsoft.com/office/drawing/2014/main" id="{6C0E7A88-FEDF-4C4F-A6B4-F7DDE9DE926A}"/>
+                </a:ext>
+                <a:ext uri="{C183D7F6-B498-43B3-948B-1728B52AA6E4}">
+                  <adec:decorative xmlns:adec="http://schemas.microsoft.com/office/drawing/2017/decorative" val="1"/>
+                </a:ext>
+              </a:extLst>
+            </p:cNvPr>
+            <p:cNvGrpSpPr/>
+            <p:nvPr>
+              <p:extLst>
+                <p:ext uri="{386F3935-93C4-4BCD-93E2-E3B085C9AB24}">
+                  <p16:designElem xmlns:p16="http://schemas.microsoft.com/office/powerpoint/2015/main" val="1"/>
+                </p:ext>
+              </p:extLst>
+            </p:nvPr>
+          </p:nvGrpSpPr>
+          <p:grpSpPr>
+            <a:xfrm>
+              <a:off x="11227597" y="0"/>
+              <a:ext cx="674688" cy="6848476"/>
+              <a:chOff x="11364912" y="0"/>
+              <a:chExt cx="674688" cy="6848476"/>
+            </a:xfrm>
+            <a:gradFill flip="none" rotWithShape="1">
+              <a:gsLst>
+                <a:gs pos="0">
+                  <a:schemeClr val="bg2"/>
+                </a:gs>
+                <a:gs pos="100000">
+                  <a:schemeClr val="tx2">
+                    <a:lumMod val="60000"/>
+                    <a:lumOff val="40000"/>
+                  </a:schemeClr>
+                </a:gs>
+              </a:gsLst>
+              <a:lin ang="5400000" scaled="0"/>
+              <a:tileRect/>
+            </a:gradFill>
+          </p:grpSpPr>
+          <p:sp>
+            <p:nvSpPr>
+              <p:cNvPr id="15" name="Freeform 32">
+                <a:extLst>
+                  <a:ext uri="{FF2B5EF4-FFF2-40B4-BE49-F238E27FC236}">
+                    <a16:creationId xmlns:a16="http://schemas.microsoft.com/office/drawing/2014/main" id="{AE94B3EE-D5C0-4BDE-B6AA-7599F0486EA5}"/>
+                  </a:ext>
+                  <a:ext uri="{C183D7F6-B498-43B3-948B-1728B52AA6E4}">
+                    <adec:decorative xmlns:adec="http://schemas.microsoft.com/office/drawing/2017/decorative" val="1"/>
+                  </a:ext>
+                </a:extLst>
+              </p:cNvPr>
+              <p:cNvSpPr/>
+              <p:nvPr>
+                <p:extLst>
+                  <p:ext uri="{386F3935-93C4-4BCD-93E2-E3B085C9AB24}">
+                    <p16:designElem xmlns:p16="http://schemas.microsoft.com/office/powerpoint/2015/main" val="1"/>
+                  </p:ext>
+                </p:extLst>
+              </p:nvPr>
+            </p:nvSpPr>
+            <p:spPr bwMode="auto">
+              <a:xfrm>
+                <a:off x="11483975" y="0"/>
+                <a:ext cx="417513" cy="512763"/>
+              </a:xfrm>
+              <a:custGeom>
+                <a:avLst/>
+                <a:gdLst/>
+                <a:ahLst/>
+                <a:cxnLst/>
+                <a:rect l="0" t="0" r="r" b="b"/>
+                <a:pathLst>
+                  <a:path w="263" h="323">
+                    <a:moveTo>
+                      <a:pt x="12" y="323"/>
+                    </a:moveTo>
+                    <a:lnTo>
+                      <a:pt x="0" y="314"/>
+                    </a:lnTo>
+                    <a:lnTo>
+                      <a:pt x="203" y="108"/>
+                    </a:lnTo>
+                    <a:lnTo>
+                      <a:pt x="248" y="0"/>
+                    </a:lnTo>
+                    <a:lnTo>
+                      <a:pt x="263" y="6"/>
+                    </a:lnTo>
+                    <a:lnTo>
+                      <a:pt x="218" y="117"/>
+                    </a:lnTo>
+                    <a:lnTo>
+                      <a:pt x="218" y="117"/>
+                    </a:lnTo>
+                    <a:lnTo>
+                      <a:pt x="12" y="323"/>
+                    </a:lnTo>
+                    <a:close/>
+                  </a:path>
+                </a:pathLst>
+              </a:custGeom>
+              <a:grpFill/>
+              <a:ln>
+                <a:noFill/>
+              </a:ln>
+              <a:extLst>
+                <a:ext uri="{91240B29-F687-4f45-9708-019B960494DF}">
+                  <a14:hiddenLine xmlns="" xmlns:a16="http://schemas.microsoft.com/office/drawing/2014/main" xmlns:p14="http://schemas.microsoft.com/office/powerpoint/2010/main" xmlns:a14="http://schemas.microsoft.com/office/drawing/2010/main" w="9525">
+                    <a:solidFill>
+                      <a:srgbClr val="000000"/>
+                    </a:solidFill>
+                    <a:round/>
+                    <a:headEnd/>
+                    <a:tailEnd/>
+                  </a14:hiddenLine>
+                </a:ext>
+              </a:extLst>
+            </p:spPr>
+          </p:sp>
+          <p:sp>
+            <p:nvSpPr>
+              <p:cNvPr id="16" name="Freeform 33">
+                <a:extLst>
+                  <a:ext uri="{FF2B5EF4-FFF2-40B4-BE49-F238E27FC236}">
+                    <a16:creationId xmlns:a16="http://schemas.microsoft.com/office/drawing/2014/main" id="{5EF110E8-C00D-454E-8F3A-ECF2D356676F}"/>
+                  </a:ext>
+                  <a:ext uri="{C183D7F6-B498-43B3-948B-1728B52AA6E4}">
+                    <adec:decorative xmlns:adec="http://schemas.microsoft.com/office/drawing/2017/decorative" val="1"/>
+                  </a:ext>
+                </a:extLst>
+              </p:cNvPr>
+              <p:cNvSpPr>
+                <a:spLocks noEditPoints="1"/>
+              </p:cNvSpPr>
+              <p:nvPr>
+                <p:extLst>
+                  <p:ext uri="{386F3935-93C4-4BCD-93E2-E3B085C9AB24}">
+                    <p16:designElem xmlns:p16="http://schemas.microsoft.com/office/powerpoint/2015/main" val="1"/>
+                  </p:ext>
+                </p:extLst>
+              </p:nvPr>
+            </p:nvSpPr>
+            <p:spPr bwMode="auto">
+              <a:xfrm>
+                <a:off x="11364912" y="474663"/>
+                <a:ext cx="157163" cy="152400"/>
+              </a:xfrm>
+              <a:custGeom>
+                <a:avLst/>
+                <a:gdLst/>
+                <a:ahLst/>
+                <a:cxnLst/>
+                <a:rect l="0" t="0" r="r" b="b"/>
+                <a:pathLst>
+                  <a:path w="33" h="32">
+                    <a:moveTo>
+                      <a:pt x="17" y="32"/>
+                    </a:moveTo>
+                    <a:cubicBezTo>
+                      <a:pt x="13" y="32"/>
+                      <a:pt x="9" y="30"/>
+                      <a:pt x="6" y="27"/>
+                    </a:cubicBezTo>
+                    <a:cubicBezTo>
+                      <a:pt x="0" y="21"/>
+                      <a:pt x="0" y="11"/>
+                      <a:pt x="6" y="5"/>
+                    </a:cubicBezTo>
+                    <a:cubicBezTo>
+                      <a:pt x="9" y="2"/>
+                      <a:pt x="13" y="0"/>
+                      <a:pt x="17" y="0"/>
+                    </a:cubicBezTo>
+                    <a:cubicBezTo>
+                      <a:pt x="21" y="0"/>
+                      <a:pt x="25" y="2"/>
+                      <a:pt x="28" y="5"/>
+                    </a:cubicBezTo>
+                    <a:cubicBezTo>
+                      <a:pt x="31" y="8"/>
+                      <a:pt x="33" y="12"/>
+                      <a:pt x="33" y="16"/>
+                    </a:cubicBezTo>
+                    <a:cubicBezTo>
+                      <a:pt x="33" y="20"/>
+                      <a:pt x="31" y="24"/>
+                      <a:pt x="28" y="27"/>
+                    </a:cubicBezTo>
+                    <a:cubicBezTo>
+                      <a:pt x="25" y="30"/>
+                      <a:pt x="21" y="32"/>
+                      <a:pt x="17" y="32"/>
+                    </a:cubicBezTo>
+                    <a:close/>
+                    <a:moveTo>
+                      <a:pt x="17" y="4"/>
+                    </a:moveTo>
+                    <a:cubicBezTo>
+                      <a:pt x="14" y="4"/>
+                      <a:pt x="11" y="6"/>
+                      <a:pt x="9" y="8"/>
+                    </a:cubicBezTo>
+                    <a:cubicBezTo>
+                      <a:pt x="4" y="12"/>
+                      <a:pt x="4" y="20"/>
+                      <a:pt x="9" y="24"/>
+                    </a:cubicBezTo>
+                    <a:cubicBezTo>
+                      <a:pt x="11" y="27"/>
+                      <a:pt x="14" y="28"/>
+                      <a:pt x="17" y="28"/>
+                    </a:cubicBezTo>
+                    <a:cubicBezTo>
+                      <a:pt x="20" y="28"/>
+                      <a:pt x="23" y="27"/>
+                      <a:pt x="26" y="24"/>
+                    </a:cubicBezTo>
+                    <a:cubicBezTo>
+                      <a:pt x="30" y="20"/>
+                      <a:pt x="30" y="12"/>
+                      <a:pt x="26" y="8"/>
+                    </a:cubicBezTo>
+                    <a:cubicBezTo>
+                      <a:pt x="23" y="6"/>
+                      <a:pt x="20" y="4"/>
+                      <a:pt x="17" y="4"/>
+                    </a:cubicBezTo>
+                    <a:close/>
+                  </a:path>
+                </a:pathLst>
+              </a:custGeom>
+              <a:grpFill/>
+              <a:ln>
+                <a:noFill/>
+              </a:ln>
+              <a:extLst>
+                <a:ext uri="{91240B29-F687-4f45-9708-019B960494DF}">
+                  <a14:hiddenLine xmlns="" xmlns:a16="http://schemas.microsoft.com/office/drawing/2014/main" xmlns:p14="http://schemas.microsoft.com/office/powerpoint/2010/main" xmlns:a14="http://schemas.microsoft.com/office/drawing/2010/main" w="9525">
+                    <a:solidFill>
+                      <a:srgbClr val="000000"/>
+                    </a:solidFill>
+                    <a:round/>
+                    <a:headEnd/>
+                    <a:tailEnd/>
+                  </a14:hiddenLine>
+                </a:ext>
+              </a:extLst>
+            </p:spPr>
+          </p:sp>
+          <p:sp>
+            <p:nvSpPr>
+              <p:cNvPr id="17" name="Freeform 34">
+                <a:extLst>
+                  <a:ext uri="{FF2B5EF4-FFF2-40B4-BE49-F238E27FC236}">
+                    <a16:creationId xmlns:a16="http://schemas.microsoft.com/office/drawing/2014/main" id="{BFC5F327-6927-4F35-9AF6-C45527BB4512}"/>
+                  </a:ext>
+                  <a:ext uri="{C183D7F6-B498-43B3-948B-1728B52AA6E4}">
+                    <adec:decorative xmlns:adec="http://schemas.microsoft.com/office/drawing/2017/decorative" val="1"/>
+                  </a:ext>
+                </a:extLst>
+              </p:cNvPr>
+              <p:cNvSpPr>
+                <a:spLocks noEditPoints="1"/>
+              </p:cNvSpPr>
+              <p:nvPr>
+                <p:extLst>
+                  <p:ext uri="{386F3935-93C4-4BCD-93E2-E3B085C9AB24}">
+                    <p16:designElem xmlns:p16="http://schemas.microsoft.com/office/powerpoint/2015/main" val="1"/>
+                  </p:ext>
+                </p:extLst>
+              </p:nvPr>
+            </p:nvSpPr>
+            <p:spPr bwMode="auto">
+              <a:xfrm>
+                <a:off x="11631612" y="1539875"/>
+                <a:ext cx="188913" cy="190500"/>
+              </a:xfrm>
+              <a:custGeom>
+                <a:avLst/>
+                <a:gdLst/>
+                <a:ahLst/>
+                <a:cxnLst/>
+                <a:rect l="0" t="0" r="r" b="b"/>
+                <a:pathLst>
+                  <a:path w="40" h="40">
+                    <a:moveTo>
+                      <a:pt x="20" y="40"/>
+                    </a:moveTo>
+                    <a:cubicBezTo>
+                      <a:pt x="9" y="40"/>
+                      <a:pt x="0" y="31"/>
+                      <a:pt x="0" y="20"/>
+                    </a:cubicBezTo>
+                    <a:cubicBezTo>
+                      <a:pt x="0" y="9"/>
+                      <a:pt x="9" y="0"/>
+                      <a:pt x="20" y="0"/>
+                    </a:cubicBezTo>
+                    <a:cubicBezTo>
+                      <a:pt x="31" y="0"/>
+                      <a:pt x="40" y="9"/>
+                      <a:pt x="40" y="20"/>
+                    </a:cubicBezTo>
+                    <a:cubicBezTo>
+                      <a:pt x="40" y="31"/>
+                      <a:pt x="31" y="40"/>
+                      <a:pt x="20" y="40"/>
+                    </a:cubicBezTo>
+                    <a:close/>
+                    <a:moveTo>
+                      <a:pt x="20" y="4"/>
+                    </a:moveTo>
+                    <a:cubicBezTo>
+                      <a:pt x="11" y="4"/>
+                      <a:pt x="4" y="11"/>
+                      <a:pt x="4" y="20"/>
+                    </a:cubicBezTo>
+                    <a:cubicBezTo>
+                      <a:pt x="4" y="29"/>
+                      <a:pt x="11" y="36"/>
+                      <a:pt x="20" y="36"/>
+                    </a:cubicBezTo>
+                    <a:cubicBezTo>
+                      <a:pt x="29" y="36"/>
+                      <a:pt x="36" y="29"/>
+                      <a:pt x="36" y="20"/>
+                    </a:cubicBezTo>
+                    <a:cubicBezTo>
+                      <a:pt x="36" y="11"/>
+                      <a:pt x="29" y="4"/>
+                      <a:pt x="20" y="4"/>
+                    </a:cubicBezTo>
+                    <a:close/>
+                  </a:path>
+                </a:pathLst>
+              </a:custGeom>
+              <a:grpFill/>
+              <a:ln>
+                <a:noFill/>
+              </a:ln>
+              <a:extLst>
+                <a:ext uri="{91240B29-F687-4f45-9708-019B960494DF}">
+                  <a14:hiddenLine xmlns="" xmlns:a16="http://schemas.microsoft.com/office/drawing/2014/main" xmlns:p14="http://schemas.microsoft.com/office/powerpoint/2010/main" xmlns:a14="http://schemas.microsoft.com/office/drawing/2010/main" w="9525">
+                    <a:solidFill>
+                      <a:srgbClr val="000000"/>
+                    </a:solidFill>
+                    <a:round/>
+                    <a:headEnd/>
+                    <a:tailEnd/>
+                  </a14:hiddenLine>
+                </a:ext>
+              </a:extLst>
+            </p:spPr>
+          </p:sp>
+          <p:sp>
+            <p:nvSpPr>
+              <p:cNvPr id="18" name="Freeform 35">
+                <a:extLst>
+                  <a:ext uri="{FF2B5EF4-FFF2-40B4-BE49-F238E27FC236}">
+                    <a16:creationId xmlns:a16="http://schemas.microsoft.com/office/drawing/2014/main" id="{BF2D314D-AEDE-418D-9702-D3CDB98C30FB}"/>
+                  </a:ext>
+                  <a:ext uri="{C183D7F6-B498-43B3-948B-1728B52AA6E4}">
+                    <adec:decorative xmlns:adec="http://schemas.microsoft.com/office/drawing/2017/decorative" val="1"/>
+                  </a:ext>
+                </a:extLst>
+              </p:cNvPr>
+              <p:cNvSpPr/>
+              <p:nvPr>
+                <p:extLst>
+                  <p:ext uri="{386F3935-93C4-4BCD-93E2-E3B085C9AB24}">
+                    <p16:designElem xmlns:p16="http://schemas.microsoft.com/office/powerpoint/2015/main" val="1"/>
+                  </p:ext>
+                </p:extLst>
+              </p:nvPr>
+            </p:nvSpPr>
+            <p:spPr bwMode="auto">
+              <a:xfrm>
+                <a:off x="11531600" y="5694363"/>
+                <a:ext cx="298450" cy="1154113"/>
+              </a:xfrm>
+              <a:custGeom>
+                <a:avLst/>
+                <a:gdLst/>
+                <a:ahLst/>
+                <a:cxnLst/>
+                <a:rect l="0" t="0" r="r" b="b"/>
+                <a:pathLst>
+                  <a:path w="188" h="727">
+                    <a:moveTo>
+                      <a:pt x="15" y="727"/>
+                    </a:moveTo>
+                    <a:lnTo>
+                      <a:pt x="0" y="727"/>
+                    </a:lnTo>
+                    <a:lnTo>
+                      <a:pt x="0" y="407"/>
+                    </a:lnTo>
+                    <a:lnTo>
+                      <a:pt x="0" y="407"/>
+                    </a:lnTo>
+                    <a:lnTo>
+                      <a:pt x="176" y="0"/>
+                    </a:lnTo>
+                    <a:lnTo>
+                      <a:pt x="188" y="6"/>
+                    </a:lnTo>
+                    <a:lnTo>
+                      <a:pt x="15" y="410"/>
+                    </a:lnTo>
+                    <a:lnTo>
+                      <a:pt x="15" y="727"/>
+                    </a:lnTo>
+                    <a:close/>
+                  </a:path>
+                </a:pathLst>
+              </a:custGeom>
+              <a:grpFill/>
+              <a:ln>
+                <a:noFill/>
+              </a:ln>
+              <a:extLst>
+                <a:ext uri="{91240B29-F687-4f45-9708-019B960494DF}">
+                  <a14:hiddenLine xmlns="" xmlns:a16="http://schemas.microsoft.com/office/drawing/2014/main" xmlns:p14="http://schemas.microsoft.com/office/powerpoint/2010/main" xmlns:a14="http://schemas.microsoft.com/office/drawing/2010/main" w="9525">
+                    <a:solidFill>
+                      <a:srgbClr val="000000"/>
+                    </a:solidFill>
+                    <a:round/>
+                    <a:headEnd/>
+                    <a:tailEnd/>
+                  </a14:hiddenLine>
+                </a:ext>
+              </a:extLst>
+            </p:spPr>
+          </p:sp>
+          <p:sp>
+            <p:nvSpPr>
+              <p:cNvPr id="19" name="Freeform 36">
+                <a:extLst>
+                  <a:ext uri="{FF2B5EF4-FFF2-40B4-BE49-F238E27FC236}">
+                    <a16:creationId xmlns:a16="http://schemas.microsoft.com/office/drawing/2014/main" id="{64FD07F8-3CA6-4209-9A9E-30609FE9A36D}"/>
+                  </a:ext>
+                  <a:ext uri="{C183D7F6-B498-43B3-948B-1728B52AA6E4}">
+                    <adec:decorative xmlns:adec="http://schemas.microsoft.com/office/drawing/2017/decorative" val="1"/>
+                  </a:ext>
+                </a:extLst>
+              </p:cNvPr>
+              <p:cNvSpPr>
+                <a:spLocks noEditPoints="1"/>
+              </p:cNvSpPr>
+              <p:nvPr>
+                <p:extLst>
+                  <p:ext uri="{386F3935-93C4-4BCD-93E2-E3B085C9AB24}">
+                    <p16:designElem xmlns:p16="http://schemas.microsoft.com/office/powerpoint/2015/main" val="1"/>
+                  </p:ext>
+                </p:extLst>
+              </p:nvPr>
+            </p:nvSpPr>
+            <p:spPr bwMode="auto">
+              <a:xfrm>
+                <a:off x="11772900" y="5551488"/>
+                <a:ext cx="157163" cy="155575"/>
+              </a:xfrm>
+              <a:custGeom>
+                <a:avLst/>
+                <a:gdLst/>
+                <a:ahLst/>
+                <a:cxnLst/>
+                <a:rect l="0" t="0" r="r" b="b"/>
+                <a:pathLst>
+                  <a:path w="33" h="33">
+                    <a:moveTo>
+                      <a:pt x="17" y="33"/>
+                    </a:moveTo>
+                    <a:cubicBezTo>
+                      <a:pt x="8" y="33"/>
+                      <a:pt x="0" y="25"/>
+                      <a:pt x="0" y="16"/>
+                    </a:cubicBezTo>
+                    <a:cubicBezTo>
+                      <a:pt x="0" y="7"/>
+                      <a:pt x="8" y="0"/>
+                      <a:pt x="17" y="0"/>
+                    </a:cubicBezTo>
+                    <a:cubicBezTo>
+                      <a:pt x="26" y="0"/>
+                      <a:pt x="33" y="7"/>
+                      <a:pt x="33" y="16"/>
+                    </a:cubicBezTo>
+                    <a:cubicBezTo>
+                      <a:pt x="33" y="25"/>
+                      <a:pt x="26" y="33"/>
+                      <a:pt x="17" y="33"/>
+                    </a:cubicBezTo>
+                    <a:close/>
+                    <a:moveTo>
+                      <a:pt x="17" y="4"/>
+                    </a:moveTo>
+                    <a:cubicBezTo>
+                      <a:pt x="10" y="4"/>
+                      <a:pt x="4" y="9"/>
+                      <a:pt x="4" y="16"/>
+                    </a:cubicBezTo>
+                    <a:cubicBezTo>
+                      <a:pt x="4" y="23"/>
+                      <a:pt x="10" y="29"/>
+                      <a:pt x="17" y="29"/>
+                    </a:cubicBezTo>
+                    <a:cubicBezTo>
+                      <a:pt x="23" y="29"/>
+                      <a:pt x="29" y="23"/>
+                      <a:pt x="29" y="16"/>
+                    </a:cubicBezTo>
+                    <a:cubicBezTo>
+                      <a:pt x="29" y="9"/>
+                      <a:pt x="23" y="4"/>
+                      <a:pt x="17" y="4"/>
+                    </a:cubicBezTo>
+                    <a:close/>
+                  </a:path>
+                </a:pathLst>
+              </a:custGeom>
+              <a:grpFill/>
+              <a:ln>
+                <a:noFill/>
+              </a:ln>
+              <a:extLst>
+                <a:ext uri="{91240B29-F687-4f45-9708-019B960494DF}">
+                  <a14:hiddenLine xmlns="" xmlns:a16="http://schemas.microsoft.com/office/drawing/2014/main" xmlns:p14="http://schemas.microsoft.com/office/powerpoint/2010/main" xmlns:a14="http://schemas.microsoft.com/office/drawing/2010/main" w="9525">
+                    <a:solidFill>
+                      <a:srgbClr val="000000"/>
+                    </a:solidFill>
+                    <a:round/>
+                    <a:headEnd/>
+                    <a:tailEnd/>
+                  </a14:hiddenLine>
+                </a:ext>
+              </a:extLst>
+            </p:spPr>
+          </p:sp>
+          <p:sp>
+            <p:nvSpPr>
+              <p:cNvPr id="20" name="Freeform 37">
+                <a:extLst>
+                  <a:ext uri="{FF2B5EF4-FFF2-40B4-BE49-F238E27FC236}">
+                    <a16:creationId xmlns:a16="http://schemas.microsoft.com/office/drawing/2014/main" id="{AB0AE24D-CD49-4B57-82E0-780F62AE4FDE}"/>
+                  </a:ext>
+                  <a:ext uri="{C183D7F6-B498-43B3-948B-1728B52AA6E4}">
+                    <adec:decorative xmlns:adec="http://schemas.microsoft.com/office/drawing/2017/decorative" val="1"/>
+                  </a:ext>
+                </a:extLst>
+              </p:cNvPr>
+              <p:cNvSpPr/>
+              <p:nvPr>
+                <p:extLst>
+                  <p:ext uri="{386F3935-93C4-4BCD-93E2-E3B085C9AB24}">
+                    <p16:designElem xmlns:p16="http://schemas.microsoft.com/office/powerpoint/2015/main" val="1"/>
+                  </p:ext>
+                </p:extLst>
+              </p:nvPr>
+            </p:nvSpPr>
+            <p:spPr bwMode="auto">
+              <a:xfrm>
+                <a:off x="11710987" y="4763"/>
+                <a:ext cx="304800" cy="1544638"/>
+              </a:xfrm>
+              <a:custGeom>
+                <a:avLst/>
+                <a:gdLst/>
+                <a:ahLst/>
+                <a:cxnLst/>
+                <a:rect l="0" t="0" r="r" b="b"/>
+                <a:pathLst>
+                  <a:path w="192" h="973">
+                    <a:moveTo>
+                      <a:pt x="15" y="973"/>
+                    </a:moveTo>
+                    <a:lnTo>
+                      <a:pt x="0" y="973"/>
+                    </a:lnTo>
+                    <a:lnTo>
+                      <a:pt x="0" y="790"/>
+                    </a:lnTo>
+                    <a:lnTo>
+                      <a:pt x="174" y="614"/>
+                    </a:lnTo>
+                    <a:lnTo>
+                      <a:pt x="174" y="0"/>
+                    </a:lnTo>
+                    <a:lnTo>
+                      <a:pt x="192" y="0"/>
+                    </a:lnTo>
+                    <a:lnTo>
+                      <a:pt x="192" y="620"/>
+                    </a:lnTo>
+                    <a:lnTo>
+                      <a:pt x="15" y="796"/>
+                    </a:lnTo>
+                    <a:lnTo>
+                      <a:pt x="15" y="973"/>
+                    </a:lnTo>
+                    <a:close/>
+                  </a:path>
+                </a:pathLst>
+              </a:custGeom>
+              <a:grpFill/>
+              <a:ln>
+                <a:noFill/>
+              </a:ln>
+              <a:extLst>
+                <a:ext uri="{91240B29-F687-4f45-9708-019B960494DF}">
+                  <a14:hiddenLine xmlns="" xmlns:a16="http://schemas.microsoft.com/office/drawing/2014/main" xmlns:p14="http://schemas.microsoft.com/office/powerpoint/2010/main" xmlns:a14="http://schemas.microsoft.com/office/drawing/2010/main" w="9525">
+                    <a:solidFill>
+                      <a:srgbClr val="000000"/>
+                    </a:solidFill>
+                    <a:round/>
+                    <a:headEnd/>
+                    <a:tailEnd/>
+                  </a14:hiddenLine>
+                </a:ext>
+              </a:extLst>
+            </p:spPr>
+          </p:sp>
+          <p:sp>
+            <p:nvSpPr>
+              <p:cNvPr id="21" name="Freeform 38">
+                <a:extLst>
+                  <a:ext uri="{FF2B5EF4-FFF2-40B4-BE49-F238E27FC236}">
+                    <a16:creationId xmlns:a16="http://schemas.microsoft.com/office/drawing/2014/main" id="{66803AF8-6368-45E6-A0B7-C0C4CFFEEB51}"/>
+                  </a:ext>
+                  <a:ext uri="{C183D7F6-B498-43B3-948B-1728B52AA6E4}">
+                    <adec:decorative xmlns:adec="http://schemas.microsoft.com/office/drawing/2017/decorative" val="1"/>
+                  </a:ext>
+                </a:extLst>
+              </p:cNvPr>
+              <p:cNvSpPr>
+                <a:spLocks noEditPoints="1"/>
+              </p:cNvSpPr>
+              <p:nvPr>
+                <p:extLst>
+                  <p:ext uri="{386F3935-93C4-4BCD-93E2-E3B085C9AB24}">
+                    <p16:designElem xmlns:p16="http://schemas.microsoft.com/office/powerpoint/2015/main" val="1"/>
+                  </p:ext>
+                </p:extLst>
+              </p:nvPr>
+            </p:nvSpPr>
+            <p:spPr bwMode="auto">
+              <a:xfrm>
+                <a:off x="11636375" y="4867275"/>
+                <a:ext cx="188913" cy="188913"/>
+              </a:xfrm>
+              <a:custGeom>
+                <a:avLst/>
+                <a:gdLst/>
+                <a:ahLst/>
+                <a:cxnLst/>
+                <a:rect l="0" t="0" r="r" b="b"/>
+                <a:pathLst>
+                  <a:path w="40" h="40">
+                    <a:moveTo>
+                      <a:pt x="20" y="40"/>
+                    </a:moveTo>
+                    <a:cubicBezTo>
+                      <a:pt x="9" y="40"/>
+                      <a:pt x="0" y="31"/>
+                      <a:pt x="0" y="20"/>
+                    </a:cubicBezTo>
+                    <a:cubicBezTo>
+                      <a:pt x="0" y="9"/>
+                      <a:pt x="9" y="0"/>
+                      <a:pt x="20" y="0"/>
+                    </a:cubicBezTo>
+                    <a:cubicBezTo>
+                      <a:pt x="31" y="0"/>
+                      <a:pt x="40" y="9"/>
+                      <a:pt x="40" y="20"/>
+                    </a:cubicBezTo>
+                    <a:cubicBezTo>
+                      <a:pt x="40" y="31"/>
+                      <a:pt x="31" y="40"/>
+                      <a:pt x="20" y="40"/>
+                    </a:cubicBezTo>
+                    <a:close/>
+                    <a:moveTo>
+                      <a:pt x="20" y="4"/>
+                    </a:moveTo>
+                    <a:cubicBezTo>
+                      <a:pt x="11" y="4"/>
+                      <a:pt x="4" y="11"/>
+                      <a:pt x="4" y="20"/>
+                    </a:cubicBezTo>
+                    <a:cubicBezTo>
+                      <a:pt x="4" y="29"/>
+                      <a:pt x="11" y="36"/>
+                      <a:pt x="20" y="36"/>
+                    </a:cubicBezTo>
+                    <a:cubicBezTo>
+                      <a:pt x="29" y="36"/>
+                      <a:pt x="36" y="29"/>
+                      <a:pt x="36" y="20"/>
+                    </a:cubicBezTo>
+                    <a:cubicBezTo>
+                      <a:pt x="36" y="11"/>
+                      <a:pt x="29" y="4"/>
+                      <a:pt x="20" y="4"/>
+                    </a:cubicBezTo>
+                    <a:close/>
+                  </a:path>
+                </a:pathLst>
+              </a:custGeom>
+              <a:grpFill/>
+              <a:ln>
+                <a:noFill/>
+              </a:ln>
+              <a:extLst>
+                <a:ext uri="{91240B29-F687-4f45-9708-019B960494DF}">
+                  <a14:hiddenLine xmlns="" xmlns:a16="http://schemas.microsoft.com/office/drawing/2014/main" xmlns:p14="http://schemas.microsoft.com/office/powerpoint/2010/main" xmlns:a14="http://schemas.microsoft.com/office/drawing/2010/main" w="9525">
+                    <a:solidFill>
+                      <a:srgbClr val="000000"/>
+                    </a:solidFill>
+                    <a:round/>
+                    <a:headEnd/>
+                    <a:tailEnd/>
+                  </a14:hiddenLine>
+                </a:ext>
+              </a:extLst>
+            </p:spPr>
+          </p:sp>
+          <p:sp>
+            <p:nvSpPr>
+              <p:cNvPr id="22" name="Freeform 39">
+                <a:extLst>
+                  <a:ext uri="{FF2B5EF4-FFF2-40B4-BE49-F238E27FC236}">
+                    <a16:creationId xmlns:a16="http://schemas.microsoft.com/office/drawing/2014/main" id="{B4761E05-2792-472B-A814-9616151CF305}"/>
+                  </a:ext>
+                  <a:ext uri="{C183D7F6-B498-43B3-948B-1728B52AA6E4}">
+                    <adec:decorative xmlns:adec="http://schemas.microsoft.com/office/drawing/2017/decorative" val="1"/>
+                  </a:ext>
+                </a:extLst>
+              </p:cNvPr>
+              <p:cNvSpPr/>
+              <p:nvPr>
+                <p:extLst>
+                  <p:ext uri="{386F3935-93C4-4BCD-93E2-E3B085C9AB24}">
+                    <p16:designElem xmlns:p16="http://schemas.microsoft.com/office/powerpoint/2015/main" val="1"/>
+                  </p:ext>
+                </p:extLst>
+              </p:nvPr>
+            </p:nvSpPr>
+            <p:spPr bwMode="auto">
+              <a:xfrm>
+                <a:off x="11441112" y="5046663"/>
+                <a:ext cx="307975" cy="1801813"/>
+              </a:xfrm>
+              <a:custGeom>
+                <a:avLst/>
+                <a:gdLst/>
+                <a:ahLst/>
+                <a:cxnLst/>
+                <a:rect l="0" t="0" r="r" b="b"/>
+                <a:pathLst>
+                  <a:path w="194" h="1135">
+                    <a:moveTo>
+                      <a:pt x="18" y="1135"/>
+                    </a:moveTo>
+                    <a:lnTo>
+                      <a:pt x="0" y="1135"/>
+                    </a:lnTo>
+                    <a:lnTo>
+                      <a:pt x="0" y="354"/>
+                    </a:lnTo>
+                    <a:lnTo>
+                      <a:pt x="176" y="177"/>
+                    </a:lnTo>
+                    <a:lnTo>
+                      <a:pt x="176" y="0"/>
+                    </a:lnTo>
+                    <a:lnTo>
+                      <a:pt x="194" y="0"/>
+                    </a:lnTo>
+                    <a:lnTo>
+                      <a:pt x="194" y="183"/>
+                    </a:lnTo>
+                    <a:lnTo>
+                      <a:pt x="18" y="360"/>
+                    </a:lnTo>
+                    <a:lnTo>
+                      <a:pt x="18" y="1135"/>
+                    </a:lnTo>
+                    <a:close/>
+                  </a:path>
+                </a:pathLst>
+              </a:custGeom>
+              <a:grpFill/>
+              <a:ln>
+                <a:noFill/>
+              </a:ln>
+              <a:extLst>
+                <a:ext uri="{91240B29-F687-4f45-9708-019B960494DF}">
+                  <a14:hiddenLine xmlns="" xmlns:a16="http://schemas.microsoft.com/office/drawing/2014/main" xmlns:p14="http://schemas.microsoft.com/office/powerpoint/2010/main" xmlns:a14="http://schemas.microsoft.com/office/drawing/2010/main" w="9525">
+                    <a:solidFill>
+                      <a:srgbClr val="000000"/>
+                    </a:solidFill>
+                    <a:round/>
+                    <a:headEnd/>
+                    <a:tailEnd/>
+                  </a14:hiddenLine>
+                </a:ext>
+              </a:extLst>
+            </p:spPr>
+          </p:sp>
+          <p:sp>
+            <p:nvSpPr>
+              <p:cNvPr id="23" name="Freeform 40">
+                <a:extLst>
+                  <a:ext uri="{FF2B5EF4-FFF2-40B4-BE49-F238E27FC236}">
+                    <a16:creationId xmlns:a16="http://schemas.microsoft.com/office/drawing/2014/main" id="{40B6A261-9427-4E70-9564-048AD009BD83}"/>
+                  </a:ext>
+                  <a:ext uri="{C183D7F6-B498-43B3-948B-1728B52AA6E4}">
+                    <adec:decorative xmlns:adec="http://schemas.microsoft.com/office/drawing/2017/decorative" val="1"/>
+                  </a:ext>
+                </a:extLst>
+              </p:cNvPr>
+              <p:cNvSpPr>
+                <a:spLocks noEditPoints="1"/>
+              </p:cNvSpPr>
+              <p:nvPr>
+                <p:extLst>
+                  <p:ext uri="{386F3935-93C4-4BCD-93E2-E3B085C9AB24}">
+                    <p16:designElem xmlns:p16="http://schemas.microsoft.com/office/powerpoint/2015/main" val="1"/>
+                  </p:ext>
+                </p:extLst>
+              </p:nvPr>
+            </p:nvSpPr>
+            <p:spPr bwMode="auto">
+              <a:xfrm>
+                <a:off x="11849100" y="6416675"/>
+                <a:ext cx="190500" cy="188913"/>
+              </a:xfrm>
+              <a:custGeom>
+                <a:avLst/>
+                <a:gdLst/>
+                <a:ahLst/>
+                <a:cxnLst/>
+                <a:rect l="0" t="0" r="r" b="b"/>
+                <a:pathLst>
+                  <a:path w="40" h="40">
+                    <a:moveTo>
+                      <a:pt x="20" y="40"/>
+                    </a:moveTo>
+                    <a:cubicBezTo>
+                      <a:pt x="9" y="40"/>
+                      <a:pt x="0" y="31"/>
+                      <a:pt x="0" y="20"/>
+                    </a:cubicBezTo>
+                    <a:cubicBezTo>
+                      <a:pt x="0" y="9"/>
+                      <a:pt x="9" y="0"/>
+                      <a:pt x="20" y="0"/>
+                    </a:cubicBezTo>
+                    <a:cubicBezTo>
+                      <a:pt x="31" y="0"/>
+                      <a:pt x="40" y="9"/>
+                      <a:pt x="40" y="20"/>
+                    </a:cubicBezTo>
+                    <a:cubicBezTo>
+                      <a:pt x="40" y="31"/>
+                      <a:pt x="31" y="40"/>
+                      <a:pt x="20" y="40"/>
+                    </a:cubicBezTo>
+                    <a:close/>
+                    <a:moveTo>
+                      <a:pt x="20" y="4"/>
+                    </a:moveTo>
+                    <a:cubicBezTo>
+                      <a:pt x="12" y="4"/>
+                      <a:pt x="4" y="11"/>
+                      <a:pt x="4" y="20"/>
+                    </a:cubicBezTo>
+                    <a:cubicBezTo>
+                      <a:pt x="4" y="29"/>
+                      <a:pt x="12" y="36"/>
+                      <a:pt x="20" y="36"/>
+                    </a:cubicBezTo>
+                    <a:cubicBezTo>
+                      <a:pt x="29" y="36"/>
+                      <a:pt x="36" y="29"/>
+                      <a:pt x="36" y="20"/>
+                    </a:cubicBezTo>
+                    <a:cubicBezTo>
+                      <a:pt x="36" y="11"/>
+                      <a:pt x="29" y="4"/>
+                      <a:pt x="20" y="4"/>
+                    </a:cubicBezTo>
+                    <a:close/>
+                  </a:path>
+                </a:pathLst>
+              </a:custGeom>
+              <a:grpFill/>
+              <a:ln>
+                <a:noFill/>
+              </a:ln>
+              <a:extLst>
+                <a:ext uri="{91240B29-F687-4f45-9708-019B960494DF}">
+                  <a14:hiddenLine xmlns="" xmlns:a16="http://schemas.microsoft.com/office/drawing/2014/main" xmlns:p14="http://schemas.microsoft.com/office/powerpoint/2010/main" xmlns:a14="http://schemas.microsoft.com/office/drawing/2010/main" w="9525">
+                    <a:solidFill>
+                      <a:srgbClr val="000000"/>
+                    </a:solidFill>
+                    <a:round/>
+                    <a:headEnd/>
+                    <a:tailEnd/>
+                  </a14:hiddenLine>
+                </a:ext>
+              </a:extLst>
+            </p:spPr>
+          </p:sp>
+          <p:sp>
+            <p:nvSpPr>
+              <p:cNvPr id="24" name="Rectangle 41">
+                <a:extLst>
+                  <a:ext uri="{FF2B5EF4-FFF2-40B4-BE49-F238E27FC236}">
+                    <a16:creationId xmlns:a16="http://schemas.microsoft.com/office/drawing/2014/main" id="{68BFDFBE-2286-4123-9436-E1DF84AF494F}"/>
+                  </a:ext>
+                  <a:ext uri="{C183D7F6-B498-43B3-948B-1728B52AA6E4}">
+                    <adec:decorative xmlns:adec="http://schemas.microsoft.com/office/drawing/2017/decorative" val="1"/>
+                  </a:ext>
+                </a:extLst>
+              </p:cNvPr>
+              <p:cNvSpPr>
+                <a:spLocks noChangeArrowheads="1"/>
+              </p:cNvSpPr>
+              <p:nvPr>
+                <p:extLst>
+                  <p:ext uri="{386F3935-93C4-4BCD-93E2-E3B085C9AB24}">
+                    <p16:designElem xmlns:p16="http://schemas.microsoft.com/office/powerpoint/2015/main" val="1"/>
+                  </p:ext>
+                </p:extLst>
+              </p:nvPr>
+            </p:nvSpPr>
+            <p:spPr bwMode="auto">
+              <a:xfrm>
+                <a:off x="11939587" y="6596063"/>
+                <a:ext cx="23813" cy="252413"/>
+              </a:xfrm>
+              <a:prstGeom prst="rect">
+                <a:avLst/>
+              </a:prstGeom>
+              <a:grpFill/>
+              <a:ln>
+                <a:noFill/>
+              </a:ln>
+              <a:extLst>
+                <a:ext uri="{91240B29-F687-4f45-9708-019B960494DF}">
+                  <a14:hiddenLine xmlns="" xmlns:a16="http://schemas.microsoft.com/office/drawing/2014/main" xmlns:p14="http://schemas.microsoft.com/office/powerpoint/2010/main" xmlns:a14="http://schemas.microsoft.com/office/drawing/2010/main" w="9525">
+                    <a:solidFill>
+                      <a:srgbClr val="000000"/>
+                    </a:solidFill>
+                    <a:miter lim="800000"/>
+                    <a:headEnd/>
+                    <a:tailEnd/>
+                  </a14:hiddenLine>
+                </a:ext>
+              </a:extLst>
+            </p:spPr>
+          </p:sp>
+        </p:grpSp>
+      </p:grpSp>
+      <p:pic>
+        <p:nvPicPr>
+          <p:cNvPr id="53" name="Picture 2">
+            <a:extLst>
+              <a:ext uri="{FF2B5EF4-FFF2-40B4-BE49-F238E27FC236}">
+                <a16:creationId xmlns:a16="http://schemas.microsoft.com/office/drawing/2014/main" id="{5B3DE270-418F-47A7-B311-C4D876041DC6}"/>
+              </a:ext>
+              <a:ext uri="{C183D7F6-B498-43B3-948B-1728B52AA6E4}">
+                <adec:decorative xmlns:adec="http://schemas.microsoft.com/office/drawing/2017/decorative" val="1"/>
+              </a:ext>
+            </a:extLst>
+          </p:cNvPr>
+          <p:cNvPicPr>
+            <a:picLocks noGrp="1" noRot="1" noChangeAspect="1" noMove="1" noResize="1" noEditPoints="1" noAdjustHandles="1" noChangeArrowheads="1" noChangeShapeType="1" noCrop="1"/>
+          </p:cNvPicPr>
+          <p:nvPr>
+            <p:extLst>
+              <p:ext uri="{386F3935-93C4-4BCD-93E2-E3B085C9AB24}">
+                <p16:designElem xmlns:p16="http://schemas.microsoft.com/office/powerpoint/2015/main" val="1"/>
+              </p:ext>
+            </p:extLst>
+          </p:nvPr>
+        </p:nvPicPr>
+        <p:blipFill>
+          <a:blip r:embed="rId2">
+            <a:alphaModFix amt="30000"/>
+            <a:extLst>
+              <a:ext uri="{28A0092B-C50C-407E-A947-70E740481C1C}">
+                <a14:useLocalDpi xmlns:a14="http://schemas.microsoft.com/office/drawing/2010/main" val="0"/>
+              </a:ext>
+            </a:extLst>
+          </a:blip>
+          <a:srcRect/>
+          <a:stretch>
+            <a:fillRect/>
+          </a:stretch>
+        </p:blipFill>
+        <p:spPr bwMode="auto">
+          <a:xfrm>
+            <a:off x="0" y="0"/>
+            <a:ext cx="12192003" cy="6858001"/>
+          </a:xfrm>
+          <a:prstGeom prst="rect">
+            <a:avLst/>
+          </a:prstGeom>
+          <a:noFill/>
+          <a:extLst>
+            <a:ext uri="{909E8E84-426E-40dd-AFC4-6F175D3DCCD1}">
+              <a14:hiddenFill xmlns="" xmlns:a16="http://schemas.microsoft.com/office/drawing/2014/main" xmlns:p14="http://schemas.microsoft.com/office/powerpoint/2010/main" xmlns:a14="http://schemas.microsoft.com/office/drawing/2010/main">
+                <a:solidFill>
+                  <a:srgbClr val="FFFFFF"/>
+                </a:solidFill>
+              </a14:hiddenFill>
+            </a:ext>
+          </a:extLst>
+        </p:spPr>
+      </p:pic>
       <p:sp>
         <p:nvSpPr>
           <p:cNvPr id="2" name="Title 1">
@@ -14118,16 +17604,21 @@
         </p:nvSpPr>
         <p:spPr>
           <a:xfrm>
-            <a:off x="1141413" y="618518"/>
-            <a:ext cx="9905998" cy="1478570"/>
+            <a:off x="8036041" y="618518"/>
+            <a:ext cx="3281003" cy="1478570"/>
           </a:xfrm>
         </p:spPr>
         <p:txBody>
-          <a:bodyPr/>
+          <a:bodyPr anchor="b">
+            <a:normAutofit/>
+          </a:bodyPr>
           <a:lstStyle/>
           <a:p>
             <a:r>
-              <a:rPr lang="en-US">
+              <a:rPr lang="en-US" sz="2800">
+                <a:solidFill>
+                  <a:srgbClr val="FFFFFF"/>
+                </a:solidFill>
                 <a:latin typeface="Kannada MN" pitchFamily="2" charset="0"/>
                 <a:cs typeface="Kannada MN" pitchFamily="2" charset="0"/>
               </a:rPr>
@@ -14136,6 +17627,113 @@
           </a:p>
         </p:txBody>
       </p:sp>
+      <p:sp useBgFill="1">
+        <p:nvSpPr>
+          <p:cNvPr id="55" name="Round Diagonal Corner Rectangle 11">
+            <a:extLst>
+              <a:ext uri="{FF2B5EF4-FFF2-40B4-BE49-F238E27FC236}">
+                <a16:creationId xmlns:a16="http://schemas.microsoft.com/office/drawing/2014/main" id="{A1351C6B-7343-451F-AB4A-1CE294A4E927}"/>
+              </a:ext>
+              <a:ext uri="{C183D7F6-B498-43B3-948B-1728B52AA6E4}">
+                <adec:decorative xmlns:adec="http://schemas.microsoft.com/office/drawing/2017/decorative" val="1"/>
+              </a:ext>
+            </a:extLst>
+          </p:cNvPr>
+          <p:cNvSpPr>
+            <a:spLocks noGrp="1" noRot="1" noChangeAspect="1" noMove="1" noResize="1" noEditPoints="1" noAdjustHandles="1" noChangeArrowheads="1" noChangeShapeType="1" noTextEdit="1"/>
+          </p:cNvSpPr>
+          <p:nvPr>
+            <p:extLst>
+              <p:ext uri="{386F3935-93C4-4BCD-93E2-E3B085C9AB24}">
+                <p16:designElem xmlns:p16="http://schemas.microsoft.com/office/powerpoint/2015/main" val="1"/>
+              </p:ext>
+            </p:extLst>
+          </p:nvPr>
+        </p:nvSpPr>
+        <p:spPr>
+          <a:xfrm>
+            <a:off x="798949" y="808057"/>
+            <a:ext cx="6752461" cy="5234394"/>
+          </a:xfrm>
+          <a:prstGeom prst="round2DiagRect">
+            <a:avLst>
+              <a:gd name="adj1" fmla="val 7418"/>
+              <a:gd name="adj2" fmla="val 0"/>
+            </a:avLst>
+          </a:prstGeom>
+          <a:ln w="19050" cap="sq">
+            <a:solidFill>
+              <a:schemeClr val="tx2">
+                <a:lumMod val="60000"/>
+                <a:lumOff val="40000"/>
+                <a:alpha val="60000"/>
+              </a:schemeClr>
+            </a:solidFill>
+            <a:miter lim="800000"/>
+          </a:ln>
+          <a:effectLst>
+            <a:outerShdw blurRad="88900" dist="38100" dir="5400000" algn="t" rotWithShape="0">
+              <a:prstClr val="black">
+                <a:alpha val="40000"/>
+              </a:prstClr>
+            </a:outerShdw>
+          </a:effectLst>
+        </p:spPr>
+        <p:style>
+          <a:lnRef idx="2">
+            <a:schemeClr val="accent1">
+              <a:shade val="50000"/>
+            </a:schemeClr>
+          </a:lnRef>
+          <a:fillRef idx="1">
+            <a:schemeClr val="accent1"/>
+          </a:fillRef>
+          <a:effectRef idx="0">
+            <a:schemeClr val="accent1"/>
+          </a:effectRef>
+          <a:fontRef idx="minor">
+            <a:schemeClr val="lt1"/>
+          </a:fontRef>
+        </p:style>
+        <p:txBody>
+          <a:bodyPr rtlCol="0" anchor="ctr"/>
+          <a:lstStyle/>
+          <a:p>
+            <a:pPr algn="ctr"/>
+            <a:endParaRPr lang="en-US"/>
+          </a:p>
+        </p:txBody>
+      </p:sp>
+      <p:pic>
+        <p:nvPicPr>
+          <p:cNvPr id="5" name="Picture 4">
+            <a:extLst>
+              <a:ext uri="{FF2B5EF4-FFF2-40B4-BE49-F238E27FC236}">
+                <a16:creationId xmlns:a16="http://schemas.microsoft.com/office/drawing/2014/main" id="{E7C80843-4C9F-34EB-4A37-4ACE86467CAE}"/>
+              </a:ext>
+            </a:extLst>
+          </p:cNvPr>
+          <p:cNvPicPr>
+            <a:picLocks noChangeAspect="1"/>
+          </p:cNvPicPr>
+          <p:nvPr/>
+        </p:nvPicPr>
+        <p:blipFill>
+          <a:blip r:embed="rId3"/>
+          <a:stretch>
+            <a:fillRect/>
+          </a:stretch>
+        </p:blipFill>
+        <p:spPr>
+          <a:xfrm>
+            <a:off x="1118988" y="1266804"/>
+            <a:ext cx="6005828" cy="4243639"/>
+          </a:xfrm>
+          <a:prstGeom prst="rect">
+            <a:avLst/>
+          </a:prstGeom>
+        </p:spPr>
+      </p:pic>
       <p:sp>
         <p:nvSpPr>
           <p:cNvPr id="3" name="Content Placeholder 2">
@@ -14154,8 +17752,8 @@
         </p:nvSpPr>
         <p:spPr>
           <a:xfrm>
-            <a:off x="1141412" y="2249487"/>
-            <a:ext cx="9905999" cy="3541714"/>
+            <a:off x="8036041" y="2249487"/>
+            <a:ext cx="3281004" cy="3541714"/>
           </a:xfrm>
         </p:spPr>
         <p:txBody>
@@ -14165,7 +17763,10 @@
           <a:lstStyle/>
           <a:p>
             <a:r>
-              <a:rPr lang="en-US" sz="2000" dirty="0">
+              <a:rPr lang="en-US" sz="1800" dirty="0">
+                <a:solidFill>
+                  <a:srgbClr val="FFFFFF"/>
+                </a:solidFill>
                 <a:latin typeface="Kannada MN" pitchFamily="2" charset="0"/>
                 <a:cs typeface="Kannada MN" pitchFamily="2" charset="0"/>
               </a:rPr>
@@ -14174,12 +17775,33 @@
           </a:p>
           <a:p>
             <a:r>
-              <a:rPr lang="en-US" sz="2000" dirty="0">
+              <a:rPr lang="en-US" sz="1800" dirty="0">
+                <a:solidFill>
+                  <a:srgbClr val="FFFFFF"/>
+                </a:solidFill>
                 <a:latin typeface="Kannada MN" pitchFamily="2" charset="0"/>
                 <a:cs typeface="Kannada MN" pitchFamily="2" charset="0"/>
               </a:rPr>
               <a:t>Recent updates</a:t>
             </a:r>
+          </a:p>
+          <a:p>
+            <a:endParaRPr lang="en-US" sz="1800" dirty="0">
+              <a:solidFill>
+                <a:srgbClr val="FFFFFF"/>
+              </a:solidFill>
+              <a:latin typeface="Kannada MN" pitchFamily="2" charset="0"/>
+              <a:cs typeface="Kannada MN" pitchFamily="2" charset="0"/>
+            </a:endParaRPr>
+          </a:p>
+          <a:p>
+            <a:endParaRPr lang="en-US" sz="1800" dirty="0">
+              <a:solidFill>
+                <a:srgbClr val="FFFFFF"/>
+              </a:solidFill>
+              <a:latin typeface="Kannada MN" pitchFamily="2" charset="0"/>
+              <a:cs typeface="Kannada MN" pitchFamily="2" charset="0"/>
+            </a:endParaRPr>
           </a:p>
         </p:txBody>
       </p:sp>
@@ -14191,7 +17813,7 @@
     </p:extLst>
   </p:cSld>
   <p:clrMapOvr>
-    <a:masterClrMapping/>
+    <a:overrideClrMapping bg1="lt1" tx1="dk1" bg2="lt2" tx2="dk2" accent1="accent1" accent2="accent2" accent3="accent3" accent4="accent4" accent5="accent5" accent6="accent6" hlink="hlink" folHlink="folHlink"/>
   </p:clrMapOvr>
   <mc:AlternateContent xmlns:mc="http://schemas.openxmlformats.org/markup-compatibility/2006" xmlns:p14="http://schemas.microsoft.com/office/powerpoint/2010/main">
     <mc:Choice Requires="p14">
@@ -14312,7 +17934,7 @@
                 <a:latin typeface="Kannada MN" pitchFamily="2" charset="0"/>
                 <a:cs typeface="Kannada MN" pitchFamily="2" charset="0"/>
               </a:rPr>
-              <a:t>Limitations</a:t>
+              <a:t>What is it good for ?</a:t>
             </a:r>
           </a:p>
           <a:p>
@@ -14321,7 +17943,7 @@
                 <a:latin typeface="Kannada MN" pitchFamily="2" charset="0"/>
                 <a:cs typeface="Kannada MN" pitchFamily="2" charset="0"/>
               </a:rPr>
-              <a:t>What is it good for ?</a:t>
+              <a:t>Limitations</a:t>
             </a:r>
           </a:p>
           <a:p>
@@ -14507,15 +18129,6 @@
               <a:t>both Pico cores can be used but … it’s complicated</a:t>
             </a:r>
           </a:p>
-          <a:p>
-            <a:r>
-              <a:rPr lang="en-US" sz="2000" dirty="0">
-                <a:latin typeface="Kannada MN" pitchFamily="2" charset="0"/>
-                <a:cs typeface="Kannada MN" pitchFamily="2" charset="0"/>
-              </a:rPr>
-              <a:t>Async/await</a:t>
-            </a:r>
-          </a:p>
         </p:txBody>
       </p:sp>
     </p:spTree>
@@ -14632,7 +18245,7 @@
           <a:lstStyle/>
           <a:p>
             <a:r>
-              <a:rPr lang="en-US" sz="2000">
+              <a:rPr lang="en-US" sz="2000" dirty="0">
                 <a:latin typeface="Kannada MN" pitchFamily="2" charset="0"/>
                 <a:cs typeface="Kannada MN" pitchFamily="2" charset="0"/>
               </a:rPr>
@@ -14641,7 +18254,7 @@
           </a:p>
           <a:p>
             <a:r>
-              <a:rPr lang="en-US" sz="2000">
+              <a:rPr lang="en-US" sz="2000" dirty="0">
                 <a:latin typeface="Kannada MN" pitchFamily="2" charset="0"/>
                 <a:cs typeface="Kannada MN" pitchFamily="2" charset="0"/>
               </a:rPr>
@@ -14650,7 +18263,7 @@
           </a:p>
           <a:p>
             <a:r>
-              <a:rPr lang="en-US" sz="2000">
+              <a:rPr lang="en-US" sz="2000" dirty="0">
                 <a:latin typeface="Kannada MN" pitchFamily="2" charset="0"/>
                 <a:cs typeface="Kannada MN" pitchFamily="2" charset="0"/>
               </a:rPr>
@@ -14659,11 +18272,20 @@
           </a:p>
           <a:p>
             <a:r>
-              <a:rPr lang="en-US" sz="2000">
+              <a:rPr lang="en-US" sz="2000" dirty="0">
                 <a:latin typeface="Kannada MN" pitchFamily="2" charset="0"/>
                 <a:cs typeface="Kannada MN" pitchFamily="2" charset="0"/>
               </a:rPr>
               <a:t>How do I create a CBUS module ?</a:t>
+            </a:r>
+          </a:p>
+          <a:p>
+            <a:r>
+              <a:rPr lang="en-US" sz="2000" dirty="0">
+                <a:latin typeface="Kannada MN" pitchFamily="2" charset="0"/>
+                <a:cs typeface="Kannada MN" pitchFamily="2" charset="0"/>
+              </a:rPr>
+              <a:t>A ‘Getting started’ guide is in progress</a:t>
             </a:r>
           </a:p>
         </p:txBody>
@@ -14824,6 +18446,12 @@
             </a:r>
           </a:p>
           <a:p>
+            <a:endParaRPr lang="en-US" sz="2000" dirty="0">
+              <a:latin typeface="Kannada MN" pitchFamily="2" charset="0"/>
+              <a:cs typeface="Kannada MN" pitchFamily="2" charset="0"/>
+            </a:endParaRPr>
+          </a:p>
+          <a:p>
             <a:r>
               <a:rPr lang="en-US" sz="2000" dirty="0">
                 <a:latin typeface="Kannada MN" pitchFamily="2" charset="0"/>
@@ -14831,12 +18459,6 @@
               </a:rPr>
               <a:t>Enables event-driven programming</a:t>
             </a:r>
-          </a:p>
-          <a:p>
-            <a:endParaRPr lang="en-US" sz="2000" dirty="0">
-              <a:latin typeface="Kannada MN" pitchFamily="2" charset="0"/>
-              <a:cs typeface="Kannada MN" pitchFamily="2" charset="0"/>
-            </a:endParaRPr>
           </a:p>
           <a:p>
             <a:r>

--- a/Micropython Pico SIG presentation 0 1.pptx
+++ b/Micropython Pico SIG presentation 0 1.pptx
@@ -4401,7 +4401,7 @@
           <a:p>
             <a:fld id="{48A87A34-81AB-432B-8DAE-1953F412C126}" type="datetimeFigureOut">
               <a:rPr lang="en-US"/>
-              <a:t>1/14/23</a:t>
+              <a:t>1/15/23</a:t>
             </a:fld>
             <a:endParaRPr lang="en-US"/>
           </a:p>
@@ -4662,7 +4662,7 @@
           <a:p>
             <a:fld id="{48A87A34-81AB-432B-8DAE-1953F412C126}" type="datetimeFigureOut">
               <a:rPr lang="en-US"/>
-              <a:t>1/14/23</a:t>
+              <a:t>1/15/23</a:t>
             </a:fld>
             <a:endParaRPr lang="en-US"/>
           </a:p>
@@ -4853,7 +4853,7 @@
           <a:p>
             <a:fld id="{48A87A34-81AB-432B-8DAE-1953F412C126}" type="datetimeFigureOut">
               <a:rPr lang="en-US"/>
-              <a:t>1/14/23</a:t>
+              <a:t>1/15/23</a:t>
             </a:fld>
             <a:endParaRPr lang="en-US"/>
           </a:p>
@@ -5111,7 +5111,7 @@
           <a:p>
             <a:fld id="{48A87A34-81AB-432B-8DAE-1953F412C126}" type="datetimeFigureOut">
               <a:rPr lang="en-US"/>
-              <a:t>1/14/23</a:t>
+              <a:t>1/15/23</a:t>
             </a:fld>
             <a:endParaRPr lang="en-US"/>
           </a:p>
@@ -5540,7 +5540,7 @@
           <a:p>
             <a:fld id="{48A87A34-81AB-432B-8DAE-1953F412C126}" type="datetimeFigureOut">
               <a:rPr lang="en-US"/>
-              <a:t>1/14/23</a:t>
+              <a:t>1/15/23</a:t>
             </a:fld>
             <a:endParaRPr lang="en-US"/>
           </a:p>
@@ -6081,7 +6081,7 @@
           <a:p>
             <a:fld id="{48A87A34-81AB-432B-8DAE-1953F412C126}" type="datetimeFigureOut">
               <a:rPr lang="en-US"/>
-              <a:t>1/14/23</a:t>
+              <a:t>1/15/23</a:t>
             </a:fld>
             <a:endParaRPr lang="en-US"/>
           </a:p>
@@ -6793,7 +6793,7 @@
           <a:p>
             <a:fld id="{48A87A34-81AB-432B-8DAE-1953F412C126}" type="datetimeFigureOut">
               <a:rPr lang="en-US"/>
-              <a:t>1/14/23</a:t>
+              <a:t>1/15/23</a:t>
             </a:fld>
             <a:endParaRPr lang="en-US"/>
           </a:p>
@@ -6958,7 +6958,7 @@
           <a:p>
             <a:fld id="{48A87A34-81AB-432B-8DAE-1953F412C126}" type="datetimeFigureOut">
               <a:rPr lang="en-US"/>
-              <a:t>1/14/23</a:t>
+              <a:t>1/15/23</a:t>
             </a:fld>
             <a:endParaRPr lang="en-US"/>
           </a:p>
@@ -7133,7 +7133,7 @@
           <a:p>
             <a:fld id="{48A87A34-81AB-432B-8DAE-1953F412C126}" type="datetimeFigureOut">
               <a:rPr lang="en-US"/>
-              <a:t>1/14/23</a:t>
+              <a:t>1/15/23</a:t>
             </a:fld>
             <a:endParaRPr lang="en-US"/>
           </a:p>
@@ -7298,7 +7298,7 @@
           <a:p>
             <a:fld id="{48A87A34-81AB-432B-8DAE-1953F412C126}" type="datetimeFigureOut">
               <a:rPr lang="en-US"/>
-              <a:t>1/14/23</a:t>
+              <a:t>1/15/23</a:t>
             </a:fld>
             <a:endParaRPr lang="en-US"/>
           </a:p>
@@ -7543,7 +7543,7 @@
           <a:p>
             <a:fld id="{48A87A34-81AB-432B-8DAE-1953F412C126}" type="datetimeFigureOut">
               <a:rPr lang="en-US"/>
-              <a:t>1/14/23</a:t>
+              <a:t>1/15/23</a:t>
             </a:fld>
             <a:endParaRPr lang="en-US"/>
           </a:p>
@@ -7770,7 +7770,7 @@
           <a:p>
             <a:fld id="{48A87A34-81AB-432B-8DAE-1953F412C126}" type="datetimeFigureOut">
               <a:rPr lang="en-US"/>
-              <a:t>1/14/23</a:t>
+              <a:t>1/15/23</a:t>
             </a:fld>
             <a:endParaRPr lang="en-US"/>
           </a:p>
@@ -8146,7 +8146,7 @@
           <a:p>
             <a:fld id="{48A87A34-81AB-432B-8DAE-1953F412C126}" type="datetimeFigureOut">
               <a:rPr lang="en-US"/>
-              <a:t>1/14/23</a:t>
+              <a:t>1/15/23</a:t>
             </a:fld>
             <a:endParaRPr lang="en-US"/>
           </a:p>
@@ -8259,7 +8259,7 @@
           <a:p>
             <a:fld id="{48A87A34-81AB-432B-8DAE-1953F412C126}" type="datetimeFigureOut">
               <a:rPr lang="en-US"/>
-              <a:t>1/14/23</a:t>
+              <a:t>1/15/23</a:t>
             </a:fld>
             <a:endParaRPr lang="en-US"/>
           </a:p>
@@ -8349,7 +8349,7 @@
           <a:p>
             <a:fld id="{48A87A34-81AB-432B-8DAE-1953F412C126}" type="datetimeFigureOut">
               <a:rPr lang="en-US"/>
-              <a:t>1/14/23</a:t>
+              <a:t>1/15/23</a:t>
             </a:fld>
             <a:endParaRPr lang="en-US"/>
           </a:p>
@@ -8593,7 +8593,7 @@
           <a:p>
             <a:fld id="{48A87A34-81AB-432B-8DAE-1953F412C126}" type="datetimeFigureOut">
               <a:rPr lang="en-US"/>
-              <a:t>1/14/23</a:t>
+              <a:t>1/15/23</a:t>
             </a:fld>
             <a:endParaRPr lang="en-US"/>
           </a:p>
@@ -8867,7 +8867,7 @@
           <a:p>
             <a:fld id="{48A87A34-81AB-432B-8DAE-1953F412C126}" type="datetimeFigureOut">
               <a:rPr lang="en-US"/>
-              <a:t>1/14/23</a:t>
+              <a:t>1/15/23</a:t>
             </a:fld>
             <a:endParaRPr lang="en-US"/>
           </a:p>
@@ -11940,7 +11940,7 @@
             <a:fld id="{48A87A34-81AB-432B-8DAE-1953F412C126}" type="datetimeFigureOut">
               <a:rPr lang="en-US"/>
               <a:pPr/>
-              <a:t>1/14/23</a:t>
+              <a:t>1/15/23</a:t>
             </a:fld>
             <a:endParaRPr lang="en-US"/>
           </a:p>
@@ -12997,6 +12997,15 @@
                 <a:latin typeface="Kannada MN" pitchFamily="2" charset="0"/>
                 <a:cs typeface="Kannada MN" pitchFamily="2" charset="0"/>
               </a:rPr>
+              <a:t>Thinking in code </a:t>
+            </a:r>
+          </a:p>
+          <a:p>
+            <a:r>
+              <a:rPr lang="en-US" sz="2000" dirty="0">
+                <a:latin typeface="Kannada MN" pitchFamily="2" charset="0"/>
+                <a:cs typeface="Kannada MN" pitchFamily="2" charset="0"/>
+              </a:rPr>
               <a:t>Limitations</a:t>
             </a:r>
           </a:p>
@@ -13104,7 +13113,7 @@
           <a:p>
             <a:pPr algn="ctr"/>
             <a:r>
-              <a:rPr lang="en-US">
+              <a:rPr lang="en-US" dirty="0">
                 <a:latin typeface="Kannada MN" pitchFamily="2" charset="0"/>
                 <a:cs typeface="Kannada MN" pitchFamily="2" charset="0"/>
               </a:rPr>
@@ -13155,7 +13164,7 @@
                 <a:latin typeface="Kannada MN" pitchFamily="2" charset="0"/>
                 <a:cs typeface="Kannada MN" pitchFamily="2" charset="0"/>
               </a:rPr>
-              <a:t>Level-shifting</a:t>
+              <a:t>MR uses other than CBUS ?</a:t>
             </a:r>
           </a:p>
           <a:p>
@@ -13175,6 +13184,15 @@
                 <a:cs typeface="Kannada MN" pitchFamily="2" charset="0"/>
               </a:rPr>
               <a:t>Servos, displays, other MERG modules, etc.</a:t>
+            </a:r>
+          </a:p>
+          <a:p>
+            <a:r>
+              <a:rPr lang="en-US" dirty="0">
+                <a:latin typeface="Kannada MN" pitchFamily="2" charset="0"/>
+                <a:cs typeface="Kannada MN" pitchFamily="2" charset="0"/>
+              </a:rPr>
+              <a:t>Level-shifting</a:t>
             </a:r>
           </a:p>
         </p:txBody>
@@ -18457,7 +18475,7 @@
                 <a:latin typeface="Kannada MN" pitchFamily="2" charset="0"/>
                 <a:cs typeface="Kannada MN" pitchFamily="2" charset="0"/>
               </a:rPr>
-              <a:t>Enables event-driven programming</a:t>
+              <a:t>Enables asynchronous &amp; event-driven programming</a:t>
             </a:r>
           </a:p>
           <a:p>

--- a/Micropython Pico SIG presentation 0 1.pptx
+++ b/Micropython Pico SIG presentation 0 1.pptx
@@ -12749,7 +12749,7 @@
           <a:lstStyle/>
           <a:p>
             <a:r>
-              <a:rPr lang="en-US">
+              <a:rPr lang="en-US" dirty="0">
                 <a:latin typeface="Kannada MN" pitchFamily="2" charset="0"/>
                 <a:cs typeface="Kannada MN" pitchFamily="2" charset="0"/>
               </a:rPr>
@@ -12970,7 +12970,7 @@
                 <a:latin typeface="Kannada MN" pitchFamily="2" charset="0"/>
                 <a:cs typeface="Kannada MN" pitchFamily="2" charset="0"/>
               </a:rPr>
-              <a:t>Possibilities and why ?</a:t>
+              <a:t>Possibilities</a:t>
             </a:r>
           </a:p>
           <a:p>
@@ -12997,7 +12997,16 @@
                 <a:latin typeface="Kannada MN" pitchFamily="2" charset="0"/>
                 <a:cs typeface="Kannada MN" pitchFamily="2" charset="0"/>
               </a:rPr>
-              <a:t>Thinking in code </a:t>
+              <a:t>Why ?</a:t>
+            </a:r>
+          </a:p>
+          <a:p>
+            <a:r>
+              <a:rPr lang="en-US" sz="2000" dirty="0">
+                <a:latin typeface="Kannada MN" pitchFamily="2" charset="0"/>
+                <a:cs typeface="Kannada MN" pitchFamily="2" charset="0"/>
+              </a:rPr>
+              <a:t>A CBUS module that can run arbitrary user programs</a:t>
             </a:r>
           </a:p>
           <a:p>

--- a/Micropython Pico SIG presentation 0 1.pptx
+++ b/Micropython Pico SIG presentation 0 1.pptx
@@ -12970,7 +12970,7 @@
                 <a:latin typeface="Kannada MN" pitchFamily="2" charset="0"/>
                 <a:cs typeface="Kannada MN" pitchFamily="2" charset="0"/>
               </a:rPr>
-              <a:t>Possibilities</a:t>
+              <a:t>Sequencing &amp; waypoints </a:t>
             </a:r>
           </a:p>
           <a:p>
@@ -12979,7 +12979,7 @@
                 <a:latin typeface="Kannada MN" pitchFamily="2" charset="0"/>
                 <a:cs typeface="Kannada MN" pitchFamily="2" charset="0"/>
               </a:rPr>
-              <a:t>Train movements</a:t>
+              <a:t>Multiple concurrent train movements</a:t>
             </a:r>
           </a:p>
           <a:p>
@@ -12988,7 +12988,7 @@
                 <a:latin typeface="Kannada MN" pitchFamily="2" charset="0"/>
                 <a:cs typeface="Kannada MN" pitchFamily="2" charset="0"/>
               </a:rPr>
-              <a:t>Sequencing and multiple concurrent train movements</a:t>
+              <a:t>Limitations &amp; dependencies</a:t>
             </a:r>
           </a:p>
           <a:p>
@@ -13008,21 +13008,6 @@
               </a:rPr>
               <a:t>A CBUS module that can run arbitrary user programs</a:t>
             </a:r>
-          </a:p>
-          <a:p>
-            <a:r>
-              <a:rPr lang="en-US" sz="2000" dirty="0">
-                <a:latin typeface="Kannada MN" pitchFamily="2" charset="0"/>
-                <a:cs typeface="Kannada MN" pitchFamily="2" charset="0"/>
-              </a:rPr>
-              <a:t>Limitations</a:t>
-            </a:r>
-          </a:p>
-          <a:p>
-            <a:endParaRPr lang="en-US" sz="2000" dirty="0">
-              <a:latin typeface="Kannada MN" pitchFamily="2" charset="0"/>
-              <a:cs typeface="Kannada MN" pitchFamily="2" charset="0"/>
-            </a:endParaRPr>
           </a:p>
         </p:txBody>
       </p:sp>
@@ -13173,7 +13158,7 @@
                 <a:latin typeface="Kannada MN" pitchFamily="2" charset="0"/>
                 <a:cs typeface="Kannada MN" pitchFamily="2" charset="0"/>
               </a:rPr>
-              <a:t>MR uses other than CBUS ?</a:t>
+              <a:t>Other LCBs ?</a:t>
             </a:r>
           </a:p>
           <a:p>
@@ -13193,6 +13178,16 @@
                 <a:cs typeface="Kannada MN" pitchFamily="2" charset="0"/>
               </a:rPr>
               <a:t>Servos, displays, other MERG modules, etc.</a:t>
+            </a:r>
+          </a:p>
+          <a:p>
+            <a:pPr lvl="1"/>
+            <a:r>
+              <a:rPr lang="en-US" dirty="0">
+                <a:latin typeface="Kannada MN" pitchFamily="2" charset="0"/>
+                <a:cs typeface="Kannada MN" pitchFamily="2" charset="0"/>
+              </a:rPr>
+              <a:t>SPI, I2C, UART, GPIO, ADC, PWM</a:t>
             </a:r>
           </a:p>
           <a:p>
@@ -13972,19 +13967,8 @@
                 <a:latin typeface="Kannada MN" pitchFamily="2" charset="0"/>
                 <a:cs typeface="Kannada MN" pitchFamily="2" charset="0"/>
               </a:rPr>
-              <a:t>Teenage electronics hobbyist &amp; </a:t>
-            </a:r>
-            <a:r>
-              <a:rPr lang="en-US" sz="2000" dirty="0" err="1">
-                <a:latin typeface="Kannada MN" pitchFamily="2" charset="0"/>
-                <a:cs typeface="Kannada MN" pitchFamily="2" charset="0"/>
-              </a:rPr>
-              <a:t>modeller</a:t>
-            </a:r>
-            <a:endParaRPr lang="en-US" sz="2000" dirty="0">
-              <a:latin typeface="Kannada MN" pitchFamily="2" charset="0"/>
-              <a:cs typeface="Kannada MN" pitchFamily="2" charset="0"/>
-            </a:endParaRPr>
+              <a:t>Teenage electronics hobbyist &amp; modeller</a:t>
+            </a:r>
           </a:p>
           <a:p>
             <a:r>
@@ -17642,7 +17626,7 @@
           <a:lstStyle/>
           <a:p>
             <a:r>
-              <a:rPr lang="en-US" sz="2800">
+              <a:rPr lang="en-US" sz="2800" dirty="0">
                 <a:solidFill>
                   <a:srgbClr val="FFFFFF"/>
                 </a:solidFill>
@@ -17928,8 +17912,8 @@
         </p:nvSpPr>
         <p:spPr>
           <a:xfrm>
-            <a:off x="1141412" y="2249487"/>
-            <a:ext cx="9905999" cy="3541714"/>
+            <a:off x="1141413" y="2249487"/>
+            <a:ext cx="5030788" cy="3541714"/>
           </a:xfrm>
         </p:spPr>
         <p:txBody>
@@ -18014,6 +17998,66 @@
           </a:p>
         </p:txBody>
       </p:sp>
+      <p:pic>
+        <p:nvPicPr>
+          <p:cNvPr id="7" name="Picture 6" descr="A picture containing text, clipart&#10;&#10;Description automatically generated">
+            <a:extLst>
+              <a:ext uri="{FF2B5EF4-FFF2-40B4-BE49-F238E27FC236}">
+                <a16:creationId xmlns:a16="http://schemas.microsoft.com/office/drawing/2014/main" id="{ABBF5575-CF26-69E6-C418-F55811F7932B}"/>
+              </a:ext>
+            </a:extLst>
+          </p:cNvPr>
+          <p:cNvPicPr>
+            <a:picLocks noChangeAspect="1"/>
+          </p:cNvPicPr>
+          <p:nvPr/>
+        </p:nvPicPr>
+        <p:blipFill>
+          <a:blip r:embed="rId2"/>
+          <a:stretch>
+            <a:fillRect/>
+          </a:stretch>
+        </p:blipFill>
+        <p:spPr>
+          <a:xfrm>
+            <a:off x="6903830" y="3700668"/>
+            <a:ext cx="2041388" cy="2041388"/>
+          </a:xfrm>
+          <a:prstGeom prst="rect">
+            <a:avLst/>
+          </a:prstGeom>
+        </p:spPr>
+      </p:pic>
+      <p:pic>
+        <p:nvPicPr>
+          <p:cNvPr id="9" name="Picture 8" descr="A screenshot of a video game&#10;&#10;Description automatically generated with medium confidence">
+            <a:extLst>
+              <a:ext uri="{FF2B5EF4-FFF2-40B4-BE49-F238E27FC236}">
+                <a16:creationId xmlns:a16="http://schemas.microsoft.com/office/drawing/2014/main" id="{0DDF49C7-9970-9615-ADDF-F37D5D7AD63F}"/>
+              </a:ext>
+            </a:extLst>
+          </p:cNvPr>
+          <p:cNvPicPr>
+            <a:picLocks noChangeAspect="1"/>
+          </p:cNvPicPr>
+          <p:nvPr/>
+        </p:nvPicPr>
+        <p:blipFill>
+          <a:blip r:embed="rId3"/>
+          <a:stretch>
+            <a:fillRect/>
+          </a:stretch>
+        </p:blipFill>
+        <p:spPr>
+          <a:xfrm>
+            <a:off x="5303078" y="1669842"/>
+            <a:ext cx="6221411" cy="1759158"/>
+          </a:xfrm>
+          <a:prstGeom prst="rect">
+            <a:avLst/>
+          </a:prstGeom>
+        </p:spPr>
+      </p:pic>
     </p:spTree>
     <p:extLst>
       <p:ext uri="{BB962C8B-B14F-4D97-AF65-F5344CB8AC3E}">
@@ -18083,7 +18127,7 @@
           <a:lstStyle/>
           <a:p>
             <a:r>
-              <a:rPr lang="en-US">
+              <a:rPr lang="en-US" dirty="0">
                 <a:latin typeface="Kannada MN" pitchFamily="2" charset="0"/>
                 <a:cs typeface="Kannada MN" pitchFamily="2" charset="0"/>
               </a:rPr>
@@ -18134,7 +18178,7 @@
                 <a:latin typeface="Kannada MN" pitchFamily="2" charset="0"/>
                 <a:cs typeface="Kannada MN" pitchFamily="2" charset="0"/>
               </a:rPr>
-              <a:t>Limitations</a:t>
+              <a:t>Opportunities</a:t>
             </a:r>
           </a:p>
           <a:p>
@@ -18143,17 +18187,16 @@
                 <a:latin typeface="Kannada MN" pitchFamily="2" charset="0"/>
                 <a:cs typeface="Kannada MN" pitchFamily="2" charset="0"/>
               </a:rPr>
-              <a:t>What’s possible and how</a:t>
-            </a:r>
-          </a:p>
-          <a:p>
-            <a:pPr lvl="1"/>
-            <a:r>
-              <a:rPr lang="en-US" sz="1600" dirty="0">
+              <a:t>Limitations</a:t>
+            </a:r>
+          </a:p>
+          <a:p>
+            <a:r>
+              <a:rPr lang="en-US" sz="2000" dirty="0">
                 <a:latin typeface="Kannada MN" pitchFamily="2" charset="0"/>
                 <a:cs typeface="Kannada MN" pitchFamily="2" charset="0"/>
               </a:rPr>
-              <a:t>both Pico cores can be used but … it’s complicated</a:t>
+              <a:t>What’s possible</a:t>
             </a:r>
           </a:p>
         </p:txBody>
@@ -18495,18 +18538,6 @@
               </a:rPr>
               <a:t>Usefulness will (I hope) become clear later !</a:t>
             </a:r>
-          </a:p>
-          <a:p>
-            <a:endParaRPr lang="en-US" sz="2000" dirty="0">
-              <a:latin typeface="Kannada MN" pitchFamily="2" charset="0"/>
-              <a:cs typeface="Kannada MN" pitchFamily="2" charset="0"/>
-            </a:endParaRPr>
-          </a:p>
-          <a:p>
-            <a:endParaRPr lang="en-US" sz="2000" dirty="0">
-              <a:latin typeface="Kannada MN" pitchFamily="2" charset="0"/>
-              <a:cs typeface="Kannada MN" pitchFamily="2" charset="0"/>
-            </a:endParaRPr>
           </a:p>
         </p:txBody>
       </p:sp>
